--- a/02-languages/01-teoria/02 Introducción a Typescript.pptx
+++ b/02-languages/01-teoria/02 Introducción a Typescript.pptx
@@ -2201,7 +2201,7 @@
           </a:ln>
           <a:extLst>
             <a:ext uri="{C572A759-6A51-4108-AA02-DFA0A04FC94B}">
-              <ma14:wrappingTextBoxFlag xmlns="" xmlns:m="http://schemas.openxmlformats.org/officeDocument/2006/math" xmlns:a14="http://schemas.microsoft.com/office/drawing/2010/main" xmlns:ma14="http://schemas.microsoft.com/office/mac/drawingml/2011/main" val="1"/>
+              <ma14:wrappingTextBoxFlag xmlns:ma14="http://schemas.microsoft.com/office/mac/drawingml/2011/main" xmlns:a14="http://schemas.microsoft.com/office/drawing/2010/main" xmlns:m="http://schemas.openxmlformats.org/officeDocument/2006/math" xmlns="" val="1"/>
             </a:ext>
           </a:extLst>
         </p:spPr>
@@ -2240,7 +2240,7 @@
           </a:ln>
           <a:extLst>
             <a:ext uri="{C572A759-6A51-4108-AA02-DFA0A04FC94B}">
-              <ma14:wrappingTextBoxFlag xmlns="" xmlns:m="http://schemas.openxmlformats.org/officeDocument/2006/math" xmlns:a14="http://schemas.microsoft.com/office/drawing/2010/main" xmlns:ma14="http://schemas.microsoft.com/office/mac/drawingml/2011/main" val="1"/>
+              <ma14:wrappingTextBoxFlag xmlns:ma14="http://schemas.microsoft.com/office/mac/drawingml/2011/main" xmlns:a14="http://schemas.microsoft.com/office/drawing/2010/main" xmlns:m="http://schemas.openxmlformats.org/officeDocument/2006/math" xmlns="" val="1"/>
             </a:ext>
           </a:extLst>
         </p:spPr>
@@ -3198,7 +3198,7 @@
           </a:ln>
           <a:extLst>
             <a:ext uri="{C572A759-6A51-4108-AA02-DFA0A04FC94B}">
-              <ma14:wrappingTextBoxFlag xmlns="" xmlns:m="http://schemas.openxmlformats.org/officeDocument/2006/math" xmlns:a14="http://schemas.microsoft.com/office/drawing/2010/main" xmlns:ma14="http://schemas.microsoft.com/office/mac/drawingml/2011/main" val="1"/>
+              <ma14:wrappingTextBoxFlag xmlns:ma14="http://schemas.microsoft.com/office/mac/drawingml/2011/main" xmlns:a14="http://schemas.microsoft.com/office/drawing/2010/main" xmlns:m="http://schemas.openxmlformats.org/officeDocument/2006/math" xmlns="" val="1"/>
             </a:ext>
           </a:extLst>
         </p:spPr>
@@ -3250,7 +3250,7 @@
           </a:ln>
           <a:extLst>
             <a:ext uri="{C572A759-6A51-4108-AA02-DFA0A04FC94B}">
-              <ma14:wrappingTextBoxFlag xmlns="" xmlns:m="http://schemas.openxmlformats.org/officeDocument/2006/math" xmlns:a14="http://schemas.microsoft.com/office/drawing/2010/main" xmlns:ma14="http://schemas.microsoft.com/office/mac/drawingml/2011/main" val="1"/>
+              <ma14:wrappingTextBoxFlag xmlns:ma14="http://schemas.microsoft.com/office/mac/drawingml/2011/main" xmlns:a14="http://schemas.microsoft.com/office/drawing/2010/main" xmlns:m="http://schemas.openxmlformats.org/officeDocument/2006/math" xmlns="" val="1"/>
             </a:ext>
           </a:extLst>
         </p:spPr>
@@ -3688,7 +3688,7 @@
           </a:ln>
           <a:extLst>
             <a:ext uri="{C572A759-6A51-4108-AA02-DFA0A04FC94B}">
-              <ma14:wrappingTextBoxFlag xmlns:ma14="http://schemas.microsoft.com/office/mac/drawingml/2011/main" xmlns:a14="http://schemas.microsoft.com/office/drawing/2010/main" xmlns:m="http://schemas.openxmlformats.org/officeDocument/2006/math" xmlns="" val="1"/>
+              <ma14:wrappingTextBoxFlag xmlns="" xmlns:m="http://schemas.openxmlformats.org/officeDocument/2006/math" xmlns:a14="http://schemas.microsoft.com/office/drawing/2010/main" xmlns:ma14="http://schemas.microsoft.com/office/mac/drawingml/2011/main" val="1"/>
             </a:ext>
           </a:extLst>
         </p:spPr>
@@ -3769,7 +3769,7 @@
           </a:ln>
           <a:extLst>
             <a:ext uri="{C572A759-6A51-4108-AA02-DFA0A04FC94B}">
-              <ma14:wrappingTextBoxFlag xmlns:ma14="http://schemas.microsoft.com/office/mac/drawingml/2011/main" xmlns:a14="http://schemas.microsoft.com/office/drawing/2010/main" xmlns:m="http://schemas.openxmlformats.org/officeDocument/2006/math" xmlns="" val="1"/>
+              <ma14:wrappingTextBoxFlag xmlns="" xmlns:m="http://schemas.openxmlformats.org/officeDocument/2006/math" xmlns:a14="http://schemas.microsoft.com/office/drawing/2010/main" xmlns:ma14="http://schemas.microsoft.com/office/mac/drawingml/2011/main" val="1"/>
             </a:ext>
           </a:extLst>
         </p:spPr>
@@ -3837,7 +3837,7 @@
           </a:ln>
           <a:extLst>
             <a:ext uri="{C572A759-6A51-4108-AA02-DFA0A04FC94B}">
-              <ma14:wrappingTextBoxFlag xmlns:ma14="http://schemas.microsoft.com/office/mac/drawingml/2011/main" xmlns:a14="http://schemas.microsoft.com/office/drawing/2010/main" xmlns:m="http://schemas.openxmlformats.org/officeDocument/2006/math" xmlns="" val="1"/>
+              <ma14:wrappingTextBoxFlag xmlns="" xmlns:m="http://schemas.openxmlformats.org/officeDocument/2006/math" xmlns:a14="http://schemas.microsoft.com/office/drawing/2010/main" xmlns:ma14="http://schemas.microsoft.com/office/mac/drawingml/2011/main" val="1"/>
             </a:ext>
           </a:extLst>
         </p:spPr>
@@ -3962,7 +3962,7 @@
           </a:ln>
           <a:extLst>
             <a:ext uri="{C572A759-6A51-4108-AA02-DFA0A04FC94B}">
-              <ma14:wrappingTextBoxFlag xmlns:ma14="http://schemas.microsoft.com/office/mac/drawingml/2011/main" xmlns:a14="http://schemas.microsoft.com/office/drawing/2010/main" xmlns:m="http://schemas.openxmlformats.org/officeDocument/2006/math" xmlns="" val="1"/>
+              <ma14:wrappingTextBoxFlag xmlns="" xmlns:m="http://schemas.openxmlformats.org/officeDocument/2006/math" xmlns:a14="http://schemas.microsoft.com/office/drawing/2010/main" xmlns:ma14="http://schemas.microsoft.com/office/mac/drawingml/2011/main" val="1"/>
             </a:ext>
           </a:extLst>
         </p:spPr>
@@ -4023,7 +4023,7 @@
           </a:ln>
           <a:extLst>
             <a:ext uri="{C572A759-6A51-4108-AA02-DFA0A04FC94B}">
-              <ma14:wrappingTextBoxFlag xmlns:ma14="http://schemas.microsoft.com/office/mac/drawingml/2011/main" xmlns:a14="http://schemas.microsoft.com/office/drawing/2010/main" xmlns:m="http://schemas.openxmlformats.org/officeDocument/2006/math" xmlns="" val="1"/>
+              <ma14:wrappingTextBoxFlag xmlns="" xmlns:m="http://schemas.openxmlformats.org/officeDocument/2006/math" xmlns:a14="http://schemas.microsoft.com/office/drawing/2010/main" xmlns:ma14="http://schemas.microsoft.com/office/mac/drawingml/2011/main" val="1"/>
             </a:ext>
           </a:extLst>
         </p:spPr>
@@ -4125,7 +4125,7 @@
           </a:ln>
           <a:extLst>
             <a:ext uri="{C572A759-6A51-4108-AA02-DFA0A04FC94B}">
-              <ma14:wrappingTextBoxFlag xmlns:ma14="http://schemas.microsoft.com/office/mac/drawingml/2011/main" xmlns:a14="http://schemas.microsoft.com/office/drawing/2010/main" xmlns:m="http://schemas.openxmlformats.org/officeDocument/2006/math" xmlns="" val="1"/>
+              <ma14:wrappingTextBoxFlag xmlns="" xmlns:m="http://schemas.openxmlformats.org/officeDocument/2006/math" xmlns:a14="http://schemas.microsoft.com/office/drawing/2010/main" xmlns:ma14="http://schemas.microsoft.com/office/mac/drawingml/2011/main" val="1"/>
             </a:ext>
           </a:extLst>
         </p:spPr>
@@ -4717,7 +4717,7 @@
           </a:ln>
           <a:extLst>
             <a:ext uri="{C572A759-6A51-4108-AA02-DFA0A04FC94B}">
-              <ma14:wrappingTextBoxFlag xmlns="" xmlns:m="http://schemas.openxmlformats.org/officeDocument/2006/math" xmlns:a14="http://schemas.microsoft.com/office/drawing/2010/main" xmlns:ma14="http://schemas.microsoft.com/office/mac/drawingml/2011/main" val="1"/>
+              <ma14:wrappingTextBoxFlag xmlns:ma14="http://schemas.microsoft.com/office/mac/drawingml/2011/main" xmlns:a14="http://schemas.microsoft.com/office/drawing/2010/main" xmlns:m="http://schemas.openxmlformats.org/officeDocument/2006/math" xmlns="" val="1"/>
             </a:ext>
           </a:extLst>
         </p:spPr>
@@ -4775,7 +4775,7 @@
           <a:effectLst/>
           <a:extLst>
             <a:ext uri="{C572A759-6A51-4108-AA02-DFA0A04FC94B}">
-              <ma14:wrappingTextBoxFlag xmlns:ma14="http://schemas.microsoft.com/office/mac/drawingml/2011/main" xmlns:a14="http://schemas.microsoft.com/office/drawing/2010/main" xmlns:m="http://schemas.openxmlformats.org/officeDocument/2006/math" xmlns="" val="1"/>
+              <ma14:wrappingTextBoxFlag xmlns="" xmlns:m="http://schemas.openxmlformats.org/officeDocument/2006/math" xmlns:a14="http://schemas.microsoft.com/office/drawing/2010/main" xmlns:ma14="http://schemas.microsoft.com/office/mac/drawingml/2011/main" val="1"/>
             </a:ext>
           </a:extLst>
         </p:spPr>
@@ -4834,7 +4834,7 @@
           <a:effectLst/>
           <a:extLst>
             <a:ext uri="{C572A759-6A51-4108-AA02-DFA0A04FC94B}">
-              <ma14:wrappingTextBoxFlag xmlns:ma14="http://schemas.microsoft.com/office/mac/drawingml/2011/main" xmlns:a14="http://schemas.microsoft.com/office/drawing/2010/main" xmlns:m="http://schemas.openxmlformats.org/officeDocument/2006/math" xmlns="" val="1"/>
+              <ma14:wrappingTextBoxFlag xmlns="" xmlns:m="http://schemas.openxmlformats.org/officeDocument/2006/math" xmlns:a14="http://schemas.microsoft.com/office/drawing/2010/main" xmlns:ma14="http://schemas.microsoft.com/office/mac/drawingml/2011/main" val="1"/>
             </a:ext>
           </a:extLst>
         </p:spPr>
@@ -4897,7 +4897,7 @@
           <a:effectLst/>
           <a:extLst>
             <a:ext uri="{C572A759-6A51-4108-AA02-DFA0A04FC94B}">
-              <ma14:wrappingTextBoxFlag xmlns:ma14="http://schemas.microsoft.com/office/mac/drawingml/2011/main" xmlns:a14="http://schemas.microsoft.com/office/drawing/2010/main" xmlns:m="http://schemas.openxmlformats.org/officeDocument/2006/math" xmlns="" val="1"/>
+              <ma14:wrappingTextBoxFlag xmlns="" xmlns:m="http://schemas.openxmlformats.org/officeDocument/2006/math" xmlns:a14="http://schemas.microsoft.com/office/drawing/2010/main" xmlns:ma14="http://schemas.microsoft.com/office/mac/drawingml/2011/main" val="1"/>
             </a:ext>
           </a:extLst>
         </p:spPr>
@@ -4973,7 +4973,7 @@
           <a:effectLst/>
           <a:extLst>
             <a:ext uri="{C572A759-6A51-4108-AA02-DFA0A04FC94B}">
-              <ma14:wrappingTextBoxFlag xmlns:ma14="http://schemas.microsoft.com/office/mac/drawingml/2011/main" xmlns:a14="http://schemas.microsoft.com/office/drawing/2010/main" xmlns:m="http://schemas.openxmlformats.org/officeDocument/2006/math" xmlns="" val="1"/>
+              <ma14:wrappingTextBoxFlag xmlns="" xmlns:m="http://schemas.openxmlformats.org/officeDocument/2006/math" xmlns:a14="http://schemas.microsoft.com/office/drawing/2010/main" xmlns:ma14="http://schemas.microsoft.com/office/mac/drawingml/2011/main" val="1"/>
             </a:ext>
           </a:extLst>
         </p:spPr>
@@ -5032,7 +5032,7 @@
           <a:effectLst/>
           <a:extLst>
             <a:ext uri="{C572A759-6A51-4108-AA02-DFA0A04FC94B}">
-              <ma14:wrappingTextBoxFlag xmlns:ma14="http://schemas.microsoft.com/office/mac/drawingml/2011/main" xmlns:a14="http://schemas.microsoft.com/office/drawing/2010/main" xmlns:m="http://schemas.openxmlformats.org/officeDocument/2006/math" xmlns="" val="1"/>
+              <ma14:wrappingTextBoxFlag xmlns="" xmlns:m="http://schemas.openxmlformats.org/officeDocument/2006/math" xmlns:a14="http://schemas.microsoft.com/office/drawing/2010/main" xmlns:ma14="http://schemas.microsoft.com/office/mac/drawingml/2011/main" val="1"/>
             </a:ext>
           </a:extLst>
         </p:spPr>
@@ -5107,7 +5107,7 @@
           <a:effectLst/>
           <a:extLst>
             <a:ext uri="{C572A759-6A51-4108-AA02-DFA0A04FC94B}">
-              <ma14:wrappingTextBoxFlag xmlns:ma14="http://schemas.microsoft.com/office/mac/drawingml/2011/main" xmlns:a14="http://schemas.microsoft.com/office/drawing/2010/main" xmlns:m="http://schemas.openxmlformats.org/officeDocument/2006/math" xmlns="" val="1"/>
+              <ma14:wrappingTextBoxFlag xmlns="" xmlns:m="http://schemas.openxmlformats.org/officeDocument/2006/math" xmlns:a14="http://schemas.microsoft.com/office/drawing/2010/main" xmlns:ma14="http://schemas.microsoft.com/office/mac/drawingml/2011/main" val="1"/>
             </a:ext>
           </a:extLst>
         </p:spPr>
@@ -5254,1005 +5254,12 @@
           </a:p>
         </p:txBody>
       </p:sp>
-      <p:cxnSp>
-        <p:nvCxnSpPr>
-          <p:cNvPr id="7" name="Conector recto de flecha 6">
+      <p:grpSp>
+        <p:nvGrpSpPr>
+          <p:cNvPr id="29" name="Grupo 28">
             <a:extLst>
               <a:ext uri="{FF2B5EF4-FFF2-40B4-BE49-F238E27FC236}">
-                <a16:creationId xmlns:a16="http://schemas.microsoft.com/office/drawing/2014/main" id="{918C2EDB-0C49-4F6D-BC23-3DAA7B6C2D3D}"/>
-              </a:ext>
-            </a:extLst>
-          </p:cNvPr>
-          <p:cNvCxnSpPr>
-            <a:cxnSpLocks/>
-          </p:cNvCxnSpPr>
-          <p:nvPr/>
-        </p:nvCxnSpPr>
-        <p:spPr>
-          <a:xfrm>
-            <a:off x="1659839" y="4385458"/>
-            <a:ext cx="1020418" cy="0"/>
-          </a:xfrm>
-          <a:prstGeom prst="straightConnector1">
-            <a:avLst/>
-          </a:prstGeom>
-          <a:noFill/>
-          <a:ln w="31750" cap="flat">
-            <a:solidFill>
-              <a:schemeClr val="tx1">
-                <a:lumMod val="50000"/>
-                <a:lumOff val="50000"/>
-              </a:schemeClr>
-            </a:solidFill>
-            <a:prstDash val="solid"/>
-            <a:round/>
-            <a:tailEnd type="triangle"/>
-          </a:ln>
-          <a:effectLst/>
-          <a:sp3d/>
-        </p:spPr>
-        <p:style>
-          <a:lnRef idx="0">
-            <a:scrgbClr r="0" g="0" b="0"/>
-          </a:lnRef>
-          <a:fillRef idx="0">
-            <a:scrgbClr r="0" g="0" b="0"/>
-          </a:fillRef>
-          <a:effectRef idx="0">
-            <a:scrgbClr r="0" g="0" b="0"/>
-          </a:effectRef>
-          <a:fontRef idx="none"/>
-        </p:style>
-      </p:cxnSp>
-      <p:pic>
-        <p:nvPicPr>
-          <p:cNvPr id="9" name="Picture 2" descr="https://upload.wikimedia.org/wikipedia/commons/thumb/0/02/Babel_Logo.svg/2000px-Babel_Logo.svg.png">
-            <a:extLst>
-              <a:ext uri="{FF2B5EF4-FFF2-40B4-BE49-F238E27FC236}">
-                <a16:creationId xmlns:a16="http://schemas.microsoft.com/office/drawing/2014/main" id="{C1A80CD6-D488-49EB-8885-5B6B2DAD0886}"/>
-              </a:ext>
-            </a:extLst>
-          </p:cNvPr>
-          <p:cNvPicPr>
-            <a:picLocks noChangeAspect="1" noChangeArrowheads="1"/>
-          </p:cNvPicPr>
-          <p:nvPr/>
-        </p:nvPicPr>
-        <p:blipFill rotWithShape="1">
-          <a:blip r:embed="rId2" cstate="print">
-            <a:extLst>
-              <a:ext uri="{28A0092B-C50C-407E-A947-70E740481C1C}">
-                <a14:useLocalDpi xmlns:a14="http://schemas.microsoft.com/office/drawing/2010/main" val="0"/>
-              </a:ext>
-            </a:extLst>
-          </a:blip>
-          <a:srcRect r="5797" b="8289"/>
-          <a:stretch/>
-        </p:blipFill>
-        <p:spPr bwMode="auto">
-          <a:xfrm>
-            <a:off x="2767734" y="4123546"/>
-            <a:ext cx="1185173" cy="523824"/>
-          </a:xfrm>
-          <a:prstGeom prst="rect">
-            <a:avLst/>
-          </a:prstGeom>
-          <a:noFill/>
-        </p:spPr>
-      </p:pic>
-      <p:pic>
-        <p:nvPicPr>
-          <p:cNvPr id="18" name="Gráfico 17">
-            <a:extLst>
-              <a:ext uri="{FF2B5EF4-FFF2-40B4-BE49-F238E27FC236}">
-                <a16:creationId xmlns:a16="http://schemas.microsoft.com/office/drawing/2014/main" id="{E4F7C7A2-65E9-42BA-BB5B-0867AE92655B}"/>
-              </a:ext>
-            </a:extLst>
-          </p:cNvPr>
-          <p:cNvPicPr>
-            <a:picLocks noChangeAspect="1"/>
-          </p:cNvPicPr>
-          <p:nvPr/>
-        </p:nvPicPr>
-        <p:blipFill>
-          <a:blip r:embed="rId3" cstate="print">
-            <a:extLst>
-              <a:ext uri="{28A0092B-C50C-407E-A947-70E740481C1C}">
-                <a14:useLocalDpi xmlns:a14="http://schemas.microsoft.com/office/drawing/2010/main" val="0"/>
-              </a:ext>
-              <a:ext uri="{96DAC541-7B7A-43D3-8B79-37D633B846F1}">
-                <asvg:svgBlip xmlns:asvg="http://schemas.microsoft.com/office/drawing/2016/SVG/main" r:embed="rId4"/>
-              </a:ext>
-            </a:extLst>
-          </a:blip>
-          <a:stretch>
-            <a:fillRect/>
-          </a:stretch>
-        </p:blipFill>
-        <p:spPr>
-          <a:xfrm>
-            <a:off x="832730" y="1193526"/>
-            <a:ext cx="739632" cy="739632"/>
-          </a:xfrm>
-          <a:prstGeom prst="rect">
-            <a:avLst/>
-          </a:prstGeom>
-        </p:spPr>
-      </p:pic>
-      <p:sp>
-        <p:nvSpPr>
-          <p:cNvPr id="25" name="Rectángulo 16">
-            <a:extLst>
-              <a:ext uri="{FF2B5EF4-FFF2-40B4-BE49-F238E27FC236}">
-                <a16:creationId xmlns:a16="http://schemas.microsoft.com/office/drawing/2014/main" id="{4DFD51C3-63B8-4343-B9CF-7D0910F56B1F}"/>
-              </a:ext>
-            </a:extLst>
-          </p:cNvPr>
-          <p:cNvSpPr/>
-          <p:nvPr/>
-        </p:nvSpPr>
-        <p:spPr>
-          <a:xfrm>
-            <a:off x="1914490" y="3928304"/>
-            <a:ext cx="497891" cy="523218"/>
-          </a:xfrm>
-          <a:prstGeom prst="rect">
-            <a:avLst/>
-          </a:prstGeom>
-          <a:noFill/>
-          <a:ln w="12700" cap="flat">
-            <a:noFill/>
-            <a:miter lim="400000"/>
-          </a:ln>
-          <a:effectLst/>
-          <a:extLst>
-            <a:ext uri="{C572A759-6A51-4108-AA02-DFA0A04FC94B}">
-              <ma14:wrappingTextBoxFlag xmlns:ma14="http://schemas.microsoft.com/office/mac/drawingml/2011/main" xmlns:a14="http://schemas.microsoft.com/office/drawing/2010/main" xmlns:m="http://schemas.openxmlformats.org/officeDocument/2006/math" xmlns="" val="1"/>
-            </a:ext>
-          </a:extLst>
-        </p:spPr>
-        <p:txBody>
-          <a:bodyPr wrap="none" lIns="45719" tIns="45719" rIns="45719" bIns="45719" numCol="1" anchor="t">
-            <a:spAutoFit/>
-          </a:bodyPr>
-          <a:lstStyle>
-            <a:lvl1pPr>
-              <a:defRPr sz="1200">
-                <a:solidFill>
-                  <a:srgbClr val="FFFFFF"/>
-                </a:solidFill>
-                <a:latin typeface="Open Sans"/>
-                <a:ea typeface="Open Sans"/>
-                <a:cs typeface="Open Sans"/>
-                <a:sym typeface="Open Sans"/>
-              </a:defRPr>
-            </a:lvl1pPr>
-          </a:lstStyle>
-          <a:p>
-            <a:r>
-              <a:rPr lang="es-ES_tradnl" sz="2800" b="1" dirty="0">
-                <a:solidFill>
-                  <a:schemeClr val="bg1">
-                    <a:lumMod val="50000"/>
-                  </a:schemeClr>
-                </a:solidFill>
-              </a:rPr>
-              <a:t>TS</a:t>
-            </a:r>
-          </a:p>
-        </p:txBody>
-      </p:sp>
-      <p:sp>
-        <p:nvSpPr>
-          <p:cNvPr id="26" name="Rectángulo 16">
-            <a:extLst>
-              <a:ext uri="{FF2B5EF4-FFF2-40B4-BE49-F238E27FC236}">
-                <a16:creationId xmlns:a16="http://schemas.microsoft.com/office/drawing/2014/main" id="{363620B5-F309-47F1-9A59-8C8BE920EE26}"/>
-              </a:ext>
-            </a:extLst>
-          </p:cNvPr>
-          <p:cNvSpPr/>
-          <p:nvPr/>
-        </p:nvSpPr>
-        <p:spPr>
-          <a:xfrm>
-            <a:off x="926511" y="1550090"/>
-            <a:ext cx="311943" cy="307775"/>
-          </a:xfrm>
-          <a:prstGeom prst="rect">
-            <a:avLst/>
-          </a:prstGeom>
-          <a:noFill/>
-          <a:ln w="12700" cap="flat">
-            <a:noFill/>
-            <a:miter lim="400000"/>
-          </a:ln>
-          <a:effectLst/>
-          <a:extLst>
-            <a:ext uri="{C572A759-6A51-4108-AA02-DFA0A04FC94B}">
-              <ma14:wrappingTextBoxFlag xmlns:ma14="http://schemas.microsoft.com/office/mac/drawingml/2011/main" xmlns:a14="http://schemas.microsoft.com/office/drawing/2010/main" xmlns:m="http://schemas.openxmlformats.org/officeDocument/2006/math" xmlns="" val="1"/>
-            </a:ext>
-          </a:extLst>
-        </p:spPr>
-        <p:txBody>
-          <a:bodyPr wrap="none" lIns="45719" tIns="45719" rIns="45719" bIns="45719" numCol="1" anchor="t">
-            <a:spAutoFit/>
-          </a:bodyPr>
-          <a:lstStyle>
-            <a:lvl1pPr>
-              <a:defRPr sz="1200">
-                <a:solidFill>
-                  <a:srgbClr val="FFFFFF"/>
-                </a:solidFill>
-                <a:latin typeface="Open Sans"/>
-                <a:ea typeface="Open Sans"/>
-                <a:cs typeface="Open Sans"/>
-                <a:sym typeface="Open Sans"/>
-              </a:defRPr>
-            </a:lvl1pPr>
-          </a:lstStyle>
-          <a:p>
-            <a:r>
-              <a:rPr lang="es-ES_tradnl" sz="1400" b="1" dirty="0">
-                <a:solidFill>
-                  <a:schemeClr val="bg1"/>
-                </a:solidFill>
-                <a:latin typeface="Montserrat SemiBold" panose="00000700000000000000" pitchFamily="2" charset="0"/>
-              </a:rPr>
-              <a:t>TS</a:t>
-            </a:r>
-          </a:p>
-        </p:txBody>
-      </p:sp>
-      <p:pic>
-        <p:nvPicPr>
-          <p:cNvPr id="27" name="Gráfico 26">
-            <a:extLst>
-              <a:ext uri="{FF2B5EF4-FFF2-40B4-BE49-F238E27FC236}">
-                <a16:creationId xmlns:a16="http://schemas.microsoft.com/office/drawing/2014/main" id="{30203650-F51D-4984-86D4-20AC7C5C1822}"/>
-              </a:ext>
-            </a:extLst>
-          </p:cNvPr>
-          <p:cNvPicPr>
-            <a:picLocks noChangeAspect="1"/>
-          </p:cNvPicPr>
-          <p:nvPr/>
-        </p:nvPicPr>
-        <p:blipFill>
-          <a:blip r:embed="rId3" cstate="print">
-            <a:extLst>
-              <a:ext uri="{28A0092B-C50C-407E-A947-70E740481C1C}">
-                <a14:useLocalDpi xmlns:a14="http://schemas.microsoft.com/office/drawing/2010/main" val="0"/>
-              </a:ext>
-              <a:ext uri="{96DAC541-7B7A-43D3-8B79-37D633B846F1}">
-                <asvg:svgBlip xmlns:asvg="http://schemas.microsoft.com/office/drawing/2016/SVG/main" r:embed="rId4"/>
-              </a:ext>
-            </a:extLst>
-          </a:blip>
-          <a:stretch>
-            <a:fillRect/>
-          </a:stretch>
-        </p:blipFill>
-        <p:spPr>
-          <a:xfrm>
-            <a:off x="832730" y="2562813"/>
-            <a:ext cx="739632" cy="739632"/>
-          </a:xfrm>
-          <a:prstGeom prst="rect">
-            <a:avLst/>
-          </a:prstGeom>
-        </p:spPr>
-      </p:pic>
-      <p:sp>
-        <p:nvSpPr>
-          <p:cNvPr id="28" name="Rectángulo 16">
-            <a:extLst>
-              <a:ext uri="{FF2B5EF4-FFF2-40B4-BE49-F238E27FC236}">
-                <a16:creationId xmlns:a16="http://schemas.microsoft.com/office/drawing/2014/main" id="{5A805AAB-879C-483B-B541-33BDF0EED736}"/>
-              </a:ext>
-            </a:extLst>
-          </p:cNvPr>
-          <p:cNvSpPr/>
-          <p:nvPr/>
-        </p:nvSpPr>
-        <p:spPr>
-          <a:xfrm>
-            <a:off x="926511" y="2919377"/>
-            <a:ext cx="311943" cy="307775"/>
-          </a:xfrm>
-          <a:prstGeom prst="rect">
-            <a:avLst/>
-          </a:prstGeom>
-          <a:noFill/>
-          <a:ln w="12700" cap="flat">
-            <a:noFill/>
-            <a:miter lim="400000"/>
-          </a:ln>
-          <a:effectLst/>
-          <a:extLst>
-            <a:ext uri="{C572A759-6A51-4108-AA02-DFA0A04FC94B}">
-              <ma14:wrappingTextBoxFlag xmlns:ma14="http://schemas.microsoft.com/office/mac/drawingml/2011/main" xmlns:a14="http://schemas.microsoft.com/office/drawing/2010/main" xmlns:m="http://schemas.openxmlformats.org/officeDocument/2006/math" xmlns="" val="1"/>
-            </a:ext>
-          </a:extLst>
-        </p:spPr>
-        <p:txBody>
-          <a:bodyPr wrap="none" lIns="45719" tIns="45719" rIns="45719" bIns="45719" numCol="1" anchor="t">
-            <a:spAutoFit/>
-          </a:bodyPr>
-          <a:lstStyle>
-            <a:lvl1pPr>
-              <a:defRPr sz="1200">
-                <a:solidFill>
-                  <a:srgbClr val="FFFFFF"/>
-                </a:solidFill>
-                <a:latin typeface="Open Sans"/>
-                <a:ea typeface="Open Sans"/>
-                <a:cs typeface="Open Sans"/>
-                <a:sym typeface="Open Sans"/>
-              </a:defRPr>
-            </a:lvl1pPr>
-          </a:lstStyle>
-          <a:p>
-            <a:r>
-              <a:rPr lang="es-ES_tradnl" sz="1400" b="1" dirty="0">
-                <a:solidFill>
-                  <a:schemeClr val="bg1"/>
-                </a:solidFill>
-                <a:latin typeface="Montserrat SemiBold" panose="00000700000000000000" pitchFamily="2" charset="0"/>
-              </a:rPr>
-              <a:t>TS</a:t>
-            </a:r>
-          </a:p>
-        </p:txBody>
-      </p:sp>
-      <p:cxnSp>
-        <p:nvCxnSpPr>
-          <p:cNvPr id="32" name="Conector recto de flecha 31">
-            <a:extLst>
-              <a:ext uri="{FF2B5EF4-FFF2-40B4-BE49-F238E27FC236}">
-                <a16:creationId xmlns:a16="http://schemas.microsoft.com/office/drawing/2014/main" id="{B767E98E-2687-406E-8373-59941086D514}"/>
-              </a:ext>
-            </a:extLst>
-          </p:cNvPr>
-          <p:cNvCxnSpPr>
-            <a:cxnSpLocks/>
-          </p:cNvCxnSpPr>
-          <p:nvPr/>
-        </p:nvCxnSpPr>
-        <p:spPr>
-          <a:xfrm>
-            <a:off x="4095018" y="4385458"/>
-            <a:ext cx="1186070" cy="0"/>
-          </a:xfrm>
-          <a:prstGeom prst="straightConnector1">
-            <a:avLst/>
-          </a:prstGeom>
-          <a:noFill/>
-          <a:ln w="31750" cap="flat">
-            <a:solidFill>
-              <a:schemeClr val="tx1">
-                <a:lumMod val="50000"/>
-                <a:lumOff val="50000"/>
-              </a:schemeClr>
-            </a:solidFill>
-            <a:prstDash val="solid"/>
-            <a:round/>
-            <a:tailEnd type="triangle"/>
-          </a:ln>
-          <a:effectLst/>
-          <a:sp3d/>
-        </p:spPr>
-        <p:style>
-          <a:lnRef idx="0">
-            <a:scrgbClr r="0" g="0" b="0"/>
-          </a:lnRef>
-          <a:fillRef idx="0">
-            <a:scrgbClr r="0" g="0" b="0"/>
-          </a:fillRef>
-          <a:effectRef idx="0">
-            <a:scrgbClr r="0" g="0" b="0"/>
-          </a:effectRef>
-          <a:fontRef idx="none"/>
-        </p:style>
-      </p:cxnSp>
-      <p:sp>
-        <p:nvSpPr>
-          <p:cNvPr id="33" name="Rectángulo 16">
-            <a:extLst>
-              <a:ext uri="{FF2B5EF4-FFF2-40B4-BE49-F238E27FC236}">
-                <a16:creationId xmlns:a16="http://schemas.microsoft.com/office/drawing/2014/main" id="{D648F84D-E3C0-426F-94DB-A76C5E9FBB42}"/>
-              </a:ext>
-            </a:extLst>
-          </p:cNvPr>
-          <p:cNvSpPr/>
-          <p:nvPr/>
-        </p:nvSpPr>
-        <p:spPr>
-          <a:xfrm>
-            <a:off x="4349669" y="3928304"/>
-            <a:ext cx="695060" cy="523218"/>
-          </a:xfrm>
-          <a:prstGeom prst="rect">
-            <a:avLst/>
-          </a:prstGeom>
-          <a:noFill/>
-          <a:ln w="12700" cap="flat">
-            <a:noFill/>
-            <a:miter lim="400000"/>
-          </a:ln>
-          <a:effectLst/>
-          <a:extLst>
-            <a:ext uri="{C572A759-6A51-4108-AA02-DFA0A04FC94B}">
-              <ma14:wrappingTextBoxFlag xmlns:ma14="http://schemas.microsoft.com/office/mac/drawingml/2011/main" xmlns:a14="http://schemas.microsoft.com/office/drawing/2010/main" xmlns:m="http://schemas.openxmlformats.org/officeDocument/2006/math" xmlns="" val="1"/>
-            </a:ext>
-          </a:extLst>
-        </p:spPr>
-        <p:txBody>
-          <a:bodyPr wrap="none" lIns="45719" tIns="45719" rIns="45719" bIns="45719" numCol="1" anchor="t">
-            <a:spAutoFit/>
-          </a:bodyPr>
-          <a:lstStyle>
-            <a:lvl1pPr>
-              <a:defRPr sz="1200">
-                <a:solidFill>
-                  <a:srgbClr val="FFFFFF"/>
-                </a:solidFill>
-                <a:latin typeface="Open Sans"/>
-                <a:ea typeface="Open Sans"/>
-                <a:cs typeface="Open Sans"/>
-                <a:sym typeface="Open Sans"/>
-              </a:defRPr>
-            </a:lvl1pPr>
-          </a:lstStyle>
-          <a:p>
-            <a:r>
-              <a:rPr lang="es-ES_tradnl" sz="2800" b="1" dirty="0">
-                <a:solidFill>
-                  <a:schemeClr val="bg1">
-                    <a:lumMod val="50000"/>
-                  </a:schemeClr>
-                </a:solidFill>
-              </a:rPr>
-              <a:t>ES5</a:t>
-            </a:r>
-          </a:p>
-        </p:txBody>
-      </p:sp>
-      <p:pic>
-        <p:nvPicPr>
-          <p:cNvPr id="37" name="Gráfico 36">
-            <a:extLst>
-              <a:ext uri="{FF2B5EF4-FFF2-40B4-BE49-F238E27FC236}">
-                <a16:creationId xmlns:a16="http://schemas.microsoft.com/office/drawing/2014/main" id="{328E4448-4BD6-4C1C-9DC6-4F7502FD0543}"/>
-              </a:ext>
-            </a:extLst>
-          </p:cNvPr>
-          <p:cNvPicPr>
-            <a:picLocks noChangeAspect="1"/>
-          </p:cNvPicPr>
-          <p:nvPr/>
-        </p:nvPicPr>
-        <p:blipFill>
-          <a:blip r:embed="rId3" cstate="print">
-            <a:extLst>
-              <a:ext uri="{28A0092B-C50C-407E-A947-70E740481C1C}">
-                <a14:useLocalDpi xmlns:a14="http://schemas.microsoft.com/office/drawing/2010/main" val="0"/>
-              </a:ext>
-              <a:ext uri="{96DAC541-7B7A-43D3-8B79-37D633B846F1}">
-                <asvg:svgBlip xmlns:asvg="http://schemas.microsoft.com/office/drawing/2016/SVG/main" r:embed="rId4"/>
-              </a:ext>
-            </a:extLst>
-          </a:blip>
-          <a:stretch>
-            <a:fillRect/>
-          </a:stretch>
-        </p:blipFill>
-        <p:spPr>
-          <a:xfrm>
-            <a:off x="832730" y="3932100"/>
-            <a:ext cx="739632" cy="739632"/>
-          </a:xfrm>
-          <a:prstGeom prst="rect">
-            <a:avLst/>
-          </a:prstGeom>
-        </p:spPr>
-      </p:pic>
-      <p:sp>
-        <p:nvSpPr>
-          <p:cNvPr id="38" name="Rectángulo 16">
-            <a:extLst>
-              <a:ext uri="{FF2B5EF4-FFF2-40B4-BE49-F238E27FC236}">
-                <a16:creationId xmlns:a16="http://schemas.microsoft.com/office/drawing/2014/main" id="{1699EC3C-4CD2-474C-AE53-71126D51DBBC}"/>
-              </a:ext>
-            </a:extLst>
-          </p:cNvPr>
-          <p:cNvSpPr/>
-          <p:nvPr/>
-        </p:nvSpPr>
-        <p:spPr>
-          <a:xfrm>
-            <a:off x="926511" y="4288664"/>
-            <a:ext cx="311943" cy="307775"/>
-          </a:xfrm>
-          <a:prstGeom prst="rect">
-            <a:avLst/>
-          </a:prstGeom>
-          <a:noFill/>
-          <a:ln w="12700" cap="flat">
-            <a:noFill/>
-            <a:miter lim="400000"/>
-          </a:ln>
-          <a:effectLst/>
-          <a:extLst>
-            <a:ext uri="{C572A759-6A51-4108-AA02-DFA0A04FC94B}">
-              <ma14:wrappingTextBoxFlag xmlns:ma14="http://schemas.microsoft.com/office/mac/drawingml/2011/main" xmlns:a14="http://schemas.microsoft.com/office/drawing/2010/main" xmlns:m="http://schemas.openxmlformats.org/officeDocument/2006/math" xmlns="" val="1"/>
-            </a:ext>
-          </a:extLst>
-        </p:spPr>
-        <p:txBody>
-          <a:bodyPr wrap="none" lIns="45719" tIns="45719" rIns="45719" bIns="45719" numCol="1" anchor="t">
-            <a:spAutoFit/>
-          </a:bodyPr>
-          <a:lstStyle>
-            <a:lvl1pPr>
-              <a:defRPr sz="1200">
-                <a:solidFill>
-                  <a:srgbClr val="FFFFFF"/>
-                </a:solidFill>
-                <a:latin typeface="Open Sans"/>
-                <a:ea typeface="Open Sans"/>
-                <a:cs typeface="Open Sans"/>
-                <a:sym typeface="Open Sans"/>
-              </a:defRPr>
-            </a:lvl1pPr>
-          </a:lstStyle>
-          <a:p>
-            <a:r>
-              <a:rPr lang="es-ES_tradnl" sz="1400" b="1" dirty="0">
-                <a:solidFill>
-                  <a:schemeClr val="bg1"/>
-                </a:solidFill>
-                <a:latin typeface="Montserrat SemiBold" panose="00000700000000000000" pitchFamily="2" charset="0"/>
-              </a:rPr>
-              <a:t>TS</a:t>
-            </a:r>
-          </a:p>
-        </p:txBody>
-      </p:sp>
-      <p:pic>
-        <p:nvPicPr>
-          <p:cNvPr id="39" name="Gráfico 38">
-            <a:extLst>
-              <a:ext uri="{FF2B5EF4-FFF2-40B4-BE49-F238E27FC236}">
-                <a16:creationId xmlns:a16="http://schemas.microsoft.com/office/drawing/2014/main" id="{42264136-EE44-4398-9925-64F99317CC40}"/>
-              </a:ext>
-            </a:extLst>
-          </p:cNvPr>
-          <p:cNvPicPr>
-            <a:picLocks noChangeAspect="1"/>
-          </p:cNvPicPr>
-          <p:nvPr/>
-        </p:nvPicPr>
-        <p:blipFill>
-          <a:blip r:embed="rId5" cstate="print">
-            <a:extLst>
-              <a:ext uri="{28A0092B-C50C-407E-A947-70E740481C1C}">
-                <a14:useLocalDpi xmlns:a14="http://schemas.microsoft.com/office/drawing/2010/main" val="0"/>
-              </a:ext>
-              <a:ext uri="{96DAC541-7B7A-43D3-8B79-37D633B846F1}">
-                <asvg:svgBlip xmlns:asvg="http://schemas.microsoft.com/office/drawing/2016/SVG/main" r:embed="rId6"/>
-              </a:ext>
-            </a:extLst>
-          </a:blip>
-          <a:stretch>
-            <a:fillRect/>
-          </a:stretch>
-        </p:blipFill>
-        <p:spPr>
-          <a:xfrm>
-            <a:off x="5423199" y="3928304"/>
-            <a:ext cx="739632" cy="739632"/>
-          </a:xfrm>
-          <a:prstGeom prst="rect">
-            <a:avLst/>
-          </a:prstGeom>
-        </p:spPr>
-      </p:pic>
-      <p:sp>
-        <p:nvSpPr>
-          <p:cNvPr id="40" name="Rectángulo 16">
-            <a:extLst>
-              <a:ext uri="{FF2B5EF4-FFF2-40B4-BE49-F238E27FC236}">
-                <a16:creationId xmlns:a16="http://schemas.microsoft.com/office/drawing/2014/main" id="{927AB90F-F800-4905-8C31-FB9D149E330F}"/>
-              </a:ext>
-            </a:extLst>
-          </p:cNvPr>
-          <p:cNvSpPr/>
-          <p:nvPr/>
-        </p:nvSpPr>
-        <p:spPr>
-          <a:xfrm>
-            <a:off x="5524283" y="4288664"/>
-            <a:ext cx="307133" cy="307775"/>
-          </a:xfrm>
-          <a:prstGeom prst="rect">
-            <a:avLst/>
-          </a:prstGeom>
-          <a:noFill/>
-          <a:ln w="12700" cap="flat">
-            <a:noFill/>
-            <a:miter lim="400000"/>
-          </a:ln>
-          <a:effectLst/>
-          <a:extLst>
-            <a:ext uri="{C572A759-6A51-4108-AA02-DFA0A04FC94B}">
-              <ma14:wrappingTextBoxFlag xmlns:ma14="http://schemas.microsoft.com/office/mac/drawingml/2011/main" xmlns:a14="http://schemas.microsoft.com/office/drawing/2010/main" xmlns:m="http://schemas.openxmlformats.org/officeDocument/2006/math" xmlns="" val="1"/>
-            </a:ext>
-          </a:extLst>
-        </p:spPr>
-        <p:txBody>
-          <a:bodyPr wrap="none" lIns="45719" tIns="45719" rIns="45719" bIns="45719" numCol="1" anchor="t">
-            <a:spAutoFit/>
-          </a:bodyPr>
-          <a:lstStyle>
-            <a:lvl1pPr>
-              <a:defRPr sz="1200">
-                <a:solidFill>
-                  <a:srgbClr val="FFFFFF"/>
-                </a:solidFill>
-                <a:latin typeface="Open Sans"/>
-                <a:ea typeface="Open Sans"/>
-                <a:cs typeface="Open Sans"/>
-                <a:sym typeface="Open Sans"/>
-              </a:defRPr>
-            </a:lvl1pPr>
-          </a:lstStyle>
-          <a:p>
-            <a:r>
-              <a:rPr lang="es-ES_tradnl" sz="1400" dirty="0">
-                <a:solidFill>
-                  <a:schemeClr val="bg1"/>
-                </a:solidFill>
-                <a:latin typeface="Montserrat SemiBold" panose="00000700000000000000" pitchFamily="2" charset="0"/>
-              </a:rPr>
-              <a:t>JS</a:t>
-            </a:r>
-          </a:p>
-        </p:txBody>
-      </p:sp>
-      <p:cxnSp>
-        <p:nvCxnSpPr>
-          <p:cNvPr id="41" name="Conector recto de flecha 40">
-            <a:extLst>
-              <a:ext uri="{FF2B5EF4-FFF2-40B4-BE49-F238E27FC236}">
-                <a16:creationId xmlns:a16="http://schemas.microsoft.com/office/drawing/2014/main" id="{CEB54922-B967-4483-8312-C9C1E4EE97BF}"/>
-              </a:ext>
-            </a:extLst>
-          </p:cNvPr>
-          <p:cNvCxnSpPr>
-            <a:cxnSpLocks/>
-          </p:cNvCxnSpPr>
-          <p:nvPr/>
-        </p:nvCxnSpPr>
-        <p:spPr>
-          <a:xfrm>
-            <a:off x="1659839" y="1640754"/>
-            <a:ext cx="1020418" cy="0"/>
-          </a:xfrm>
-          <a:prstGeom prst="straightConnector1">
-            <a:avLst/>
-          </a:prstGeom>
-          <a:noFill/>
-          <a:ln w="31750" cap="flat">
-            <a:solidFill>
-              <a:schemeClr val="tx1">
-                <a:lumMod val="50000"/>
-                <a:lumOff val="50000"/>
-              </a:schemeClr>
-            </a:solidFill>
-            <a:prstDash val="solid"/>
-            <a:round/>
-            <a:tailEnd type="triangle"/>
-          </a:ln>
-          <a:effectLst/>
-          <a:sp3d/>
-        </p:spPr>
-        <p:style>
-          <a:lnRef idx="0">
-            <a:scrgbClr r="0" g="0" b="0"/>
-          </a:lnRef>
-          <a:fillRef idx="0">
-            <a:scrgbClr r="0" g="0" b="0"/>
-          </a:fillRef>
-          <a:effectRef idx="0">
-            <a:scrgbClr r="0" g="0" b="0"/>
-          </a:effectRef>
-          <a:fontRef idx="none"/>
-        </p:style>
-      </p:cxnSp>
-      <p:sp>
-        <p:nvSpPr>
-          <p:cNvPr id="43" name="Rectángulo 16">
-            <a:extLst>
-              <a:ext uri="{FF2B5EF4-FFF2-40B4-BE49-F238E27FC236}">
-                <a16:creationId xmlns:a16="http://schemas.microsoft.com/office/drawing/2014/main" id="{6476C6B3-24CF-4744-AD26-451A72E3FDE3}"/>
-              </a:ext>
-            </a:extLst>
-          </p:cNvPr>
-          <p:cNvSpPr/>
-          <p:nvPr/>
-        </p:nvSpPr>
-        <p:spPr>
-          <a:xfrm>
-            <a:off x="1914490" y="1183600"/>
-            <a:ext cx="497891" cy="523218"/>
-          </a:xfrm>
-          <a:prstGeom prst="rect">
-            <a:avLst/>
-          </a:prstGeom>
-          <a:noFill/>
-          <a:ln w="12700" cap="flat">
-            <a:noFill/>
-            <a:miter lim="400000"/>
-          </a:ln>
-          <a:effectLst/>
-          <a:extLst>
-            <a:ext uri="{C572A759-6A51-4108-AA02-DFA0A04FC94B}">
-              <ma14:wrappingTextBoxFlag xmlns:ma14="http://schemas.microsoft.com/office/mac/drawingml/2011/main" xmlns:a14="http://schemas.microsoft.com/office/drawing/2010/main" xmlns:m="http://schemas.openxmlformats.org/officeDocument/2006/math" xmlns="" val="1"/>
-            </a:ext>
-          </a:extLst>
-        </p:spPr>
-        <p:txBody>
-          <a:bodyPr wrap="none" lIns="45719" tIns="45719" rIns="45719" bIns="45719" numCol="1" anchor="t">
-            <a:spAutoFit/>
-          </a:bodyPr>
-          <a:lstStyle>
-            <a:lvl1pPr>
-              <a:defRPr sz="1200">
-                <a:solidFill>
-                  <a:srgbClr val="FFFFFF"/>
-                </a:solidFill>
-                <a:latin typeface="Open Sans"/>
-                <a:ea typeface="Open Sans"/>
-                <a:cs typeface="Open Sans"/>
-                <a:sym typeface="Open Sans"/>
-              </a:defRPr>
-            </a:lvl1pPr>
-          </a:lstStyle>
-          <a:p>
-            <a:r>
-              <a:rPr lang="es-ES_tradnl" sz="2800" b="1" dirty="0">
-                <a:solidFill>
-                  <a:schemeClr val="bg1">
-                    <a:lumMod val="50000"/>
-                  </a:schemeClr>
-                </a:solidFill>
-              </a:rPr>
-              <a:t>TS</a:t>
-            </a:r>
-          </a:p>
-        </p:txBody>
-      </p:sp>
-      <p:cxnSp>
-        <p:nvCxnSpPr>
-          <p:cNvPr id="44" name="Conector recto de flecha 43">
-            <a:extLst>
-              <a:ext uri="{FF2B5EF4-FFF2-40B4-BE49-F238E27FC236}">
-                <a16:creationId xmlns:a16="http://schemas.microsoft.com/office/drawing/2014/main" id="{33F52C22-A7A3-4ABB-B12C-9F9D5E4D95EE}"/>
-              </a:ext>
-            </a:extLst>
-          </p:cNvPr>
-          <p:cNvCxnSpPr>
-            <a:cxnSpLocks/>
-          </p:cNvCxnSpPr>
-          <p:nvPr/>
-        </p:nvCxnSpPr>
-        <p:spPr>
-          <a:xfrm>
-            <a:off x="4095018" y="1640754"/>
-            <a:ext cx="1186070" cy="0"/>
-          </a:xfrm>
-          <a:prstGeom prst="straightConnector1">
-            <a:avLst/>
-          </a:prstGeom>
-          <a:noFill/>
-          <a:ln w="31750" cap="flat">
-            <a:solidFill>
-              <a:schemeClr val="tx1">
-                <a:lumMod val="50000"/>
-                <a:lumOff val="50000"/>
-              </a:schemeClr>
-            </a:solidFill>
-            <a:prstDash val="solid"/>
-            <a:round/>
-            <a:tailEnd type="triangle"/>
-          </a:ln>
-          <a:effectLst/>
-          <a:sp3d/>
-        </p:spPr>
-        <p:style>
-          <a:lnRef idx="0">
-            <a:scrgbClr r="0" g="0" b="0"/>
-          </a:lnRef>
-          <a:fillRef idx="0">
-            <a:scrgbClr r="0" g="0" b="0"/>
-          </a:fillRef>
-          <a:effectRef idx="0">
-            <a:scrgbClr r="0" g="0" b="0"/>
-          </a:effectRef>
-          <a:fontRef idx="none"/>
-        </p:style>
-      </p:cxnSp>
-      <p:sp>
-        <p:nvSpPr>
-          <p:cNvPr id="45" name="Rectángulo 16">
-            <a:extLst>
-              <a:ext uri="{FF2B5EF4-FFF2-40B4-BE49-F238E27FC236}">
-                <a16:creationId xmlns:a16="http://schemas.microsoft.com/office/drawing/2014/main" id="{87BFF434-2BAF-4BD6-89BC-AF4486EB71D5}"/>
-              </a:ext>
-            </a:extLst>
-          </p:cNvPr>
-          <p:cNvSpPr/>
-          <p:nvPr/>
-        </p:nvSpPr>
-        <p:spPr>
-          <a:xfrm>
-            <a:off x="4349669" y="1183600"/>
-            <a:ext cx="695060" cy="523218"/>
-          </a:xfrm>
-          <a:prstGeom prst="rect">
-            <a:avLst/>
-          </a:prstGeom>
-          <a:noFill/>
-          <a:ln w="12700" cap="flat">
-            <a:noFill/>
-            <a:miter lim="400000"/>
-          </a:ln>
-          <a:effectLst/>
-          <a:extLst>
-            <a:ext uri="{C572A759-6A51-4108-AA02-DFA0A04FC94B}">
-              <ma14:wrappingTextBoxFlag xmlns:ma14="http://schemas.microsoft.com/office/mac/drawingml/2011/main" xmlns:a14="http://schemas.microsoft.com/office/drawing/2010/main" xmlns:m="http://schemas.openxmlformats.org/officeDocument/2006/math" xmlns="" val="1"/>
-            </a:ext>
-          </a:extLst>
-        </p:spPr>
-        <p:txBody>
-          <a:bodyPr wrap="none" lIns="45719" tIns="45719" rIns="45719" bIns="45719" numCol="1" anchor="t">
-            <a:spAutoFit/>
-          </a:bodyPr>
-          <a:lstStyle>
-            <a:lvl1pPr>
-              <a:defRPr sz="1200">
-                <a:solidFill>
-                  <a:srgbClr val="FFFFFF"/>
-                </a:solidFill>
-                <a:latin typeface="Open Sans"/>
-                <a:ea typeface="Open Sans"/>
-                <a:cs typeface="Open Sans"/>
-                <a:sym typeface="Open Sans"/>
-              </a:defRPr>
-            </a:lvl1pPr>
-          </a:lstStyle>
-          <a:p>
-            <a:r>
-              <a:rPr lang="es-ES_tradnl" sz="2800" b="1" dirty="0">
-                <a:solidFill>
-                  <a:schemeClr val="bg1">
-                    <a:lumMod val="50000"/>
-                  </a:schemeClr>
-                </a:solidFill>
-              </a:rPr>
-              <a:t>ES5</a:t>
-            </a:r>
-          </a:p>
-        </p:txBody>
-      </p:sp>
-      <p:pic>
-        <p:nvPicPr>
-          <p:cNvPr id="46" name="Gráfico 45">
-            <a:extLst>
-              <a:ext uri="{FF2B5EF4-FFF2-40B4-BE49-F238E27FC236}">
-                <a16:creationId xmlns:a16="http://schemas.microsoft.com/office/drawing/2014/main" id="{83253009-27F2-4E1B-88BC-4B9042273933}"/>
-              </a:ext>
-            </a:extLst>
-          </p:cNvPr>
-          <p:cNvPicPr>
-            <a:picLocks noChangeAspect="1"/>
-          </p:cNvPicPr>
-          <p:nvPr/>
-        </p:nvPicPr>
-        <p:blipFill>
-          <a:blip r:embed="rId5" cstate="print">
-            <a:extLst>
-              <a:ext uri="{28A0092B-C50C-407E-A947-70E740481C1C}">
-                <a14:useLocalDpi xmlns:a14="http://schemas.microsoft.com/office/drawing/2010/main" val="0"/>
-              </a:ext>
-              <a:ext uri="{96DAC541-7B7A-43D3-8B79-37D633B846F1}">
-                <asvg:svgBlip xmlns:asvg="http://schemas.microsoft.com/office/drawing/2016/SVG/main" r:embed="rId6"/>
-              </a:ext>
-            </a:extLst>
-          </a:blip>
-          <a:stretch>
-            <a:fillRect/>
-          </a:stretch>
-        </p:blipFill>
-        <p:spPr>
-          <a:xfrm>
-            <a:off x="5423199" y="1191205"/>
-            <a:ext cx="739632" cy="739632"/>
-          </a:xfrm>
-          <a:prstGeom prst="rect">
-            <a:avLst/>
-          </a:prstGeom>
-        </p:spPr>
-      </p:pic>
-      <p:sp>
-        <p:nvSpPr>
-          <p:cNvPr id="47" name="Rectángulo 16">
-            <a:extLst>
-              <a:ext uri="{FF2B5EF4-FFF2-40B4-BE49-F238E27FC236}">
-                <a16:creationId xmlns:a16="http://schemas.microsoft.com/office/drawing/2014/main" id="{061612AE-5226-46ED-A3BC-AFF367787E5A}"/>
-              </a:ext>
-            </a:extLst>
-          </p:cNvPr>
-          <p:cNvSpPr/>
-          <p:nvPr/>
-        </p:nvSpPr>
-        <p:spPr>
-          <a:xfrm>
-            <a:off x="5524283" y="1551565"/>
-            <a:ext cx="307133" cy="307775"/>
-          </a:xfrm>
-          <a:prstGeom prst="rect">
-            <a:avLst/>
-          </a:prstGeom>
-          <a:noFill/>
-          <a:ln w="12700" cap="flat">
-            <a:noFill/>
-            <a:miter lim="400000"/>
-          </a:ln>
-          <a:effectLst/>
-          <a:extLst>
-            <a:ext uri="{C572A759-6A51-4108-AA02-DFA0A04FC94B}">
-              <ma14:wrappingTextBoxFlag xmlns:ma14="http://schemas.microsoft.com/office/mac/drawingml/2011/main" xmlns:a14="http://schemas.microsoft.com/office/drawing/2010/main" xmlns:m="http://schemas.openxmlformats.org/officeDocument/2006/math" xmlns="" val="1"/>
-            </a:ext>
-          </a:extLst>
-        </p:spPr>
-        <p:txBody>
-          <a:bodyPr wrap="none" lIns="45719" tIns="45719" rIns="45719" bIns="45719" numCol="1" anchor="t">
-            <a:spAutoFit/>
-          </a:bodyPr>
-          <a:lstStyle>
-            <a:lvl1pPr>
-              <a:defRPr sz="1200">
-                <a:solidFill>
-                  <a:srgbClr val="FFFFFF"/>
-                </a:solidFill>
-                <a:latin typeface="Open Sans"/>
-                <a:ea typeface="Open Sans"/>
-                <a:cs typeface="Open Sans"/>
-                <a:sym typeface="Open Sans"/>
-              </a:defRPr>
-            </a:lvl1pPr>
-          </a:lstStyle>
-          <a:p>
-            <a:r>
-              <a:rPr lang="es-ES_tradnl" sz="1400" dirty="0">
-                <a:solidFill>
-                  <a:schemeClr val="bg1"/>
-                </a:solidFill>
-                <a:latin typeface="Montserrat SemiBold" panose="00000700000000000000" pitchFamily="2" charset="0"/>
-              </a:rPr>
-              <a:t>JS</a:t>
-            </a:r>
-          </a:p>
-        </p:txBody>
-      </p:sp>
-      <p:grpSp>
-        <p:nvGrpSpPr>
-          <p:cNvPr id="49" name="Grupo 48">
-            <a:extLst>
-              <a:ext uri="{FF2B5EF4-FFF2-40B4-BE49-F238E27FC236}">
-                <a16:creationId xmlns:a16="http://schemas.microsoft.com/office/drawing/2014/main" id="{3226300C-DF48-41F8-9BBB-B7A987138AC9}"/>
+                <a16:creationId xmlns:a16="http://schemas.microsoft.com/office/drawing/2014/main" id="{05FB608F-84DD-0CB3-9C9E-0C74D94DD365}"/>
               </a:ext>
             </a:extLst>
           </p:cNvPr>
@@ -6261,57 +5268,104 @@
         </p:nvGrpSpPr>
         <p:grpSpPr>
           <a:xfrm>
-            <a:off x="2767734" y="1176561"/>
-            <a:ext cx="1200947" cy="800924"/>
-            <a:chOff x="3072690" y="3335874"/>
-            <a:chExt cx="1200947" cy="800924"/>
+            <a:off x="832731" y="3059849"/>
+            <a:ext cx="4909467" cy="565797"/>
+            <a:chOff x="832731" y="3270813"/>
+            <a:chExt cx="4909467" cy="565797"/>
           </a:xfrm>
         </p:grpSpPr>
+        <p:cxnSp>
+          <p:nvCxnSpPr>
+            <p:cNvPr id="7" name="Conector recto de flecha 6">
+              <a:extLst>
+                <a:ext uri="{FF2B5EF4-FFF2-40B4-BE49-F238E27FC236}">
+                  <a16:creationId xmlns:a16="http://schemas.microsoft.com/office/drawing/2014/main" id="{918C2EDB-0C49-4F6D-BC23-3DAA7B6C2D3D}"/>
+                </a:ext>
+              </a:extLst>
+            </p:cNvPr>
+            <p:cNvCxnSpPr>
+              <a:cxnSpLocks/>
+            </p:cNvCxnSpPr>
+            <p:nvPr/>
+          </p:nvCxnSpPr>
+          <p:spPr>
+            <a:xfrm>
+              <a:off x="1594567" y="3618737"/>
+              <a:ext cx="939890" cy="0"/>
+            </a:xfrm>
+            <a:prstGeom prst="straightConnector1">
+              <a:avLst/>
+            </a:prstGeom>
+            <a:noFill/>
+            <a:ln w="31750" cap="flat">
+              <a:solidFill>
+                <a:schemeClr val="tx1">
+                  <a:lumMod val="50000"/>
+                  <a:lumOff val="50000"/>
+                </a:schemeClr>
+              </a:solidFill>
+              <a:prstDash val="solid"/>
+              <a:round/>
+              <a:tailEnd type="triangle"/>
+            </a:ln>
+            <a:effectLst/>
+            <a:sp3d/>
+          </p:spPr>
+          <p:style>
+            <a:lnRef idx="0">
+              <a:scrgbClr r="0" g="0" b="0"/>
+            </a:lnRef>
+            <a:fillRef idx="0">
+              <a:scrgbClr r="0" g="0" b="0"/>
+            </a:fillRef>
+            <a:effectRef idx="0">
+              <a:scrgbClr r="0" g="0" b="0"/>
+            </a:effectRef>
+            <a:fontRef idx="none"/>
+          </p:style>
+        </p:cxnSp>
         <p:pic>
           <p:nvPicPr>
-            <p:cNvPr id="36" name="Gráfico 35">
+            <p:cNvPr id="9" name="Picture 2" descr="https://upload.wikimedia.org/wikipedia/commons/thumb/0/02/Babel_Logo.svg/2000px-Babel_Logo.svg.png">
               <a:extLst>
                 <a:ext uri="{FF2B5EF4-FFF2-40B4-BE49-F238E27FC236}">
-                  <a16:creationId xmlns:a16="http://schemas.microsoft.com/office/drawing/2014/main" id="{18615DC2-E1B9-40A5-B00D-BB7963BDEFE1}"/>
+                  <a16:creationId xmlns:a16="http://schemas.microsoft.com/office/drawing/2014/main" id="{C1A80CD6-D488-49EB-8885-5B6B2DAD0886}"/>
                 </a:ext>
               </a:extLst>
             </p:cNvPr>
             <p:cNvPicPr>
-              <a:picLocks noChangeAspect="1"/>
+              <a:picLocks noChangeAspect="1" noChangeArrowheads="1"/>
             </p:cNvPicPr>
             <p:nvPr/>
           </p:nvPicPr>
-          <p:blipFill>
-            <a:blip r:embed="rId7">
+          <p:blipFill rotWithShape="1">
+            <a:blip r:embed="rId2" cstate="print">
               <a:extLst>
                 <a:ext uri="{28A0092B-C50C-407E-A947-70E740481C1C}">
                   <a14:useLocalDpi xmlns:a14="http://schemas.microsoft.com/office/drawing/2010/main" val="0"/>
                 </a:ext>
-                <a:ext uri="{96DAC541-7B7A-43D3-8B79-37D633B846F1}">
-                  <asvg:svgBlip xmlns:asvg="http://schemas.microsoft.com/office/drawing/2016/SVG/main" r:embed="rId8"/>
-                </a:ext>
               </a:extLst>
             </a:blip>
-            <a:stretch>
-              <a:fillRect/>
-            </a:stretch>
+            <a:srcRect r="5797" b="8289"/>
+            <a:stretch/>
           </p:blipFill>
-          <p:spPr>
-            <a:xfrm rot="20700000">
-              <a:off x="3072690" y="3335874"/>
-              <a:ext cx="739632" cy="739632"/>
+          <p:spPr bwMode="auto">
+            <a:xfrm>
+              <a:off x="2615031" y="3419406"/>
+              <a:ext cx="1091643" cy="398663"/>
             </a:xfrm>
             <a:prstGeom prst="rect">
               <a:avLst/>
             </a:prstGeom>
+            <a:noFill/>
           </p:spPr>
         </p:pic>
         <p:sp>
           <p:nvSpPr>
-            <p:cNvPr id="50" name="Rectángulo 16">
+            <p:cNvPr id="25" name="Rectángulo 16">
               <a:extLst>
                 <a:ext uri="{FF2B5EF4-FFF2-40B4-BE49-F238E27FC236}">
-                  <a16:creationId xmlns:a16="http://schemas.microsoft.com/office/drawing/2014/main" id="{118861E6-77EF-4F27-8E85-28F24F9A1E49}"/>
+                  <a16:creationId xmlns:a16="http://schemas.microsoft.com/office/drawing/2014/main" id="{4DFD51C3-63B8-4343-B9CF-7D0910F56B1F}"/>
                 </a:ext>
               </a:extLst>
             </p:cNvPr>
@@ -6320,8 +5374,8 @@
           </p:nvSpPr>
           <p:spPr>
             <a:xfrm>
-              <a:off x="3637888" y="3508217"/>
-              <a:ext cx="635749" cy="461663"/>
+              <a:off x="1829122" y="3270813"/>
+              <a:ext cx="458599" cy="335708"/>
             </a:xfrm>
             <a:prstGeom prst="rect">
               <a:avLst/>
@@ -6334,12 +5388,229 @@
             <a:effectLst/>
             <a:extLst>
               <a:ext uri="{C572A759-6A51-4108-AA02-DFA0A04FC94B}">
-                <ma14:wrappingTextBoxFlag xmlns:ma14="http://schemas.microsoft.com/office/mac/drawingml/2011/main" xmlns:a14="http://schemas.microsoft.com/office/drawing/2010/main" xmlns:m="http://schemas.openxmlformats.org/officeDocument/2006/math" xmlns="" val="1"/>
+                <ma14:wrappingTextBoxFlag xmlns="" xmlns:m="http://schemas.openxmlformats.org/officeDocument/2006/math" xmlns:a14="http://schemas.microsoft.com/office/drawing/2010/main" xmlns:ma14="http://schemas.microsoft.com/office/mac/drawingml/2011/main" val="1"/>
               </a:ext>
             </a:extLst>
           </p:spPr>
           <p:txBody>
-            <a:bodyPr wrap="none" lIns="45719" tIns="45719" rIns="45719" bIns="45719" numCol="1" anchor="t">
+            <a:bodyPr wrap="square" lIns="45719" tIns="45719" rIns="45719" bIns="45719" numCol="1" anchor="t">
+              <a:spAutoFit/>
+            </a:bodyPr>
+            <a:lstStyle>
+              <a:lvl1pPr>
+                <a:defRPr sz="1200">
+                  <a:solidFill>
+                    <a:srgbClr val="FFFFFF"/>
+                  </a:solidFill>
+                  <a:latin typeface="Open Sans"/>
+                  <a:ea typeface="Open Sans"/>
+                  <a:cs typeface="Open Sans"/>
+                  <a:sym typeface="Open Sans"/>
+                </a:defRPr>
+              </a:lvl1pPr>
+            </a:lstStyle>
+            <a:p>
+              <a:pPr algn="ctr"/>
+              <a:r>
+                <a:rPr lang="es-ES_tradnl" sz="1800" b="1" dirty="0">
+                  <a:solidFill>
+                    <a:schemeClr val="bg1">
+                      <a:lumMod val="50000"/>
+                    </a:schemeClr>
+                  </a:solidFill>
+                </a:rPr>
+                <a:t>TS</a:t>
+              </a:r>
+            </a:p>
+          </p:txBody>
+        </p:sp>
+        <p:cxnSp>
+          <p:nvCxnSpPr>
+            <p:cNvPr id="32" name="Conector recto de flecha 31">
+              <a:extLst>
+                <a:ext uri="{FF2B5EF4-FFF2-40B4-BE49-F238E27FC236}">
+                  <a16:creationId xmlns:a16="http://schemas.microsoft.com/office/drawing/2014/main" id="{B767E98E-2687-406E-8373-59941086D514}"/>
+                </a:ext>
+              </a:extLst>
+            </p:cNvPr>
+            <p:cNvCxnSpPr>
+              <a:cxnSpLocks/>
+            </p:cNvCxnSpPr>
+            <p:nvPr/>
+          </p:nvCxnSpPr>
+          <p:spPr>
+            <a:xfrm>
+              <a:off x="3837570" y="3618737"/>
+              <a:ext cx="1092469" cy="0"/>
+            </a:xfrm>
+            <a:prstGeom prst="straightConnector1">
+              <a:avLst/>
+            </a:prstGeom>
+            <a:noFill/>
+            <a:ln w="31750" cap="flat">
+              <a:solidFill>
+                <a:schemeClr val="tx1">
+                  <a:lumMod val="50000"/>
+                  <a:lumOff val="50000"/>
+                </a:schemeClr>
+              </a:solidFill>
+              <a:prstDash val="solid"/>
+              <a:round/>
+              <a:tailEnd type="triangle"/>
+            </a:ln>
+            <a:effectLst/>
+            <a:sp3d/>
+          </p:spPr>
+          <p:style>
+            <a:lnRef idx="0">
+              <a:scrgbClr r="0" g="0" b="0"/>
+            </a:lnRef>
+            <a:fillRef idx="0">
+              <a:scrgbClr r="0" g="0" b="0"/>
+            </a:fillRef>
+            <a:effectRef idx="0">
+              <a:scrgbClr r="0" g="0" b="0"/>
+            </a:effectRef>
+            <a:fontRef idx="none"/>
+          </p:style>
+        </p:cxnSp>
+        <p:sp>
+          <p:nvSpPr>
+            <p:cNvPr id="33" name="Rectángulo 16">
+              <a:extLst>
+                <a:ext uri="{FF2B5EF4-FFF2-40B4-BE49-F238E27FC236}">
+                  <a16:creationId xmlns:a16="http://schemas.microsoft.com/office/drawing/2014/main" id="{D648F84D-E3C0-426F-94DB-A76C5E9FBB42}"/>
+                </a:ext>
+              </a:extLst>
+            </p:cNvPr>
+            <p:cNvSpPr/>
+            <p:nvPr/>
+          </p:nvSpPr>
+          <p:spPr>
+            <a:xfrm>
+              <a:off x="4072124" y="3270813"/>
+              <a:ext cx="640208" cy="335708"/>
+            </a:xfrm>
+            <a:prstGeom prst="rect">
+              <a:avLst/>
+            </a:prstGeom>
+            <a:noFill/>
+            <a:ln w="12700" cap="flat">
+              <a:noFill/>
+              <a:miter lim="400000"/>
+            </a:ln>
+            <a:effectLst/>
+            <a:extLst>
+              <a:ext uri="{C572A759-6A51-4108-AA02-DFA0A04FC94B}">
+                <ma14:wrappingTextBoxFlag xmlns="" xmlns:m="http://schemas.openxmlformats.org/officeDocument/2006/math" xmlns:a14="http://schemas.microsoft.com/office/drawing/2010/main" xmlns:ma14="http://schemas.microsoft.com/office/mac/drawingml/2011/main" val="1"/>
+              </a:ext>
+            </a:extLst>
+          </p:spPr>
+          <p:txBody>
+            <a:bodyPr wrap="square" lIns="45719" tIns="45719" rIns="45719" bIns="45719" numCol="1" anchor="t">
+              <a:spAutoFit/>
+            </a:bodyPr>
+            <a:lstStyle>
+              <a:lvl1pPr>
+                <a:defRPr sz="1200">
+                  <a:solidFill>
+                    <a:srgbClr val="FFFFFF"/>
+                  </a:solidFill>
+                  <a:latin typeface="Open Sans"/>
+                  <a:ea typeface="Open Sans"/>
+                  <a:cs typeface="Open Sans"/>
+                  <a:sym typeface="Open Sans"/>
+                </a:defRPr>
+              </a:lvl1pPr>
+            </a:lstStyle>
+            <a:p>
+              <a:pPr algn="ctr"/>
+              <a:r>
+                <a:rPr lang="es-ES_tradnl" sz="1800" b="1" dirty="0">
+                  <a:solidFill>
+                    <a:schemeClr val="bg1">
+                      <a:lumMod val="50000"/>
+                    </a:schemeClr>
+                  </a:solidFill>
+                </a:rPr>
+                <a:t>ES5</a:t>
+              </a:r>
+            </a:p>
+          </p:txBody>
+        </p:sp>
+        <p:pic>
+          <p:nvPicPr>
+            <p:cNvPr id="37" name="Gráfico 36">
+              <a:extLst>
+                <a:ext uri="{FF2B5EF4-FFF2-40B4-BE49-F238E27FC236}">
+                  <a16:creationId xmlns:a16="http://schemas.microsoft.com/office/drawing/2014/main" id="{328E4448-4BD6-4C1C-9DC6-4F7502FD0543}"/>
+                </a:ext>
+              </a:extLst>
+            </p:cNvPr>
+            <p:cNvPicPr>
+              <a:picLocks noChangeAspect="1"/>
+            </p:cNvPicPr>
+            <p:nvPr/>
+          </p:nvPicPr>
+          <p:blipFill>
+            <a:blip r:embed="rId3" cstate="print">
+              <a:extLst>
+                <a:ext uri="{28A0092B-C50C-407E-A947-70E740481C1C}">
+                  <a14:useLocalDpi xmlns:a14="http://schemas.microsoft.com/office/drawing/2010/main" val="0"/>
+                </a:ext>
+                <a:ext uri="{96DAC541-7B7A-43D3-8B79-37D633B846F1}">
+                  <asvg:svgBlip xmlns:asvg="http://schemas.microsoft.com/office/drawing/2016/SVG/main" r:embed="rId4"/>
+                </a:ext>
+              </a:extLst>
+            </a:blip>
+            <a:stretch>
+              <a:fillRect/>
+            </a:stretch>
+          </p:blipFill>
+          <p:spPr>
+            <a:xfrm>
+              <a:off x="832731" y="3273703"/>
+              <a:ext cx="681263" cy="562907"/>
+            </a:xfrm>
+            <a:prstGeom prst="rect">
+              <a:avLst/>
+            </a:prstGeom>
+          </p:spPr>
+        </p:pic>
+        <p:sp>
+          <p:nvSpPr>
+            <p:cNvPr id="38" name="Rectángulo 16">
+              <a:extLst>
+                <a:ext uri="{FF2B5EF4-FFF2-40B4-BE49-F238E27FC236}">
+                  <a16:creationId xmlns:a16="http://schemas.microsoft.com/office/drawing/2014/main" id="{1699EC3C-4CD2-474C-AE53-71126D51DBBC}"/>
+                </a:ext>
+              </a:extLst>
+            </p:cNvPr>
+            <p:cNvSpPr/>
+            <p:nvPr/>
+          </p:nvSpPr>
+          <p:spPr>
+            <a:xfrm>
+              <a:off x="919111" y="3545071"/>
+              <a:ext cx="351673" cy="237793"/>
+            </a:xfrm>
+            <a:prstGeom prst="rect">
+              <a:avLst/>
+            </a:prstGeom>
+            <a:noFill/>
+            <a:ln w="12700" cap="flat">
+              <a:noFill/>
+              <a:miter lim="400000"/>
+            </a:ln>
+            <a:effectLst/>
+            <a:extLst>
+              <a:ext uri="{C572A759-6A51-4108-AA02-DFA0A04FC94B}">
+                <ma14:wrappingTextBoxFlag xmlns="" xmlns:m="http://schemas.openxmlformats.org/officeDocument/2006/math" xmlns:a14="http://schemas.microsoft.com/office/drawing/2010/main" xmlns:ma14="http://schemas.microsoft.com/office/mac/drawingml/2011/main" val="1"/>
+              </a:ext>
+            </a:extLst>
+          </p:spPr>
+          <p:txBody>
+            <a:bodyPr wrap="square" lIns="45719" tIns="45719" rIns="45719" bIns="45719" numCol="1" anchor="t">
               <a:spAutoFit/>
             </a:bodyPr>
             <a:lstStyle>
@@ -6357,22 +5628,62 @@
             </a:lstStyle>
             <a:p>
               <a:r>
-                <a:rPr lang="es-ES_tradnl" sz="2400" b="1" dirty="0">
+                <a:rPr lang="es-ES_tradnl" sz="1100" b="1" dirty="0">
                   <a:solidFill>
-                    <a:srgbClr val="006A7B"/>
+                    <a:schemeClr val="bg1"/>
                   </a:solidFill>
+                  <a:latin typeface="Montserrat SemiBold" panose="00000700000000000000" pitchFamily="2" charset="0"/>
                 </a:rPr>
-                <a:t>TSC</a:t>
+                <a:t>TS</a:t>
               </a:r>
             </a:p>
           </p:txBody>
         </p:sp>
+        <p:pic>
+          <p:nvPicPr>
+            <p:cNvPr id="39" name="Gráfico 38">
+              <a:extLst>
+                <a:ext uri="{FF2B5EF4-FFF2-40B4-BE49-F238E27FC236}">
+                  <a16:creationId xmlns:a16="http://schemas.microsoft.com/office/drawing/2014/main" id="{42264136-EE44-4398-9925-64F99317CC40}"/>
+                </a:ext>
+              </a:extLst>
+            </p:cNvPr>
+            <p:cNvPicPr>
+              <a:picLocks noChangeAspect="1"/>
+            </p:cNvPicPr>
+            <p:nvPr/>
+          </p:nvPicPr>
+          <p:blipFill>
+            <a:blip r:embed="rId5" cstate="print">
+              <a:extLst>
+                <a:ext uri="{28A0092B-C50C-407E-A947-70E740481C1C}">
+                  <a14:useLocalDpi xmlns:a14="http://schemas.microsoft.com/office/drawing/2010/main" val="0"/>
+                </a:ext>
+                <a:ext uri="{96DAC541-7B7A-43D3-8B79-37D633B846F1}">
+                  <asvg:svgBlip xmlns:asvg="http://schemas.microsoft.com/office/drawing/2016/SVG/main" r:embed="rId6"/>
+                </a:ext>
+              </a:extLst>
+            </a:blip>
+            <a:stretch>
+              <a:fillRect/>
+            </a:stretch>
+          </p:blipFill>
+          <p:spPr>
+            <a:xfrm>
+              <a:off x="5060935" y="3270813"/>
+              <a:ext cx="681263" cy="562907"/>
+            </a:xfrm>
+            <a:prstGeom prst="rect">
+              <a:avLst/>
+            </a:prstGeom>
+          </p:spPr>
+        </p:pic>
         <p:sp>
           <p:nvSpPr>
-            <p:cNvPr id="52" name="Rectángulo 16">
+            <p:cNvPr id="40" name="Rectángulo 16">
               <a:extLst>
                 <a:ext uri="{FF2B5EF4-FFF2-40B4-BE49-F238E27FC236}">
-                  <a16:creationId xmlns:a16="http://schemas.microsoft.com/office/drawing/2014/main" id="{95EF2BF7-C63A-4FF9-9A6F-747BC6E3882E}"/>
+                  <a16:creationId xmlns:a16="http://schemas.microsoft.com/office/drawing/2014/main" id="{927AB90F-F800-4905-8C31-FB9D149E330F}"/>
                 </a:ext>
               </a:extLst>
             </p:cNvPr>
@@ -6381,15 +5692,13 @@
           </p:nvSpPr>
           <p:spPr>
             <a:xfrm>
-              <a:off x="3668674" y="3895242"/>
-              <a:ext cx="578648" cy="241556"/>
+              <a:off x="5154042" y="3545071"/>
+              <a:ext cx="346251" cy="237793"/>
             </a:xfrm>
-            <a:prstGeom prst="roundRect">
+            <a:prstGeom prst="rect">
               <a:avLst/>
             </a:prstGeom>
-            <a:solidFill>
-              <a:srgbClr val="006A7B"/>
-            </a:solidFill>
+            <a:noFill/>
             <a:ln w="12700" cap="flat">
               <a:noFill/>
               <a:miter lim="400000"/>
@@ -6397,13 +5706,309 @@
             <a:effectLst/>
             <a:extLst>
               <a:ext uri="{C572A759-6A51-4108-AA02-DFA0A04FC94B}">
-                <ma14:wrappingTextBoxFlag xmlns:ma14="http://schemas.microsoft.com/office/mac/drawingml/2011/main" xmlns:a14="http://schemas.microsoft.com/office/drawing/2010/main" xmlns:m="http://schemas.openxmlformats.org/officeDocument/2006/math" xmlns="" val="1"/>
+                <ma14:wrappingTextBoxFlag xmlns="" xmlns:m="http://schemas.openxmlformats.org/officeDocument/2006/math" xmlns:a14="http://schemas.microsoft.com/office/drawing/2010/main" xmlns:ma14="http://schemas.microsoft.com/office/mac/drawingml/2011/main" val="1"/>
               </a:ext>
             </a:extLst>
           </p:spPr>
           <p:txBody>
-            <a:bodyPr wrap="none" lIns="45719" tIns="45719" rIns="45719" bIns="45719" numCol="1" anchor="ctr" anchorCtr="0">
-              <a:noAutofit/>
+            <a:bodyPr wrap="square" lIns="45719" tIns="45719" rIns="45719" bIns="45719" numCol="1" anchor="t">
+              <a:spAutoFit/>
+            </a:bodyPr>
+            <a:lstStyle>
+              <a:lvl1pPr>
+                <a:defRPr sz="1200">
+                  <a:solidFill>
+                    <a:srgbClr val="FFFFFF"/>
+                  </a:solidFill>
+                  <a:latin typeface="Open Sans"/>
+                  <a:ea typeface="Open Sans"/>
+                  <a:cs typeface="Open Sans"/>
+                  <a:sym typeface="Open Sans"/>
+                </a:defRPr>
+              </a:lvl1pPr>
+            </a:lstStyle>
+            <a:p>
+              <a:r>
+                <a:rPr lang="es-ES_tradnl" sz="1100" dirty="0">
+                  <a:solidFill>
+                    <a:schemeClr val="bg1"/>
+                  </a:solidFill>
+                  <a:latin typeface="Montserrat SemiBold" panose="00000700000000000000" pitchFamily="2" charset="0"/>
+                </a:rPr>
+                <a:t>JS</a:t>
+              </a:r>
+            </a:p>
+          </p:txBody>
+        </p:sp>
+      </p:grpSp>
+      <p:sp>
+        <p:nvSpPr>
+          <p:cNvPr id="47" name="Rectángulo 16">
+            <a:extLst>
+              <a:ext uri="{FF2B5EF4-FFF2-40B4-BE49-F238E27FC236}">
+                <a16:creationId xmlns:a16="http://schemas.microsoft.com/office/drawing/2014/main" id="{061612AE-5226-46ED-A3BC-AFF367787E5A}"/>
+              </a:ext>
+            </a:extLst>
+          </p:cNvPr>
+          <p:cNvSpPr/>
+          <p:nvPr/>
+        </p:nvSpPr>
+        <p:spPr>
+          <a:xfrm>
+            <a:off x="5154042" y="1461964"/>
+            <a:ext cx="346251" cy="237793"/>
+          </a:xfrm>
+          <a:prstGeom prst="rect">
+            <a:avLst/>
+          </a:prstGeom>
+          <a:noFill/>
+          <a:ln w="12700" cap="flat">
+            <a:noFill/>
+            <a:miter lim="400000"/>
+          </a:ln>
+          <a:effectLst/>
+          <a:extLst>
+            <a:ext uri="{C572A759-6A51-4108-AA02-DFA0A04FC94B}">
+              <ma14:wrappingTextBoxFlag xmlns="" xmlns:m="http://schemas.openxmlformats.org/officeDocument/2006/math" xmlns:a14="http://schemas.microsoft.com/office/drawing/2010/main" xmlns:ma14="http://schemas.microsoft.com/office/mac/drawingml/2011/main" val="1"/>
+            </a:ext>
+          </a:extLst>
+        </p:spPr>
+        <p:txBody>
+          <a:bodyPr wrap="square" lIns="45719" tIns="45719" rIns="45719" bIns="45719" numCol="1" anchor="t">
+            <a:spAutoFit/>
+          </a:bodyPr>
+          <a:lstStyle>
+            <a:lvl1pPr>
+              <a:defRPr sz="1200">
+                <a:solidFill>
+                  <a:srgbClr val="FFFFFF"/>
+                </a:solidFill>
+                <a:latin typeface="Open Sans"/>
+                <a:ea typeface="Open Sans"/>
+                <a:cs typeface="Open Sans"/>
+                <a:sym typeface="Open Sans"/>
+              </a:defRPr>
+            </a:lvl1pPr>
+          </a:lstStyle>
+          <a:p>
+            <a:r>
+              <a:rPr lang="es-ES_tradnl" sz="1100" dirty="0">
+                <a:solidFill>
+                  <a:schemeClr val="bg1"/>
+                </a:solidFill>
+                <a:latin typeface="Montserrat SemiBold" panose="00000700000000000000" pitchFamily="2" charset="0"/>
+              </a:rPr>
+              <a:t>JS</a:t>
+            </a:r>
+          </a:p>
+        </p:txBody>
+      </p:sp>
+      <p:grpSp>
+        <p:nvGrpSpPr>
+          <p:cNvPr id="31" name="Grupo 30">
+            <a:extLst>
+              <a:ext uri="{FF2B5EF4-FFF2-40B4-BE49-F238E27FC236}">
+                <a16:creationId xmlns:a16="http://schemas.microsoft.com/office/drawing/2014/main" id="{52D0DFA1-8EEA-B342-6282-6C77C63FDC9A}"/>
+              </a:ext>
+            </a:extLst>
+          </p:cNvPr>
+          <p:cNvGrpSpPr/>
+          <p:nvPr/>
+        </p:nvGrpSpPr>
+        <p:grpSpPr>
+          <a:xfrm>
+            <a:off x="832731" y="1060449"/>
+            <a:ext cx="4909467" cy="609554"/>
+            <a:chOff x="832731" y="1176561"/>
+            <a:chExt cx="4909467" cy="609554"/>
+          </a:xfrm>
+        </p:grpSpPr>
+        <p:pic>
+          <p:nvPicPr>
+            <p:cNvPr id="18" name="Gráfico 17">
+              <a:extLst>
+                <a:ext uri="{FF2B5EF4-FFF2-40B4-BE49-F238E27FC236}">
+                  <a16:creationId xmlns:a16="http://schemas.microsoft.com/office/drawing/2014/main" id="{E4F7C7A2-65E9-42BA-BB5B-0867AE92655B}"/>
+                </a:ext>
+              </a:extLst>
+            </p:cNvPr>
+            <p:cNvPicPr>
+              <a:picLocks noChangeAspect="1"/>
+            </p:cNvPicPr>
+            <p:nvPr/>
+          </p:nvPicPr>
+          <p:blipFill>
+            <a:blip r:embed="rId3" cstate="print">
+              <a:extLst>
+                <a:ext uri="{28A0092B-C50C-407E-A947-70E740481C1C}">
+                  <a14:useLocalDpi xmlns:a14="http://schemas.microsoft.com/office/drawing/2010/main" val="0"/>
+                </a:ext>
+                <a:ext uri="{96DAC541-7B7A-43D3-8B79-37D633B846F1}">
+                  <asvg:svgBlip xmlns:asvg="http://schemas.microsoft.com/office/drawing/2016/SVG/main" r:embed="rId4"/>
+                </a:ext>
+              </a:extLst>
+            </a:blip>
+            <a:stretch>
+              <a:fillRect/>
+            </a:stretch>
+          </p:blipFill>
+          <p:spPr>
+            <a:xfrm>
+              <a:off x="832731" y="1189473"/>
+              <a:ext cx="681263" cy="562907"/>
+            </a:xfrm>
+            <a:prstGeom prst="rect">
+              <a:avLst/>
+            </a:prstGeom>
+          </p:spPr>
+        </p:pic>
+        <p:sp>
+          <p:nvSpPr>
+            <p:cNvPr id="26" name="Rectángulo 16">
+              <a:extLst>
+                <a:ext uri="{FF2B5EF4-FFF2-40B4-BE49-F238E27FC236}">
+                  <a16:creationId xmlns:a16="http://schemas.microsoft.com/office/drawing/2014/main" id="{363620B5-F309-47F1-9A59-8C8BE920EE26}"/>
+                </a:ext>
+              </a:extLst>
+            </p:cNvPr>
+            <p:cNvSpPr/>
+            <p:nvPr/>
+          </p:nvSpPr>
+          <p:spPr>
+            <a:xfrm>
+              <a:off x="919111" y="1460841"/>
+              <a:ext cx="351673" cy="237793"/>
+            </a:xfrm>
+            <a:prstGeom prst="rect">
+              <a:avLst/>
+            </a:prstGeom>
+            <a:noFill/>
+            <a:ln w="12700" cap="flat">
+              <a:noFill/>
+              <a:miter lim="400000"/>
+            </a:ln>
+            <a:effectLst/>
+            <a:extLst>
+              <a:ext uri="{C572A759-6A51-4108-AA02-DFA0A04FC94B}">
+                <ma14:wrappingTextBoxFlag xmlns="" xmlns:m="http://schemas.openxmlformats.org/officeDocument/2006/math" xmlns:a14="http://schemas.microsoft.com/office/drawing/2010/main" xmlns:ma14="http://schemas.microsoft.com/office/mac/drawingml/2011/main" val="1"/>
+              </a:ext>
+            </a:extLst>
+          </p:spPr>
+          <p:txBody>
+            <a:bodyPr wrap="square" lIns="45719" tIns="45719" rIns="45719" bIns="45719" numCol="1" anchor="t">
+              <a:spAutoFit/>
+            </a:bodyPr>
+            <a:lstStyle>
+              <a:lvl1pPr>
+                <a:defRPr sz="1200">
+                  <a:solidFill>
+                    <a:srgbClr val="FFFFFF"/>
+                  </a:solidFill>
+                  <a:latin typeface="Open Sans"/>
+                  <a:ea typeface="Open Sans"/>
+                  <a:cs typeface="Open Sans"/>
+                  <a:sym typeface="Open Sans"/>
+                </a:defRPr>
+              </a:lvl1pPr>
+            </a:lstStyle>
+            <a:p>
+              <a:r>
+                <a:rPr lang="es-ES_tradnl" sz="1100" b="1" dirty="0">
+                  <a:solidFill>
+                    <a:schemeClr val="bg1"/>
+                  </a:solidFill>
+                  <a:latin typeface="Montserrat SemiBold" panose="00000700000000000000" pitchFamily="2" charset="0"/>
+                </a:rPr>
+                <a:t>TS</a:t>
+              </a:r>
+            </a:p>
+          </p:txBody>
+        </p:sp>
+        <p:cxnSp>
+          <p:nvCxnSpPr>
+            <p:cNvPr id="41" name="Conector recto de flecha 40">
+              <a:extLst>
+                <a:ext uri="{FF2B5EF4-FFF2-40B4-BE49-F238E27FC236}">
+                  <a16:creationId xmlns:a16="http://schemas.microsoft.com/office/drawing/2014/main" id="{CEB54922-B967-4483-8312-C9C1E4EE97BF}"/>
+                </a:ext>
+              </a:extLst>
+            </p:cNvPr>
+            <p:cNvCxnSpPr>
+              <a:cxnSpLocks/>
+            </p:cNvCxnSpPr>
+            <p:nvPr/>
+          </p:nvCxnSpPr>
+          <p:spPr>
+            <a:xfrm>
+              <a:off x="1594567" y="1529841"/>
+              <a:ext cx="939890" cy="0"/>
+            </a:xfrm>
+            <a:prstGeom prst="straightConnector1">
+              <a:avLst/>
+            </a:prstGeom>
+            <a:noFill/>
+            <a:ln w="31750" cap="flat">
+              <a:solidFill>
+                <a:schemeClr val="tx1">
+                  <a:lumMod val="50000"/>
+                  <a:lumOff val="50000"/>
+                </a:schemeClr>
+              </a:solidFill>
+              <a:prstDash val="solid"/>
+              <a:round/>
+              <a:tailEnd type="triangle"/>
+            </a:ln>
+            <a:effectLst/>
+            <a:sp3d/>
+          </p:spPr>
+          <p:style>
+            <a:lnRef idx="0">
+              <a:scrgbClr r="0" g="0" b="0"/>
+            </a:lnRef>
+            <a:fillRef idx="0">
+              <a:scrgbClr r="0" g="0" b="0"/>
+            </a:fillRef>
+            <a:effectRef idx="0">
+              <a:scrgbClr r="0" g="0" b="0"/>
+            </a:effectRef>
+            <a:fontRef idx="none"/>
+          </p:style>
+        </p:cxnSp>
+        <p:sp>
+          <p:nvSpPr>
+            <p:cNvPr id="43" name="Rectángulo 16">
+              <a:extLst>
+                <a:ext uri="{FF2B5EF4-FFF2-40B4-BE49-F238E27FC236}">
+                  <a16:creationId xmlns:a16="http://schemas.microsoft.com/office/drawing/2014/main" id="{6476C6B3-24CF-4744-AD26-451A72E3FDE3}"/>
+                </a:ext>
+              </a:extLst>
+            </p:cNvPr>
+            <p:cNvSpPr/>
+            <p:nvPr/>
+          </p:nvSpPr>
+          <p:spPr>
+            <a:xfrm>
+              <a:off x="1829122" y="1181918"/>
+              <a:ext cx="458599" cy="335708"/>
+            </a:xfrm>
+            <a:prstGeom prst="rect">
+              <a:avLst/>
+            </a:prstGeom>
+            <a:noFill/>
+            <a:ln w="12700" cap="flat">
+              <a:noFill/>
+              <a:miter lim="400000"/>
+            </a:ln>
+            <a:effectLst/>
+            <a:extLst>
+              <a:ext uri="{C572A759-6A51-4108-AA02-DFA0A04FC94B}">
+                <ma14:wrappingTextBoxFlag xmlns="" xmlns:m="http://schemas.openxmlformats.org/officeDocument/2006/math" xmlns:a14="http://schemas.microsoft.com/office/drawing/2010/main" xmlns:ma14="http://schemas.microsoft.com/office/mac/drawingml/2011/main" val="1"/>
+              </a:ext>
+            </a:extLst>
+          </p:spPr>
+          <p:txBody>
+            <a:bodyPr wrap="square" lIns="45719" tIns="45719" rIns="45719" bIns="45719" numCol="1" anchor="t">
+              <a:spAutoFit/>
             </a:bodyPr>
             <a:lstStyle>
               <a:lvl1pPr>
@@ -6421,409 +6026,74 @@
             <a:p>
               <a:pPr algn="ctr"/>
               <a:r>
-                <a:rPr lang="es-ES_tradnl" sz="1600" b="1" dirty="0">
+                <a:rPr lang="es-ES_tradnl" sz="1800" b="1" dirty="0">
                   <a:solidFill>
-                    <a:schemeClr val="bg1"/>
+                    <a:schemeClr val="bg1">
+                      <a:lumMod val="50000"/>
+                    </a:schemeClr>
                   </a:solidFill>
                 </a:rPr>
-                <a:t>EXE</a:t>
+                <a:t>TS</a:t>
               </a:r>
             </a:p>
           </p:txBody>
         </p:sp>
-      </p:grpSp>
-      <p:cxnSp>
-        <p:nvCxnSpPr>
-          <p:cNvPr id="54" name="Conector recto de flecha 53">
-            <a:extLst>
-              <a:ext uri="{FF2B5EF4-FFF2-40B4-BE49-F238E27FC236}">
-                <a16:creationId xmlns:a16="http://schemas.microsoft.com/office/drawing/2014/main" id="{05FCDA3A-017D-471F-81EF-A80EE187162C}"/>
-              </a:ext>
-            </a:extLst>
-          </p:cNvPr>
-          <p:cNvCxnSpPr>
-            <a:cxnSpLocks/>
-          </p:cNvCxnSpPr>
-          <p:nvPr/>
-        </p:nvCxnSpPr>
-        <p:spPr>
-          <a:xfrm>
-            <a:off x="1659839" y="3017265"/>
-            <a:ext cx="1020418" cy="0"/>
-          </a:xfrm>
-          <a:prstGeom prst="straightConnector1">
-            <a:avLst/>
-          </a:prstGeom>
-          <a:noFill/>
-          <a:ln w="31750" cap="flat">
-            <a:solidFill>
-              <a:schemeClr val="tx1">
-                <a:lumMod val="50000"/>
-                <a:lumOff val="50000"/>
-              </a:schemeClr>
-            </a:solidFill>
-            <a:prstDash val="solid"/>
-            <a:round/>
-            <a:tailEnd type="triangle"/>
-          </a:ln>
-          <a:effectLst/>
-          <a:sp3d/>
-        </p:spPr>
-        <p:style>
-          <a:lnRef idx="0">
-            <a:scrgbClr r="0" g="0" b="0"/>
-          </a:lnRef>
-          <a:fillRef idx="0">
-            <a:scrgbClr r="0" g="0" b="0"/>
-          </a:fillRef>
-          <a:effectRef idx="0">
-            <a:scrgbClr r="0" g="0" b="0"/>
-          </a:effectRef>
-          <a:fontRef idx="none"/>
-        </p:style>
-      </p:cxnSp>
-      <p:sp>
-        <p:nvSpPr>
-          <p:cNvPr id="55" name="Rectángulo 16">
-            <a:extLst>
-              <a:ext uri="{FF2B5EF4-FFF2-40B4-BE49-F238E27FC236}">
-                <a16:creationId xmlns:a16="http://schemas.microsoft.com/office/drawing/2014/main" id="{30505524-46B8-46A0-87E4-7A4D393A9EAA}"/>
-              </a:ext>
-            </a:extLst>
-          </p:cNvPr>
-          <p:cNvSpPr/>
-          <p:nvPr/>
-        </p:nvSpPr>
-        <p:spPr>
-          <a:xfrm>
-            <a:off x="1914490" y="2560111"/>
-            <a:ext cx="497891" cy="523218"/>
-          </a:xfrm>
-          <a:prstGeom prst="rect">
-            <a:avLst/>
-          </a:prstGeom>
-          <a:noFill/>
-          <a:ln w="12700" cap="flat">
-            <a:noFill/>
-            <a:miter lim="400000"/>
-          </a:ln>
-          <a:effectLst/>
-          <a:extLst>
-            <a:ext uri="{C572A759-6A51-4108-AA02-DFA0A04FC94B}">
-              <ma14:wrappingTextBoxFlag xmlns:ma14="http://schemas.microsoft.com/office/mac/drawingml/2011/main" xmlns:a14="http://schemas.microsoft.com/office/drawing/2010/main" xmlns:m="http://schemas.openxmlformats.org/officeDocument/2006/math" xmlns="" val="1"/>
-            </a:ext>
-          </a:extLst>
-        </p:spPr>
-        <p:txBody>
-          <a:bodyPr wrap="none" lIns="45719" tIns="45719" rIns="45719" bIns="45719" numCol="1" anchor="t">
-            <a:spAutoFit/>
-          </a:bodyPr>
-          <a:lstStyle>
-            <a:lvl1pPr>
-              <a:defRPr sz="1200">
-                <a:solidFill>
-                  <a:srgbClr val="FFFFFF"/>
-                </a:solidFill>
-                <a:latin typeface="Open Sans"/>
-                <a:ea typeface="Open Sans"/>
-                <a:cs typeface="Open Sans"/>
-                <a:sym typeface="Open Sans"/>
-              </a:defRPr>
-            </a:lvl1pPr>
-          </a:lstStyle>
-          <a:p>
-            <a:r>
-              <a:rPr lang="es-ES_tradnl" sz="2800" b="1" dirty="0">
-                <a:solidFill>
-                  <a:schemeClr val="bg1">
-                    <a:lumMod val="50000"/>
-                  </a:schemeClr>
-                </a:solidFill>
-              </a:rPr>
-              <a:t>TS</a:t>
-            </a:r>
-          </a:p>
-        </p:txBody>
-      </p:sp>
-      <p:cxnSp>
-        <p:nvCxnSpPr>
-          <p:cNvPr id="56" name="Conector recto de flecha 55">
-            <a:extLst>
-              <a:ext uri="{FF2B5EF4-FFF2-40B4-BE49-F238E27FC236}">
-                <a16:creationId xmlns:a16="http://schemas.microsoft.com/office/drawing/2014/main" id="{E5483656-F937-4A66-AF87-406513D413A1}"/>
-              </a:ext>
-            </a:extLst>
-          </p:cNvPr>
-          <p:cNvCxnSpPr>
-            <a:cxnSpLocks/>
-          </p:cNvCxnSpPr>
-          <p:nvPr/>
-        </p:nvCxnSpPr>
-        <p:spPr>
-          <a:xfrm>
-            <a:off x="4095018" y="3017265"/>
-            <a:ext cx="1186070" cy="0"/>
-          </a:xfrm>
-          <a:prstGeom prst="straightConnector1">
-            <a:avLst/>
-          </a:prstGeom>
-          <a:noFill/>
-          <a:ln w="31750" cap="flat">
-            <a:solidFill>
-              <a:schemeClr val="tx1">
-                <a:lumMod val="50000"/>
-                <a:lumOff val="50000"/>
-              </a:schemeClr>
-            </a:solidFill>
-            <a:prstDash val="solid"/>
-            <a:round/>
-            <a:tailEnd type="triangle"/>
-          </a:ln>
-          <a:effectLst/>
-          <a:sp3d/>
-        </p:spPr>
-        <p:style>
-          <a:lnRef idx="0">
-            <a:scrgbClr r="0" g="0" b="0"/>
-          </a:lnRef>
-          <a:fillRef idx="0">
-            <a:scrgbClr r="0" g="0" b="0"/>
-          </a:fillRef>
-          <a:effectRef idx="0">
-            <a:scrgbClr r="0" g="0" b="0"/>
-          </a:effectRef>
-          <a:fontRef idx="none"/>
-        </p:style>
-      </p:cxnSp>
-      <p:sp>
-        <p:nvSpPr>
-          <p:cNvPr id="57" name="Rectángulo 16">
-            <a:extLst>
-              <a:ext uri="{FF2B5EF4-FFF2-40B4-BE49-F238E27FC236}">
-                <a16:creationId xmlns:a16="http://schemas.microsoft.com/office/drawing/2014/main" id="{36BD5CB1-D776-4797-8700-09C82CA35453}"/>
-              </a:ext>
-            </a:extLst>
-          </p:cNvPr>
-          <p:cNvSpPr/>
-          <p:nvPr/>
-        </p:nvSpPr>
-        <p:spPr>
-          <a:xfrm>
-            <a:off x="4349669" y="2560111"/>
-            <a:ext cx="695060" cy="523218"/>
-          </a:xfrm>
-          <a:prstGeom prst="rect">
-            <a:avLst/>
-          </a:prstGeom>
-          <a:noFill/>
-          <a:ln w="12700" cap="flat">
-            <a:noFill/>
-            <a:miter lim="400000"/>
-          </a:ln>
-          <a:effectLst/>
-          <a:extLst>
-            <a:ext uri="{C572A759-6A51-4108-AA02-DFA0A04FC94B}">
-              <ma14:wrappingTextBoxFlag xmlns:ma14="http://schemas.microsoft.com/office/mac/drawingml/2011/main" xmlns:a14="http://schemas.microsoft.com/office/drawing/2010/main" xmlns:m="http://schemas.openxmlformats.org/officeDocument/2006/math" xmlns="" val="1"/>
-            </a:ext>
-          </a:extLst>
-        </p:spPr>
-        <p:txBody>
-          <a:bodyPr wrap="none" lIns="45719" tIns="45719" rIns="45719" bIns="45719" numCol="1" anchor="t">
-            <a:spAutoFit/>
-          </a:bodyPr>
-          <a:lstStyle>
-            <a:lvl1pPr>
-              <a:defRPr sz="1200">
-                <a:solidFill>
-                  <a:srgbClr val="FFFFFF"/>
-                </a:solidFill>
-                <a:latin typeface="Open Sans"/>
-                <a:ea typeface="Open Sans"/>
-                <a:cs typeface="Open Sans"/>
-                <a:sym typeface="Open Sans"/>
-              </a:defRPr>
-            </a:lvl1pPr>
-          </a:lstStyle>
-          <a:p>
-            <a:r>
-              <a:rPr lang="es-ES_tradnl" sz="2800" b="1" dirty="0">
-                <a:solidFill>
-                  <a:schemeClr val="bg1">
-                    <a:lumMod val="50000"/>
-                  </a:schemeClr>
-                </a:solidFill>
-              </a:rPr>
-              <a:t>ES6</a:t>
-            </a:r>
-          </a:p>
-        </p:txBody>
-      </p:sp>
-      <p:pic>
-        <p:nvPicPr>
-          <p:cNvPr id="58" name="Gráfico 57">
-            <a:extLst>
-              <a:ext uri="{FF2B5EF4-FFF2-40B4-BE49-F238E27FC236}">
-                <a16:creationId xmlns:a16="http://schemas.microsoft.com/office/drawing/2014/main" id="{5EA2B2AE-DFD6-43F6-AC15-A9740BAC9A95}"/>
-              </a:ext>
-            </a:extLst>
-          </p:cNvPr>
-          <p:cNvPicPr>
-            <a:picLocks noChangeAspect="1"/>
-          </p:cNvPicPr>
-          <p:nvPr/>
-        </p:nvPicPr>
-        <p:blipFill>
-          <a:blip r:embed="rId5" cstate="print">
-            <a:extLst>
-              <a:ext uri="{28A0092B-C50C-407E-A947-70E740481C1C}">
-                <a14:useLocalDpi xmlns:a14="http://schemas.microsoft.com/office/drawing/2010/main" val="0"/>
-              </a:ext>
-              <a:ext uri="{96DAC541-7B7A-43D3-8B79-37D633B846F1}">
-                <asvg:svgBlip xmlns:asvg="http://schemas.microsoft.com/office/drawing/2016/SVG/main" r:embed="rId6"/>
-              </a:ext>
-            </a:extLst>
-          </a:blip>
-          <a:stretch>
-            <a:fillRect/>
-          </a:stretch>
-        </p:blipFill>
-        <p:spPr>
-          <a:xfrm>
-            <a:off x="7945129" y="2557762"/>
-            <a:ext cx="739632" cy="739632"/>
-          </a:xfrm>
-          <a:prstGeom prst="rect">
-            <a:avLst/>
-          </a:prstGeom>
-        </p:spPr>
-      </p:pic>
-      <p:sp>
-        <p:nvSpPr>
-          <p:cNvPr id="59" name="Rectángulo 16">
-            <a:extLst>
-              <a:ext uri="{FF2B5EF4-FFF2-40B4-BE49-F238E27FC236}">
-                <a16:creationId xmlns:a16="http://schemas.microsoft.com/office/drawing/2014/main" id="{8D21E66A-AAC0-4F7C-9B73-5E5F25DFF772}"/>
-              </a:ext>
-            </a:extLst>
-          </p:cNvPr>
-          <p:cNvSpPr/>
-          <p:nvPr/>
-        </p:nvSpPr>
-        <p:spPr>
-          <a:xfrm>
-            <a:off x="8046213" y="2918122"/>
-            <a:ext cx="307133" cy="307775"/>
-          </a:xfrm>
-          <a:prstGeom prst="rect">
-            <a:avLst/>
-          </a:prstGeom>
-          <a:noFill/>
-          <a:ln w="12700" cap="flat">
-            <a:noFill/>
-            <a:miter lim="400000"/>
-          </a:ln>
-          <a:effectLst/>
-          <a:extLst>
-            <a:ext uri="{C572A759-6A51-4108-AA02-DFA0A04FC94B}">
-              <ma14:wrappingTextBoxFlag xmlns:ma14="http://schemas.microsoft.com/office/mac/drawingml/2011/main" xmlns:a14="http://schemas.microsoft.com/office/drawing/2010/main" xmlns:m="http://schemas.openxmlformats.org/officeDocument/2006/math" xmlns="" val="1"/>
-            </a:ext>
-          </a:extLst>
-        </p:spPr>
-        <p:txBody>
-          <a:bodyPr wrap="none" lIns="45719" tIns="45719" rIns="45719" bIns="45719" numCol="1" anchor="t">
-            <a:spAutoFit/>
-          </a:bodyPr>
-          <a:lstStyle>
-            <a:lvl1pPr>
-              <a:defRPr sz="1200">
-                <a:solidFill>
-                  <a:srgbClr val="FFFFFF"/>
-                </a:solidFill>
-                <a:latin typeface="Open Sans"/>
-                <a:ea typeface="Open Sans"/>
-                <a:cs typeface="Open Sans"/>
-                <a:sym typeface="Open Sans"/>
-              </a:defRPr>
-            </a:lvl1pPr>
-          </a:lstStyle>
-          <a:p>
-            <a:r>
-              <a:rPr lang="es-ES_tradnl" sz="1400" dirty="0">
-                <a:solidFill>
-                  <a:schemeClr val="bg1"/>
-                </a:solidFill>
-                <a:latin typeface="Montserrat SemiBold" panose="00000700000000000000" pitchFamily="2" charset="0"/>
-              </a:rPr>
-              <a:t>JS</a:t>
-            </a:r>
-          </a:p>
-        </p:txBody>
-      </p:sp>
-      <p:grpSp>
-        <p:nvGrpSpPr>
-          <p:cNvPr id="60" name="Grupo 59">
-            <a:extLst>
-              <a:ext uri="{FF2B5EF4-FFF2-40B4-BE49-F238E27FC236}">
-                <a16:creationId xmlns:a16="http://schemas.microsoft.com/office/drawing/2014/main" id="{D63085B4-418D-4ED0-8467-E6DCC4E73ADC}"/>
-              </a:ext>
-            </a:extLst>
-          </p:cNvPr>
-          <p:cNvGrpSpPr/>
-          <p:nvPr/>
-        </p:nvGrpSpPr>
-        <p:grpSpPr>
-          <a:xfrm>
-            <a:off x="2767734" y="2553072"/>
-            <a:ext cx="1200947" cy="800924"/>
-            <a:chOff x="3072690" y="3335874"/>
-            <a:chExt cx="1200947" cy="800924"/>
-          </a:xfrm>
-        </p:grpSpPr>
-        <p:pic>
-          <p:nvPicPr>
-            <p:cNvPr id="61" name="Gráfico 60">
+        <p:cxnSp>
+          <p:nvCxnSpPr>
+            <p:cNvPr id="44" name="Conector recto de flecha 43">
               <a:extLst>
                 <a:ext uri="{FF2B5EF4-FFF2-40B4-BE49-F238E27FC236}">
-                  <a16:creationId xmlns:a16="http://schemas.microsoft.com/office/drawing/2014/main" id="{8490418A-E89E-450A-8577-5E3B9A0544BC}"/>
+                  <a16:creationId xmlns:a16="http://schemas.microsoft.com/office/drawing/2014/main" id="{33F52C22-A7A3-4ABB-B12C-9F9D5E4D95EE}"/>
                 </a:ext>
               </a:extLst>
             </p:cNvPr>
-            <p:cNvPicPr>
-              <a:picLocks noChangeAspect="1"/>
-            </p:cNvPicPr>
+            <p:cNvCxnSpPr>
+              <a:cxnSpLocks/>
+            </p:cNvCxnSpPr>
             <p:nvPr/>
-          </p:nvPicPr>
-          <p:blipFill>
-            <a:blip r:embed="rId7">
-              <a:extLst>
-                <a:ext uri="{28A0092B-C50C-407E-A947-70E740481C1C}">
-                  <a14:useLocalDpi xmlns:a14="http://schemas.microsoft.com/office/drawing/2010/main" val="0"/>
-                </a:ext>
-                <a:ext uri="{96DAC541-7B7A-43D3-8B79-37D633B846F1}">
-                  <asvg:svgBlip xmlns:asvg="http://schemas.microsoft.com/office/drawing/2016/SVG/main" r:embed="rId8"/>
-                </a:ext>
-              </a:extLst>
-            </a:blip>
-            <a:stretch>
-              <a:fillRect/>
-            </a:stretch>
-          </p:blipFill>
+          </p:nvCxnSpPr>
           <p:spPr>
-            <a:xfrm rot="20700000">
-              <a:off x="3072690" y="3335874"/>
-              <a:ext cx="739632" cy="739632"/>
+            <a:xfrm>
+              <a:off x="3837570" y="1529841"/>
+              <a:ext cx="1092469" cy="0"/>
             </a:xfrm>
-            <a:prstGeom prst="rect">
+            <a:prstGeom prst="straightConnector1">
               <a:avLst/>
             </a:prstGeom>
+            <a:noFill/>
+            <a:ln w="31750" cap="flat">
+              <a:solidFill>
+                <a:schemeClr val="tx1">
+                  <a:lumMod val="50000"/>
+                  <a:lumOff val="50000"/>
+                </a:schemeClr>
+              </a:solidFill>
+              <a:prstDash val="solid"/>
+              <a:round/>
+              <a:tailEnd type="triangle"/>
+            </a:ln>
+            <a:effectLst/>
+            <a:sp3d/>
           </p:spPr>
-        </p:pic>
+          <p:style>
+            <a:lnRef idx="0">
+              <a:scrgbClr r="0" g="0" b="0"/>
+            </a:lnRef>
+            <a:fillRef idx="0">
+              <a:scrgbClr r="0" g="0" b="0"/>
+            </a:fillRef>
+            <a:effectRef idx="0">
+              <a:scrgbClr r="0" g="0" b="0"/>
+            </a:effectRef>
+            <a:fontRef idx="none"/>
+          </p:style>
+        </p:cxnSp>
         <p:sp>
           <p:nvSpPr>
-            <p:cNvPr id="62" name="Rectángulo 16">
+            <p:cNvPr id="45" name="Rectángulo 16">
               <a:extLst>
                 <a:ext uri="{FF2B5EF4-FFF2-40B4-BE49-F238E27FC236}">
-                  <a16:creationId xmlns:a16="http://schemas.microsoft.com/office/drawing/2014/main" id="{B99FC650-5CAB-4E72-8B26-8A1F6C261E77}"/>
+                  <a16:creationId xmlns:a16="http://schemas.microsoft.com/office/drawing/2014/main" id="{87BFF434-2BAF-4BD6-89BC-AF4486EB71D5}"/>
                 </a:ext>
               </a:extLst>
             </p:cNvPr>
@@ -6832,8 +6102,8 @@
           </p:nvSpPr>
           <p:spPr>
             <a:xfrm>
-              <a:off x="3637888" y="3508217"/>
-              <a:ext cx="635749" cy="461663"/>
+              <a:off x="4072124" y="1181918"/>
+              <a:ext cx="640208" cy="335708"/>
             </a:xfrm>
             <a:prstGeom prst="rect">
               <a:avLst/>
@@ -6846,12 +6116,360 @@
             <a:effectLst/>
             <a:extLst>
               <a:ext uri="{C572A759-6A51-4108-AA02-DFA0A04FC94B}">
-                <ma14:wrappingTextBoxFlag xmlns:ma14="http://schemas.microsoft.com/office/mac/drawingml/2011/main" xmlns:a14="http://schemas.microsoft.com/office/drawing/2010/main" xmlns:m="http://schemas.openxmlformats.org/officeDocument/2006/math" xmlns="" val="1"/>
+                <ma14:wrappingTextBoxFlag xmlns="" xmlns:m="http://schemas.openxmlformats.org/officeDocument/2006/math" xmlns:a14="http://schemas.microsoft.com/office/drawing/2010/main" xmlns:ma14="http://schemas.microsoft.com/office/mac/drawingml/2011/main" val="1"/>
               </a:ext>
             </a:extLst>
           </p:spPr>
           <p:txBody>
-            <a:bodyPr wrap="none" lIns="45719" tIns="45719" rIns="45719" bIns="45719" numCol="1" anchor="t">
+            <a:bodyPr wrap="square" lIns="45719" tIns="45719" rIns="45719" bIns="45719" numCol="1" anchor="t">
+              <a:spAutoFit/>
+            </a:bodyPr>
+            <a:lstStyle>
+              <a:lvl1pPr>
+                <a:defRPr sz="1200">
+                  <a:solidFill>
+                    <a:srgbClr val="FFFFFF"/>
+                  </a:solidFill>
+                  <a:latin typeface="Open Sans"/>
+                  <a:ea typeface="Open Sans"/>
+                  <a:cs typeface="Open Sans"/>
+                  <a:sym typeface="Open Sans"/>
+                </a:defRPr>
+              </a:lvl1pPr>
+            </a:lstStyle>
+            <a:p>
+              <a:pPr algn="ctr"/>
+              <a:r>
+                <a:rPr lang="es-ES_tradnl" sz="1800" b="1" dirty="0">
+                  <a:solidFill>
+                    <a:schemeClr val="bg1">
+                      <a:lumMod val="50000"/>
+                    </a:schemeClr>
+                  </a:solidFill>
+                </a:rPr>
+                <a:t>ES5</a:t>
+              </a:r>
+            </a:p>
+          </p:txBody>
+        </p:sp>
+        <p:pic>
+          <p:nvPicPr>
+            <p:cNvPr id="46" name="Gráfico 45">
+              <a:extLst>
+                <a:ext uri="{FF2B5EF4-FFF2-40B4-BE49-F238E27FC236}">
+                  <a16:creationId xmlns:a16="http://schemas.microsoft.com/office/drawing/2014/main" id="{83253009-27F2-4E1B-88BC-4B9042273933}"/>
+                </a:ext>
+              </a:extLst>
+            </p:cNvPr>
+            <p:cNvPicPr>
+              <a:picLocks noChangeAspect="1"/>
+            </p:cNvPicPr>
+            <p:nvPr/>
+          </p:nvPicPr>
+          <p:blipFill>
+            <a:blip r:embed="rId5" cstate="print">
+              <a:extLst>
+                <a:ext uri="{28A0092B-C50C-407E-A947-70E740481C1C}">
+                  <a14:useLocalDpi xmlns:a14="http://schemas.microsoft.com/office/drawing/2010/main" val="0"/>
+                </a:ext>
+                <a:ext uri="{96DAC541-7B7A-43D3-8B79-37D633B846F1}">
+                  <asvg:svgBlip xmlns:asvg="http://schemas.microsoft.com/office/drawing/2016/SVG/main" r:embed="rId6"/>
+                </a:ext>
+              </a:extLst>
+            </a:blip>
+            <a:stretch>
+              <a:fillRect/>
+            </a:stretch>
+          </p:blipFill>
+          <p:spPr>
+            <a:xfrm>
+              <a:off x="5060935" y="1187706"/>
+              <a:ext cx="681263" cy="562907"/>
+            </a:xfrm>
+            <a:prstGeom prst="rect">
+              <a:avLst/>
+            </a:prstGeom>
+          </p:spPr>
+        </p:pic>
+        <p:grpSp>
+          <p:nvGrpSpPr>
+            <p:cNvPr id="49" name="Grupo 48">
+              <a:extLst>
+                <a:ext uri="{FF2B5EF4-FFF2-40B4-BE49-F238E27FC236}">
+                  <a16:creationId xmlns:a16="http://schemas.microsoft.com/office/drawing/2014/main" id="{3226300C-DF48-41F8-9BBB-B7A987138AC9}"/>
+                </a:ext>
+              </a:extLst>
+            </p:cNvPr>
+            <p:cNvGrpSpPr/>
+            <p:nvPr/>
+          </p:nvGrpSpPr>
+          <p:grpSpPr>
+            <a:xfrm>
+              <a:off x="2615031" y="1176561"/>
+              <a:ext cx="1081934" cy="609554"/>
+              <a:chOff x="3072690" y="3335874"/>
+              <a:chExt cx="1174632" cy="800924"/>
+            </a:xfrm>
+          </p:grpSpPr>
+          <p:pic>
+            <p:nvPicPr>
+              <p:cNvPr id="36" name="Gráfico 35">
+                <a:extLst>
+                  <a:ext uri="{FF2B5EF4-FFF2-40B4-BE49-F238E27FC236}">
+                    <a16:creationId xmlns:a16="http://schemas.microsoft.com/office/drawing/2014/main" id="{18615DC2-E1B9-40A5-B00D-BB7963BDEFE1}"/>
+                  </a:ext>
+                </a:extLst>
+              </p:cNvPr>
+              <p:cNvPicPr>
+                <a:picLocks noChangeAspect="1"/>
+              </p:cNvPicPr>
+              <p:nvPr/>
+            </p:nvPicPr>
+            <p:blipFill>
+              <a:blip r:embed="rId7">
+                <a:extLst>
+                  <a:ext uri="{28A0092B-C50C-407E-A947-70E740481C1C}">
+                    <a14:useLocalDpi xmlns:a14="http://schemas.microsoft.com/office/drawing/2010/main" val="0"/>
+                  </a:ext>
+                  <a:ext uri="{96DAC541-7B7A-43D3-8B79-37D633B846F1}">
+                    <asvg:svgBlip xmlns:asvg="http://schemas.microsoft.com/office/drawing/2016/SVG/main" r:embed="rId8"/>
+                  </a:ext>
+                </a:extLst>
+              </a:blip>
+              <a:stretch>
+                <a:fillRect/>
+              </a:stretch>
+            </p:blipFill>
+            <p:spPr>
+              <a:xfrm rot="20700000">
+                <a:off x="3072690" y="3335874"/>
+                <a:ext cx="739632" cy="739632"/>
+              </a:xfrm>
+              <a:prstGeom prst="rect">
+                <a:avLst/>
+              </a:prstGeom>
+            </p:spPr>
+          </p:pic>
+          <p:sp>
+            <p:nvSpPr>
+              <p:cNvPr id="50" name="Rectángulo 16">
+                <a:extLst>
+                  <a:ext uri="{FF2B5EF4-FFF2-40B4-BE49-F238E27FC236}">
+                    <a16:creationId xmlns:a16="http://schemas.microsoft.com/office/drawing/2014/main" id="{118861E6-77EF-4F27-8E85-28F24F9A1E49}"/>
+                  </a:ext>
+                </a:extLst>
+              </p:cNvPr>
+              <p:cNvSpPr/>
+              <p:nvPr/>
+            </p:nvSpPr>
+            <p:spPr>
+              <a:xfrm>
+                <a:off x="3637888" y="3508217"/>
+                <a:ext cx="409726" cy="307775"/>
+              </a:xfrm>
+              <a:prstGeom prst="rect">
+                <a:avLst/>
+              </a:prstGeom>
+              <a:noFill/>
+              <a:ln w="12700" cap="flat">
+                <a:noFill/>
+                <a:miter lim="400000"/>
+              </a:ln>
+              <a:effectLst/>
+              <a:extLst>
+                <a:ext uri="{C572A759-6A51-4108-AA02-DFA0A04FC94B}">
+                  <ma14:wrappingTextBoxFlag xmlns="" xmlns:m="http://schemas.openxmlformats.org/officeDocument/2006/math" xmlns:a14="http://schemas.microsoft.com/office/drawing/2010/main" xmlns:ma14="http://schemas.microsoft.com/office/mac/drawingml/2011/main" val="1"/>
+                </a:ext>
+              </a:extLst>
+            </p:spPr>
+            <p:txBody>
+              <a:bodyPr wrap="none" lIns="45719" tIns="45719" rIns="45719" bIns="45719" numCol="1" anchor="t">
+                <a:spAutoFit/>
+              </a:bodyPr>
+              <a:lstStyle>
+                <a:lvl1pPr>
+                  <a:defRPr sz="1200">
+                    <a:solidFill>
+                      <a:srgbClr val="FFFFFF"/>
+                    </a:solidFill>
+                    <a:latin typeface="Open Sans"/>
+                    <a:ea typeface="Open Sans"/>
+                    <a:cs typeface="Open Sans"/>
+                    <a:sym typeface="Open Sans"/>
+                  </a:defRPr>
+                </a:lvl1pPr>
+              </a:lstStyle>
+              <a:p>
+                <a:r>
+                  <a:rPr lang="es-ES_tradnl" sz="1400" b="1" dirty="0">
+                    <a:solidFill>
+                      <a:srgbClr val="006A7B"/>
+                    </a:solidFill>
+                  </a:rPr>
+                  <a:t>TSC</a:t>
+                </a:r>
+              </a:p>
+            </p:txBody>
+          </p:sp>
+          <p:sp>
+            <p:nvSpPr>
+              <p:cNvPr id="52" name="Rectángulo 16">
+                <a:extLst>
+                  <a:ext uri="{FF2B5EF4-FFF2-40B4-BE49-F238E27FC236}">
+                    <a16:creationId xmlns:a16="http://schemas.microsoft.com/office/drawing/2014/main" id="{95EF2BF7-C63A-4FF9-9A6F-747BC6E3882E}"/>
+                  </a:ext>
+                </a:extLst>
+              </p:cNvPr>
+              <p:cNvSpPr/>
+              <p:nvPr/>
+            </p:nvSpPr>
+            <p:spPr>
+              <a:xfrm>
+                <a:off x="3668674" y="3895242"/>
+                <a:ext cx="578648" cy="241556"/>
+              </a:xfrm>
+              <a:prstGeom prst="roundRect">
+                <a:avLst/>
+              </a:prstGeom>
+              <a:solidFill>
+                <a:srgbClr val="006A7B"/>
+              </a:solidFill>
+              <a:ln w="12700" cap="flat">
+                <a:noFill/>
+                <a:miter lim="400000"/>
+              </a:ln>
+              <a:effectLst/>
+              <a:extLst>
+                <a:ext uri="{C572A759-6A51-4108-AA02-DFA0A04FC94B}">
+                  <ma14:wrappingTextBoxFlag xmlns="" xmlns:m="http://schemas.openxmlformats.org/officeDocument/2006/math" xmlns:a14="http://schemas.microsoft.com/office/drawing/2010/main" xmlns:ma14="http://schemas.microsoft.com/office/mac/drawingml/2011/main" val="1"/>
+                </a:ext>
+              </a:extLst>
+            </p:spPr>
+            <p:txBody>
+              <a:bodyPr wrap="none" lIns="45719" tIns="45719" rIns="45719" bIns="45719" numCol="1" anchor="ctr" anchorCtr="0">
+                <a:noAutofit/>
+              </a:bodyPr>
+              <a:lstStyle>
+                <a:lvl1pPr>
+                  <a:defRPr sz="1200">
+                    <a:solidFill>
+                      <a:srgbClr val="FFFFFF"/>
+                    </a:solidFill>
+                    <a:latin typeface="Open Sans"/>
+                    <a:ea typeface="Open Sans"/>
+                    <a:cs typeface="Open Sans"/>
+                    <a:sym typeface="Open Sans"/>
+                  </a:defRPr>
+                </a:lvl1pPr>
+              </a:lstStyle>
+              <a:p>
+                <a:pPr algn="ctr"/>
+                <a:r>
+                  <a:rPr lang="es-ES_tradnl" sz="1400" b="1" dirty="0">
+                    <a:solidFill>
+                      <a:schemeClr val="bg1"/>
+                    </a:solidFill>
+                  </a:rPr>
+                  <a:t>EXE</a:t>
+                </a:r>
+              </a:p>
+            </p:txBody>
+          </p:sp>
+        </p:grpSp>
+      </p:grpSp>
+      <p:grpSp>
+        <p:nvGrpSpPr>
+          <p:cNvPr id="30" name="Grupo 29">
+            <a:extLst>
+              <a:ext uri="{FF2B5EF4-FFF2-40B4-BE49-F238E27FC236}">
+                <a16:creationId xmlns:a16="http://schemas.microsoft.com/office/drawing/2014/main" id="{7FB33F3D-1B6A-1805-1219-42D4EF89081B}"/>
+              </a:ext>
+            </a:extLst>
+          </p:cNvPr>
+          <p:cNvGrpSpPr/>
+          <p:nvPr/>
+        </p:nvGrpSpPr>
+        <p:grpSpPr>
+          <a:xfrm>
+            <a:off x="832731" y="2060149"/>
+            <a:ext cx="7232374" cy="609554"/>
+            <a:chOff x="832731" y="2224174"/>
+            <a:chExt cx="7232374" cy="609554"/>
+          </a:xfrm>
+        </p:grpSpPr>
+        <p:pic>
+          <p:nvPicPr>
+            <p:cNvPr id="27" name="Gráfico 26">
+              <a:extLst>
+                <a:ext uri="{FF2B5EF4-FFF2-40B4-BE49-F238E27FC236}">
+                  <a16:creationId xmlns:a16="http://schemas.microsoft.com/office/drawing/2014/main" id="{30203650-F51D-4984-86D4-20AC7C5C1822}"/>
+                </a:ext>
+              </a:extLst>
+            </p:cNvPr>
+            <p:cNvPicPr>
+              <a:picLocks noChangeAspect="1"/>
+            </p:cNvPicPr>
+            <p:nvPr/>
+          </p:nvPicPr>
+          <p:blipFill>
+            <a:blip r:embed="rId3" cstate="print">
+              <a:extLst>
+                <a:ext uri="{28A0092B-C50C-407E-A947-70E740481C1C}">
+                  <a14:useLocalDpi xmlns:a14="http://schemas.microsoft.com/office/drawing/2010/main" val="0"/>
+                </a:ext>
+                <a:ext uri="{96DAC541-7B7A-43D3-8B79-37D633B846F1}">
+                  <asvg:svgBlip xmlns:asvg="http://schemas.microsoft.com/office/drawing/2016/SVG/main" r:embed="rId4"/>
+                </a:ext>
+              </a:extLst>
+            </a:blip>
+            <a:stretch>
+              <a:fillRect/>
+            </a:stretch>
+          </p:blipFill>
+          <p:spPr>
+            <a:xfrm>
+              <a:off x="832731" y="2231587"/>
+              <a:ext cx="681263" cy="562907"/>
+            </a:xfrm>
+            <a:prstGeom prst="rect">
+              <a:avLst/>
+            </a:prstGeom>
+          </p:spPr>
+        </p:pic>
+        <p:sp>
+          <p:nvSpPr>
+            <p:cNvPr id="28" name="Rectángulo 16">
+              <a:extLst>
+                <a:ext uri="{FF2B5EF4-FFF2-40B4-BE49-F238E27FC236}">
+                  <a16:creationId xmlns:a16="http://schemas.microsoft.com/office/drawing/2014/main" id="{5A805AAB-879C-483B-B541-33BDF0EED736}"/>
+                </a:ext>
+              </a:extLst>
+            </p:cNvPr>
+            <p:cNvSpPr/>
+            <p:nvPr/>
+          </p:nvSpPr>
+          <p:spPr>
+            <a:xfrm>
+              <a:off x="919111" y="2502956"/>
+              <a:ext cx="351673" cy="237793"/>
+            </a:xfrm>
+            <a:prstGeom prst="rect">
+              <a:avLst/>
+            </a:prstGeom>
+            <a:noFill/>
+            <a:ln w="12700" cap="flat">
+              <a:noFill/>
+              <a:miter lim="400000"/>
+            </a:ln>
+            <a:effectLst/>
+            <a:extLst>
+              <a:ext uri="{C572A759-6A51-4108-AA02-DFA0A04FC94B}">
+                <ma14:wrappingTextBoxFlag xmlns="" xmlns:m="http://schemas.openxmlformats.org/officeDocument/2006/math" xmlns:a14="http://schemas.microsoft.com/office/drawing/2010/main" xmlns:ma14="http://schemas.microsoft.com/office/mac/drawingml/2011/main" val="1"/>
+              </a:ext>
+            </a:extLst>
+          </p:spPr>
+          <p:txBody>
+            <a:bodyPr wrap="square" lIns="45719" tIns="45719" rIns="45719" bIns="45719" numCol="1" anchor="t">
               <a:spAutoFit/>
             </a:bodyPr>
             <a:lstStyle>
@@ -6869,22 +6487,73 @@
             </a:lstStyle>
             <a:p>
               <a:r>
-                <a:rPr lang="es-ES_tradnl" sz="2400" b="1" dirty="0">
+                <a:rPr lang="es-ES_tradnl" sz="1100" b="1" dirty="0">
                   <a:solidFill>
-                    <a:srgbClr val="006A7B"/>
+                    <a:schemeClr val="bg1"/>
                   </a:solidFill>
+                  <a:latin typeface="Montserrat SemiBold" panose="00000700000000000000" pitchFamily="2" charset="0"/>
                 </a:rPr>
-                <a:t>TSC</a:t>
+                <a:t>TS</a:t>
               </a:r>
             </a:p>
           </p:txBody>
         </p:sp>
+        <p:cxnSp>
+          <p:nvCxnSpPr>
+            <p:cNvPr id="54" name="Conector recto de flecha 53">
+              <a:extLst>
+                <a:ext uri="{FF2B5EF4-FFF2-40B4-BE49-F238E27FC236}">
+                  <a16:creationId xmlns:a16="http://schemas.microsoft.com/office/drawing/2014/main" id="{05FCDA3A-017D-471F-81EF-A80EE187162C}"/>
+                </a:ext>
+              </a:extLst>
+            </p:cNvPr>
+            <p:cNvCxnSpPr>
+              <a:cxnSpLocks/>
+            </p:cNvCxnSpPr>
+            <p:nvPr/>
+          </p:nvCxnSpPr>
+          <p:spPr>
+            <a:xfrm>
+              <a:off x="1594567" y="2577454"/>
+              <a:ext cx="939890" cy="0"/>
+            </a:xfrm>
+            <a:prstGeom prst="straightConnector1">
+              <a:avLst/>
+            </a:prstGeom>
+            <a:noFill/>
+            <a:ln w="31750" cap="flat">
+              <a:solidFill>
+                <a:schemeClr val="tx1">
+                  <a:lumMod val="50000"/>
+                  <a:lumOff val="50000"/>
+                </a:schemeClr>
+              </a:solidFill>
+              <a:prstDash val="solid"/>
+              <a:round/>
+              <a:tailEnd type="triangle"/>
+            </a:ln>
+            <a:effectLst/>
+            <a:sp3d/>
+          </p:spPr>
+          <p:style>
+            <a:lnRef idx="0">
+              <a:scrgbClr r="0" g="0" b="0"/>
+            </a:lnRef>
+            <a:fillRef idx="0">
+              <a:scrgbClr r="0" g="0" b="0"/>
+            </a:fillRef>
+            <a:effectRef idx="0">
+              <a:scrgbClr r="0" g="0" b="0"/>
+            </a:effectRef>
+            <a:fontRef idx="none"/>
+          </p:style>
+        </p:cxnSp>
         <p:sp>
           <p:nvSpPr>
-            <p:cNvPr id="63" name="Rectángulo 16">
+            <p:cNvPr id="55" name="Rectángulo 16">
               <a:extLst>
                 <a:ext uri="{FF2B5EF4-FFF2-40B4-BE49-F238E27FC236}">
-                  <a16:creationId xmlns:a16="http://schemas.microsoft.com/office/drawing/2014/main" id="{14D5B19B-B6C6-4B91-BB54-4E911126C7AC}"/>
+                  <a16:creationId xmlns:a16="http://schemas.microsoft.com/office/drawing/2014/main" id="{30505524-46B8-46A0-87E4-7A4D393A9EAA}"/>
                 </a:ext>
               </a:extLst>
             </p:cNvPr>
@@ -6893,15 +6562,13 @@
           </p:nvSpPr>
           <p:spPr>
             <a:xfrm>
-              <a:off x="3668674" y="3895242"/>
-              <a:ext cx="578648" cy="241556"/>
+              <a:off x="1829122" y="2229531"/>
+              <a:ext cx="458599" cy="335708"/>
             </a:xfrm>
-            <a:prstGeom prst="roundRect">
+            <a:prstGeom prst="rect">
               <a:avLst/>
             </a:prstGeom>
-            <a:solidFill>
-              <a:srgbClr val="006A7B"/>
-            </a:solidFill>
+            <a:noFill/>
             <a:ln w="12700" cap="flat">
               <a:noFill/>
               <a:miter lim="400000"/>
@@ -6909,13 +6576,13 @@
             <a:effectLst/>
             <a:extLst>
               <a:ext uri="{C572A759-6A51-4108-AA02-DFA0A04FC94B}">
-                <ma14:wrappingTextBoxFlag xmlns:ma14="http://schemas.microsoft.com/office/mac/drawingml/2011/main" xmlns:a14="http://schemas.microsoft.com/office/drawing/2010/main" xmlns:m="http://schemas.openxmlformats.org/officeDocument/2006/math" xmlns="" val="1"/>
+                <ma14:wrappingTextBoxFlag xmlns="" xmlns:m="http://schemas.openxmlformats.org/officeDocument/2006/math" xmlns:a14="http://schemas.microsoft.com/office/drawing/2010/main" xmlns:ma14="http://schemas.microsoft.com/office/mac/drawingml/2011/main" val="1"/>
               </a:ext>
             </a:extLst>
           </p:spPr>
           <p:txBody>
-            <a:bodyPr wrap="none" lIns="45719" tIns="45719" rIns="45719" bIns="45719" numCol="1" anchor="ctr" anchorCtr="0">
-              <a:noAutofit/>
+            <a:bodyPr wrap="square" lIns="45719" tIns="45719" rIns="45719" bIns="45719" numCol="1" anchor="t">
+              <a:spAutoFit/>
             </a:bodyPr>
             <a:lstStyle>
               <a:lvl1pPr>
@@ -6933,166 +6600,1191 @@
             <a:p>
               <a:pPr algn="ctr"/>
               <a:r>
-                <a:rPr lang="es-ES_tradnl" sz="1600" b="1" dirty="0">
+                <a:rPr lang="es-ES_tradnl" sz="1800" b="1" dirty="0">
+                  <a:solidFill>
+                    <a:schemeClr val="bg1">
+                      <a:lumMod val="50000"/>
+                    </a:schemeClr>
+                  </a:solidFill>
+                </a:rPr>
+                <a:t>TS</a:t>
+              </a:r>
+            </a:p>
+          </p:txBody>
+        </p:sp>
+        <p:cxnSp>
+          <p:nvCxnSpPr>
+            <p:cNvPr id="56" name="Conector recto de flecha 55">
+              <a:extLst>
+                <a:ext uri="{FF2B5EF4-FFF2-40B4-BE49-F238E27FC236}">
+                  <a16:creationId xmlns:a16="http://schemas.microsoft.com/office/drawing/2014/main" id="{E5483656-F937-4A66-AF87-406513D413A1}"/>
+                </a:ext>
+              </a:extLst>
+            </p:cNvPr>
+            <p:cNvCxnSpPr>
+              <a:cxnSpLocks/>
+            </p:cNvCxnSpPr>
+            <p:nvPr/>
+          </p:nvCxnSpPr>
+          <p:spPr>
+            <a:xfrm>
+              <a:off x="3837570" y="2577454"/>
+              <a:ext cx="1092469" cy="0"/>
+            </a:xfrm>
+            <a:prstGeom prst="straightConnector1">
+              <a:avLst/>
+            </a:prstGeom>
+            <a:noFill/>
+            <a:ln w="31750" cap="flat">
+              <a:solidFill>
+                <a:schemeClr val="tx1">
+                  <a:lumMod val="50000"/>
+                  <a:lumOff val="50000"/>
+                </a:schemeClr>
+              </a:solidFill>
+              <a:prstDash val="solid"/>
+              <a:round/>
+              <a:tailEnd type="triangle"/>
+            </a:ln>
+            <a:effectLst/>
+            <a:sp3d/>
+          </p:spPr>
+          <p:style>
+            <a:lnRef idx="0">
+              <a:scrgbClr r="0" g="0" b="0"/>
+            </a:lnRef>
+            <a:fillRef idx="0">
+              <a:scrgbClr r="0" g="0" b="0"/>
+            </a:fillRef>
+            <a:effectRef idx="0">
+              <a:scrgbClr r="0" g="0" b="0"/>
+            </a:effectRef>
+            <a:fontRef idx="none"/>
+          </p:style>
+        </p:cxnSp>
+        <p:sp>
+          <p:nvSpPr>
+            <p:cNvPr id="57" name="Rectángulo 16">
+              <a:extLst>
+                <a:ext uri="{FF2B5EF4-FFF2-40B4-BE49-F238E27FC236}">
+                  <a16:creationId xmlns:a16="http://schemas.microsoft.com/office/drawing/2014/main" id="{36BD5CB1-D776-4797-8700-09C82CA35453}"/>
+                </a:ext>
+              </a:extLst>
+            </p:cNvPr>
+            <p:cNvSpPr/>
+            <p:nvPr/>
+          </p:nvSpPr>
+          <p:spPr>
+            <a:xfrm>
+              <a:off x="4072124" y="2229531"/>
+              <a:ext cx="640208" cy="335708"/>
+            </a:xfrm>
+            <a:prstGeom prst="rect">
+              <a:avLst/>
+            </a:prstGeom>
+            <a:noFill/>
+            <a:ln w="12700" cap="flat">
+              <a:noFill/>
+              <a:miter lim="400000"/>
+            </a:ln>
+            <a:effectLst/>
+            <a:extLst>
+              <a:ext uri="{C572A759-6A51-4108-AA02-DFA0A04FC94B}">
+                <ma14:wrappingTextBoxFlag xmlns="" xmlns:m="http://schemas.openxmlformats.org/officeDocument/2006/math" xmlns:a14="http://schemas.microsoft.com/office/drawing/2010/main" xmlns:ma14="http://schemas.microsoft.com/office/mac/drawingml/2011/main" val="1"/>
+              </a:ext>
+            </a:extLst>
+          </p:spPr>
+          <p:txBody>
+            <a:bodyPr wrap="square" lIns="45719" tIns="45719" rIns="45719" bIns="45719" numCol="1" anchor="t">
+              <a:spAutoFit/>
+            </a:bodyPr>
+            <a:lstStyle>
+              <a:lvl1pPr>
+                <a:defRPr sz="1200">
+                  <a:solidFill>
+                    <a:srgbClr val="FFFFFF"/>
+                  </a:solidFill>
+                  <a:latin typeface="Open Sans"/>
+                  <a:ea typeface="Open Sans"/>
+                  <a:cs typeface="Open Sans"/>
+                  <a:sym typeface="Open Sans"/>
+                </a:defRPr>
+              </a:lvl1pPr>
+            </a:lstStyle>
+            <a:p>
+              <a:pPr algn="ctr"/>
+              <a:r>
+                <a:rPr lang="es-ES_tradnl" sz="1800" b="1" dirty="0">
+                  <a:solidFill>
+                    <a:schemeClr val="bg1">
+                      <a:lumMod val="50000"/>
+                    </a:schemeClr>
+                  </a:solidFill>
+                </a:rPr>
+                <a:t>ES6</a:t>
+              </a:r>
+            </a:p>
+          </p:txBody>
+        </p:sp>
+        <p:pic>
+          <p:nvPicPr>
+            <p:cNvPr id="58" name="Gráfico 57">
+              <a:extLst>
+                <a:ext uri="{FF2B5EF4-FFF2-40B4-BE49-F238E27FC236}">
+                  <a16:creationId xmlns:a16="http://schemas.microsoft.com/office/drawing/2014/main" id="{5EA2B2AE-DFD6-43F6-AC15-A9740BAC9A95}"/>
+                </a:ext>
+              </a:extLst>
+            </p:cNvPr>
+            <p:cNvPicPr>
+              <a:picLocks noChangeAspect="1"/>
+            </p:cNvPicPr>
+            <p:nvPr/>
+          </p:nvPicPr>
+          <p:blipFill>
+            <a:blip r:embed="rId5" cstate="print">
+              <a:extLst>
+                <a:ext uri="{28A0092B-C50C-407E-A947-70E740481C1C}">
+                  <a14:useLocalDpi xmlns:a14="http://schemas.microsoft.com/office/drawing/2010/main" val="0"/>
+                </a:ext>
+                <a:ext uri="{96DAC541-7B7A-43D3-8B79-37D633B846F1}">
+                  <asvg:svgBlip xmlns:asvg="http://schemas.microsoft.com/office/drawing/2016/SVG/main" r:embed="rId6"/>
+                </a:ext>
+              </a:extLst>
+            </a:blip>
+            <a:stretch>
+              <a:fillRect/>
+            </a:stretch>
+          </p:blipFill>
+          <p:spPr>
+            <a:xfrm>
+              <a:off x="7383842" y="2227743"/>
+              <a:ext cx="681263" cy="562907"/>
+            </a:xfrm>
+            <a:prstGeom prst="rect">
+              <a:avLst/>
+            </a:prstGeom>
+          </p:spPr>
+        </p:pic>
+        <p:sp>
+          <p:nvSpPr>
+            <p:cNvPr id="59" name="Rectángulo 16">
+              <a:extLst>
+                <a:ext uri="{FF2B5EF4-FFF2-40B4-BE49-F238E27FC236}">
+                  <a16:creationId xmlns:a16="http://schemas.microsoft.com/office/drawing/2014/main" id="{8D21E66A-AAC0-4F7C-9B73-5E5F25DFF772}"/>
+                </a:ext>
+              </a:extLst>
+            </p:cNvPr>
+            <p:cNvSpPr/>
+            <p:nvPr/>
+          </p:nvSpPr>
+          <p:spPr>
+            <a:xfrm>
+              <a:off x="7476949" y="2502000"/>
+              <a:ext cx="346251" cy="237793"/>
+            </a:xfrm>
+            <a:prstGeom prst="rect">
+              <a:avLst/>
+            </a:prstGeom>
+            <a:noFill/>
+            <a:ln w="12700" cap="flat">
+              <a:noFill/>
+              <a:miter lim="400000"/>
+            </a:ln>
+            <a:effectLst/>
+            <a:extLst>
+              <a:ext uri="{C572A759-6A51-4108-AA02-DFA0A04FC94B}">
+                <ma14:wrappingTextBoxFlag xmlns="" xmlns:m="http://schemas.openxmlformats.org/officeDocument/2006/math" xmlns:a14="http://schemas.microsoft.com/office/drawing/2010/main" xmlns:ma14="http://schemas.microsoft.com/office/mac/drawingml/2011/main" val="1"/>
+              </a:ext>
+            </a:extLst>
+          </p:spPr>
+          <p:txBody>
+            <a:bodyPr wrap="square" lIns="45719" tIns="45719" rIns="45719" bIns="45719" numCol="1" anchor="t">
+              <a:spAutoFit/>
+            </a:bodyPr>
+            <a:lstStyle>
+              <a:lvl1pPr>
+                <a:defRPr sz="1200">
+                  <a:solidFill>
+                    <a:srgbClr val="FFFFFF"/>
+                  </a:solidFill>
+                  <a:latin typeface="Open Sans"/>
+                  <a:ea typeface="Open Sans"/>
+                  <a:cs typeface="Open Sans"/>
+                  <a:sym typeface="Open Sans"/>
+                </a:defRPr>
+              </a:lvl1pPr>
+            </a:lstStyle>
+            <a:p>
+              <a:r>
+                <a:rPr lang="es-ES_tradnl" sz="1100" dirty="0">
                   <a:solidFill>
                     <a:schemeClr val="bg1"/>
                   </a:solidFill>
+                  <a:latin typeface="Montserrat SemiBold" panose="00000700000000000000" pitchFamily="2" charset="0"/>
                 </a:rPr>
-                <a:t>EXE</a:t>
+                <a:t>JS</a:t>
+              </a:r>
+            </a:p>
+          </p:txBody>
+        </p:sp>
+        <p:grpSp>
+          <p:nvGrpSpPr>
+            <p:cNvPr id="60" name="Grupo 59">
+              <a:extLst>
+                <a:ext uri="{FF2B5EF4-FFF2-40B4-BE49-F238E27FC236}">
+                  <a16:creationId xmlns:a16="http://schemas.microsoft.com/office/drawing/2014/main" id="{D63085B4-418D-4ED0-8467-E6DCC4E73ADC}"/>
+                </a:ext>
+              </a:extLst>
+            </p:cNvPr>
+            <p:cNvGrpSpPr/>
+            <p:nvPr/>
+          </p:nvGrpSpPr>
+          <p:grpSpPr>
+            <a:xfrm>
+              <a:off x="2615031" y="2224174"/>
+              <a:ext cx="1081934" cy="609554"/>
+              <a:chOff x="3072690" y="3335874"/>
+              <a:chExt cx="1174632" cy="800924"/>
+            </a:xfrm>
+          </p:grpSpPr>
+          <p:pic>
+            <p:nvPicPr>
+              <p:cNvPr id="61" name="Gráfico 60">
+                <a:extLst>
+                  <a:ext uri="{FF2B5EF4-FFF2-40B4-BE49-F238E27FC236}">
+                    <a16:creationId xmlns:a16="http://schemas.microsoft.com/office/drawing/2014/main" id="{8490418A-E89E-450A-8577-5E3B9A0544BC}"/>
+                  </a:ext>
+                </a:extLst>
+              </p:cNvPr>
+              <p:cNvPicPr>
+                <a:picLocks noChangeAspect="1"/>
+              </p:cNvPicPr>
+              <p:nvPr/>
+            </p:nvPicPr>
+            <p:blipFill>
+              <a:blip r:embed="rId7">
+                <a:extLst>
+                  <a:ext uri="{28A0092B-C50C-407E-A947-70E740481C1C}">
+                    <a14:useLocalDpi xmlns:a14="http://schemas.microsoft.com/office/drawing/2010/main" val="0"/>
+                  </a:ext>
+                  <a:ext uri="{96DAC541-7B7A-43D3-8B79-37D633B846F1}">
+                    <asvg:svgBlip xmlns:asvg="http://schemas.microsoft.com/office/drawing/2016/SVG/main" r:embed="rId8"/>
+                  </a:ext>
+                </a:extLst>
+              </a:blip>
+              <a:stretch>
+                <a:fillRect/>
+              </a:stretch>
+            </p:blipFill>
+            <p:spPr>
+              <a:xfrm rot="20700000">
+                <a:off x="3072690" y="3335874"/>
+                <a:ext cx="739632" cy="739632"/>
+              </a:xfrm>
+              <a:prstGeom prst="rect">
+                <a:avLst/>
+              </a:prstGeom>
+            </p:spPr>
+          </p:pic>
+          <p:sp>
+            <p:nvSpPr>
+              <p:cNvPr id="62" name="Rectángulo 16">
+                <a:extLst>
+                  <a:ext uri="{FF2B5EF4-FFF2-40B4-BE49-F238E27FC236}">
+                    <a16:creationId xmlns:a16="http://schemas.microsoft.com/office/drawing/2014/main" id="{B99FC650-5CAB-4E72-8B26-8A1F6C261E77}"/>
+                  </a:ext>
+                </a:extLst>
+              </p:cNvPr>
+              <p:cNvSpPr/>
+              <p:nvPr/>
+            </p:nvSpPr>
+            <p:spPr>
+              <a:xfrm>
+                <a:off x="3637888" y="3508217"/>
+                <a:ext cx="409726" cy="307775"/>
+              </a:xfrm>
+              <a:prstGeom prst="rect">
+                <a:avLst/>
+              </a:prstGeom>
+              <a:noFill/>
+              <a:ln w="12700" cap="flat">
+                <a:noFill/>
+                <a:miter lim="400000"/>
+              </a:ln>
+              <a:effectLst/>
+              <a:extLst>
+                <a:ext uri="{C572A759-6A51-4108-AA02-DFA0A04FC94B}">
+                  <ma14:wrappingTextBoxFlag xmlns="" xmlns:m="http://schemas.openxmlformats.org/officeDocument/2006/math" xmlns:a14="http://schemas.microsoft.com/office/drawing/2010/main" xmlns:ma14="http://schemas.microsoft.com/office/mac/drawingml/2011/main" val="1"/>
+                </a:ext>
+              </a:extLst>
+            </p:spPr>
+            <p:txBody>
+              <a:bodyPr wrap="none" lIns="45719" tIns="45719" rIns="45719" bIns="45719" numCol="1" anchor="t">
+                <a:spAutoFit/>
+              </a:bodyPr>
+              <a:lstStyle>
+                <a:lvl1pPr>
+                  <a:defRPr sz="1200">
+                    <a:solidFill>
+                      <a:srgbClr val="FFFFFF"/>
+                    </a:solidFill>
+                    <a:latin typeface="Open Sans"/>
+                    <a:ea typeface="Open Sans"/>
+                    <a:cs typeface="Open Sans"/>
+                    <a:sym typeface="Open Sans"/>
+                  </a:defRPr>
+                </a:lvl1pPr>
+              </a:lstStyle>
+              <a:p>
+                <a:r>
+                  <a:rPr lang="es-ES_tradnl" sz="1400" b="1" dirty="0">
+                    <a:solidFill>
+                      <a:srgbClr val="006A7B"/>
+                    </a:solidFill>
+                  </a:rPr>
+                  <a:t>TSC</a:t>
+                </a:r>
+              </a:p>
+            </p:txBody>
+          </p:sp>
+          <p:sp>
+            <p:nvSpPr>
+              <p:cNvPr id="63" name="Rectángulo 16">
+                <a:extLst>
+                  <a:ext uri="{FF2B5EF4-FFF2-40B4-BE49-F238E27FC236}">
+                    <a16:creationId xmlns:a16="http://schemas.microsoft.com/office/drawing/2014/main" id="{14D5B19B-B6C6-4B91-BB54-4E911126C7AC}"/>
+                  </a:ext>
+                </a:extLst>
+              </p:cNvPr>
+              <p:cNvSpPr/>
+              <p:nvPr/>
+            </p:nvSpPr>
+            <p:spPr>
+              <a:xfrm>
+                <a:off x="3668674" y="3895242"/>
+                <a:ext cx="578648" cy="241556"/>
+              </a:xfrm>
+              <a:prstGeom prst="roundRect">
+                <a:avLst/>
+              </a:prstGeom>
+              <a:solidFill>
+                <a:srgbClr val="006A7B"/>
+              </a:solidFill>
+              <a:ln w="12700" cap="flat">
+                <a:noFill/>
+                <a:miter lim="400000"/>
+              </a:ln>
+              <a:effectLst/>
+              <a:extLst>
+                <a:ext uri="{C572A759-6A51-4108-AA02-DFA0A04FC94B}">
+                  <ma14:wrappingTextBoxFlag xmlns="" xmlns:m="http://schemas.openxmlformats.org/officeDocument/2006/math" xmlns:a14="http://schemas.microsoft.com/office/drawing/2010/main" xmlns:ma14="http://schemas.microsoft.com/office/mac/drawingml/2011/main" val="1"/>
+                </a:ext>
+              </a:extLst>
+            </p:spPr>
+            <p:txBody>
+              <a:bodyPr wrap="none" lIns="45719" tIns="45719" rIns="45719" bIns="45719" numCol="1" anchor="ctr" anchorCtr="0">
+                <a:noAutofit/>
+              </a:bodyPr>
+              <a:lstStyle>
+                <a:lvl1pPr>
+                  <a:defRPr sz="1200">
+                    <a:solidFill>
+                      <a:srgbClr val="FFFFFF"/>
+                    </a:solidFill>
+                    <a:latin typeface="Open Sans"/>
+                    <a:ea typeface="Open Sans"/>
+                    <a:cs typeface="Open Sans"/>
+                    <a:sym typeface="Open Sans"/>
+                  </a:defRPr>
+                </a:lvl1pPr>
+              </a:lstStyle>
+              <a:p>
+                <a:pPr algn="ctr"/>
+                <a:r>
+                  <a:rPr lang="es-ES_tradnl" sz="1400" b="1" dirty="0">
+                    <a:solidFill>
+                      <a:schemeClr val="bg1"/>
+                    </a:solidFill>
+                  </a:rPr>
+                  <a:t>EXE</a:t>
+                </a:r>
+              </a:p>
+            </p:txBody>
+          </p:sp>
+        </p:grpSp>
+        <p:pic>
+          <p:nvPicPr>
+            <p:cNvPr id="64" name="Picture 2" descr="https://upload.wikimedia.org/wikipedia/commons/thumb/0/02/Babel_Logo.svg/2000px-Babel_Logo.svg.png">
+              <a:extLst>
+                <a:ext uri="{FF2B5EF4-FFF2-40B4-BE49-F238E27FC236}">
+                  <a16:creationId xmlns:a16="http://schemas.microsoft.com/office/drawing/2014/main" id="{14BC8899-60D9-43D5-A1B6-026B411684F6}"/>
+                </a:ext>
+              </a:extLst>
+            </p:cNvPr>
+            <p:cNvPicPr>
+              <a:picLocks noChangeAspect="1" noChangeArrowheads="1"/>
+            </p:cNvPicPr>
+            <p:nvPr/>
+          </p:nvPicPr>
+          <p:blipFill rotWithShape="1">
+            <a:blip r:embed="rId2" cstate="print">
+              <a:extLst>
+                <a:ext uri="{28A0092B-C50C-407E-A947-70E740481C1C}">
+                  <a14:useLocalDpi xmlns:a14="http://schemas.microsoft.com/office/drawing/2010/main" val="0"/>
+                </a:ext>
+              </a:extLst>
+            </a:blip>
+            <a:srcRect r="5797" b="8289"/>
+            <a:stretch/>
+          </p:blipFill>
+          <p:spPr bwMode="auto">
+            <a:xfrm>
+              <a:off x="4994582" y="2378123"/>
+              <a:ext cx="1091643" cy="398663"/>
+            </a:xfrm>
+            <a:prstGeom prst="rect">
+              <a:avLst/>
+            </a:prstGeom>
+            <a:noFill/>
+          </p:spPr>
+        </p:pic>
+        <p:cxnSp>
+          <p:nvCxnSpPr>
+            <p:cNvPr id="67" name="Conector recto de flecha 66">
+              <a:extLst>
+                <a:ext uri="{FF2B5EF4-FFF2-40B4-BE49-F238E27FC236}">
+                  <a16:creationId xmlns:a16="http://schemas.microsoft.com/office/drawing/2014/main" id="{7311646A-F644-4906-801B-0B02608176EE}"/>
+                </a:ext>
+              </a:extLst>
+            </p:cNvPr>
+            <p:cNvCxnSpPr>
+              <a:cxnSpLocks/>
+            </p:cNvCxnSpPr>
+            <p:nvPr/>
+          </p:nvCxnSpPr>
+          <p:spPr>
+            <a:xfrm>
+              <a:off x="6203418" y="2590086"/>
+              <a:ext cx="1092469" cy="0"/>
+            </a:xfrm>
+            <a:prstGeom prst="straightConnector1">
+              <a:avLst/>
+            </a:prstGeom>
+            <a:noFill/>
+            <a:ln w="31750" cap="flat">
+              <a:solidFill>
+                <a:schemeClr val="tx1">
+                  <a:lumMod val="50000"/>
+                  <a:lumOff val="50000"/>
+                </a:schemeClr>
+              </a:solidFill>
+              <a:prstDash val="solid"/>
+              <a:round/>
+              <a:tailEnd type="triangle"/>
+            </a:ln>
+            <a:effectLst/>
+            <a:sp3d/>
+          </p:spPr>
+          <p:style>
+            <a:lnRef idx="0">
+              <a:scrgbClr r="0" g="0" b="0"/>
+            </a:lnRef>
+            <a:fillRef idx="0">
+              <a:scrgbClr r="0" g="0" b="0"/>
+            </a:fillRef>
+            <a:effectRef idx="0">
+              <a:scrgbClr r="0" g="0" b="0"/>
+            </a:effectRef>
+            <a:fontRef idx="none"/>
+          </p:style>
+        </p:cxnSp>
+        <p:sp>
+          <p:nvSpPr>
+            <p:cNvPr id="68" name="Rectángulo 16">
+              <a:extLst>
+                <a:ext uri="{FF2B5EF4-FFF2-40B4-BE49-F238E27FC236}">
+                  <a16:creationId xmlns:a16="http://schemas.microsoft.com/office/drawing/2014/main" id="{45C6A456-7318-418F-8FD3-249249D97C7E}"/>
+                </a:ext>
+              </a:extLst>
+            </p:cNvPr>
+            <p:cNvSpPr/>
+            <p:nvPr/>
+          </p:nvSpPr>
+          <p:spPr>
+            <a:xfrm>
+              <a:off x="6437973" y="2242162"/>
+              <a:ext cx="640208" cy="335708"/>
+            </a:xfrm>
+            <a:prstGeom prst="rect">
+              <a:avLst/>
+            </a:prstGeom>
+            <a:noFill/>
+            <a:ln w="12700" cap="flat">
+              <a:noFill/>
+              <a:miter lim="400000"/>
+            </a:ln>
+            <a:effectLst/>
+            <a:extLst>
+              <a:ext uri="{C572A759-6A51-4108-AA02-DFA0A04FC94B}">
+                <ma14:wrappingTextBoxFlag xmlns="" xmlns:m="http://schemas.openxmlformats.org/officeDocument/2006/math" xmlns:a14="http://schemas.microsoft.com/office/drawing/2010/main" xmlns:ma14="http://schemas.microsoft.com/office/mac/drawingml/2011/main" val="1"/>
+              </a:ext>
+            </a:extLst>
+          </p:spPr>
+          <p:txBody>
+            <a:bodyPr wrap="square" lIns="45719" tIns="45719" rIns="45719" bIns="45719" numCol="1" anchor="t">
+              <a:spAutoFit/>
+            </a:bodyPr>
+            <a:lstStyle>
+              <a:lvl1pPr>
+                <a:defRPr sz="1200">
+                  <a:solidFill>
+                    <a:srgbClr val="FFFFFF"/>
+                  </a:solidFill>
+                  <a:latin typeface="Open Sans"/>
+                  <a:ea typeface="Open Sans"/>
+                  <a:cs typeface="Open Sans"/>
+                  <a:sym typeface="Open Sans"/>
+                </a:defRPr>
+              </a:lvl1pPr>
+            </a:lstStyle>
+            <a:p>
+              <a:pPr algn="ctr"/>
+              <a:r>
+                <a:rPr lang="es-ES_tradnl" sz="1800" b="1" dirty="0">
+                  <a:solidFill>
+                    <a:schemeClr val="bg1">
+                      <a:lumMod val="50000"/>
+                    </a:schemeClr>
+                  </a:solidFill>
+                </a:rPr>
+                <a:t>ES5</a:t>
               </a:r>
             </a:p>
           </p:txBody>
         </p:sp>
       </p:grpSp>
-      <p:pic>
-        <p:nvPicPr>
-          <p:cNvPr id="64" name="Picture 2" descr="https://upload.wikimedia.org/wikipedia/commons/thumb/0/02/Babel_Logo.svg/2000px-Babel_Logo.svg.png">
+      <p:grpSp>
+        <p:nvGrpSpPr>
+          <p:cNvPr id="24" name="Grupo 23">
             <a:extLst>
               <a:ext uri="{FF2B5EF4-FFF2-40B4-BE49-F238E27FC236}">
-                <a16:creationId xmlns:a16="http://schemas.microsoft.com/office/drawing/2014/main" id="{14BC8899-60D9-43D5-A1B6-026B411684F6}"/>
+                <a16:creationId xmlns:a16="http://schemas.microsoft.com/office/drawing/2014/main" id="{DFDCF2D9-C858-1FB2-0C24-BEFCCEEEDE23}"/>
               </a:ext>
             </a:extLst>
           </p:cNvPr>
-          <p:cNvPicPr>
-            <a:picLocks noChangeAspect="1" noChangeArrowheads="1"/>
-          </p:cNvPicPr>
+          <p:cNvGrpSpPr/>
           <p:nvPr/>
-        </p:nvPicPr>
-        <p:blipFill rotWithShape="1">
-          <a:blip r:embed="rId2" cstate="print">
+        </p:nvGrpSpPr>
+        <p:grpSpPr>
+          <a:xfrm>
+            <a:off x="835860" y="4015792"/>
+            <a:ext cx="4909467" cy="792348"/>
+            <a:chOff x="835860" y="4131904"/>
+            <a:chExt cx="4909467" cy="792348"/>
+          </a:xfrm>
+        </p:grpSpPr>
+        <p:cxnSp>
+          <p:nvCxnSpPr>
+            <p:cNvPr id="13" name="Conector recto de flecha 12">
+              <a:extLst>
+                <a:ext uri="{FF2B5EF4-FFF2-40B4-BE49-F238E27FC236}">
+                  <a16:creationId xmlns:a16="http://schemas.microsoft.com/office/drawing/2014/main" id="{EC3AAC79-40E0-5A28-0CDA-411536D6B5C2}"/>
+                </a:ext>
+              </a:extLst>
+            </p:cNvPr>
+            <p:cNvCxnSpPr>
+              <a:cxnSpLocks/>
+            </p:cNvCxnSpPr>
+            <p:nvPr/>
+          </p:nvCxnSpPr>
+          <p:spPr>
+            <a:xfrm>
+              <a:off x="1597696" y="4479828"/>
+              <a:ext cx="939890" cy="0"/>
+            </a:xfrm>
+            <a:prstGeom prst="straightConnector1">
+              <a:avLst/>
+            </a:prstGeom>
+            <a:noFill/>
+            <a:ln w="31750" cap="flat">
+              <a:solidFill>
+                <a:schemeClr val="tx1">
+                  <a:lumMod val="50000"/>
+                  <a:lumOff val="50000"/>
+                </a:schemeClr>
+              </a:solidFill>
+              <a:prstDash val="solid"/>
+              <a:round/>
+              <a:tailEnd type="triangle"/>
+            </a:ln>
+            <a:effectLst/>
+            <a:sp3d/>
+          </p:spPr>
+          <p:style>
+            <a:lnRef idx="0">
+              <a:scrgbClr r="0" g="0" b="0"/>
+            </a:lnRef>
+            <a:fillRef idx="0">
+              <a:scrgbClr r="0" g="0" b="0"/>
+            </a:fillRef>
+            <a:effectRef idx="0">
+              <a:scrgbClr r="0" g="0" b="0"/>
+            </a:effectRef>
+            <a:fontRef idx="none"/>
+          </p:style>
+        </p:cxnSp>
+        <p:sp>
+          <p:nvSpPr>
+            <p:cNvPr id="15" name="Rectángulo 16">
+              <a:extLst>
+                <a:ext uri="{FF2B5EF4-FFF2-40B4-BE49-F238E27FC236}">
+                  <a16:creationId xmlns:a16="http://schemas.microsoft.com/office/drawing/2014/main" id="{47A391BA-803A-E339-B1B7-43C9E1E21A81}"/>
+                </a:ext>
+              </a:extLst>
+            </p:cNvPr>
+            <p:cNvSpPr/>
+            <p:nvPr/>
+          </p:nvSpPr>
+          <p:spPr>
+            <a:xfrm>
+              <a:off x="1832251" y="4131904"/>
+              <a:ext cx="458599" cy="335708"/>
+            </a:xfrm>
+            <a:prstGeom prst="rect">
+              <a:avLst/>
+            </a:prstGeom>
+            <a:noFill/>
+            <a:ln w="12700" cap="flat">
+              <a:noFill/>
+              <a:miter lim="400000"/>
+            </a:ln>
+            <a:effectLst/>
             <a:extLst>
-              <a:ext uri="{28A0092B-C50C-407E-A947-70E740481C1C}">
-                <a14:useLocalDpi xmlns:a14="http://schemas.microsoft.com/office/drawing/2010/main" val="0"/>
+              <a:ext uri="{C572A759-6A51-4108-AA02-DFA0A04FC94B}">
+                <ma14:wrappingTextBoxFlag xmlns="" xmlns:m="http://schemas.openxmlformats.org/officeDocument/2006/math" xmlns:a14="http://schemas.microsoft.com/office/drawing/2010/main" xmlns:ma14="http://schemas.microsoft.com/office/mac/drawingml/2011/main" val="1"/>
               </a:ext>
             </a:extLst>
-          </a:blip>
-          <a:srcRect r="5797" b="8289"/>
-          <a:stretch/>
-        </p:blipFill>
-        <p:spPr bwMode="auto">
-          <a:xfrm>
-            <a:off x="5351161" y="2755353"/>
-            <a:ext cx="1185173" cy="523824"/>
-          </a:xfrm>
-          <a:prstGeom prst="rect">
-            <a:avLst/>
-          </a:prstGeom>
-          <a:noFill/>
-        </p:spPr>
-      </p:pic>
-      <p:cxnSp>
-        <p:nvCxnSpPr>
-          <p:cNvPr id="67" name="Conector recto de flecha 66">
+          </p:spPr>
+          <p:txBody>
+            <a:bodyPr wrap="square" lIns="45719" tIns="45719" rIns="45719" bIns="45719" numCol="1" anchor="t">
+              <a:spAutoFit/>
+            </a:bodyPr>
+            <a:lstStyle>
+              <a:lvl1pPr>
+                <a:defRPr sz="1200">
+                  <a:solidFill>
+                    <a:srgbClr val="FFFFFF"/>
+                  </a:solidFill>
+                  <a:latin typeface="Open Sans"/>
+                  <a:ea typeface="Open Sans"/>
+                  <a:cs typeface="Open Sans"/>
+                  <a:sym typeface="Open Sans"/>
+                </a:defRPr>
+              </a:lvl1pPr>
+            </a:lstStyle>
+            <a:p>
+              <a:pPr algn="ctr"/>
+              <a:r>
+                <a:rPr lang="es-ES_tradnl" sz="1800" b="1" dirty="0">
+                  <a:solidFill>
+                    <a:schemeClr val="bg1">
+                      <a:lumMod val="50000"/>
+                    </a:schemeClr>
+                  </a:solidFill>
+                </a:rPr>
+                <a:t>TS</a:t>
+              </a:r>
+            </a:p>
+          </p:txBody>
+        </p:sp>
+        <p:cxnSp>
+          <p:nvCxnSpPr>
+            <p:cNvPr id="16" name="Conector recto de flecha 15">
+              <a:extLst>
+                <a:ext uri="{FF2B5EF4-FFF2-40B4-BE49-F238E27FC236}">
+                  <a16:creationId xmlns:a16="http://schemas.microsoft.com/office/drawing/2014/main" id="{D264CEAF-6C78-C96C-5906-DA8054595BB3}"/>
+                </a:ext>
+              </a:extLst>
+            </p:cNvPr>
+            <p:cNvCxnSpPr>
+              <a:cxnSpLocks/>
+            </p:cNvCxnSpPr>
+            <p:nvPr/>
+          </p:nvCxnSpPr>
+          <p:spPr>
+            <a:xfrm>
+              <a:off x="3840699" y="4479828"/>
+              <a:ext cx="1092469" cy="0"/>
+            </a:xfrm>
+            <a:prstGeom prst="straightConnector1">
+              <a:avLst/>
+            </a:prstGeom>
+            <a:noFill/>
+            <a:ln w="31750" cap="flat">
+              <a:solidFill>
+                <a:schemeClr val="tx1">
+                  <a:lumMod val="50000"/>
+                  <a:lumOff val="50000"/>
+                </a:schemeClr>
+              </a:solidFill>
+              <a:prstDash val="solid"/>
+              <a:round/>
+              <a:tailEnd type="triangle"/>
+            </a:ln>
+            <a:effectLst/>
+            <a:sp3d/>
+          </p:spPr>
+          <p:style>
+            <a:lnRef idx="0">
+              <a:scrgbClr r="0" g="0" b="0"/>
+            </a:lnRef>
+            <a:fillRef idx="0">
+              <a:scrgbClr r="0" g="0" b="0"/>
+            </a:fillRef>
+            <a:effectRef idx="0">
+              <a:scrgbClr r="0" g="0" b="0"/>
+            </a:effectRef>
+            <a:fontRef idx="none"/>
+          </p:style>
+        </p:cxnSp>
+        <p:sp>
+          <p:nvSpPr>
+            <p:cNvPr id="17" name="Rectángulo 16">
+              <a:extLst>
+                <a:ext uri="{FF2B5EF4-FFF2-40B4-BE49-F238E27FC236}">
+                  <a16:creationId xmlns:a16="http://schemas.microsoft.com/office/drawing/2014/main" id="{F37E2A0A-279A-F3FC-ED68-DD87A00A90E3}"/>
+                </a:ext>
+              </a:extLst>
+            </p:cNvPr>
+            <p:cNvSpPr/>
+            <p:nvPr/>
+          </p:nvSpPr>
+          <p:spPr>
+            <a:xfrm>
+              <a:off x="4075253" y="4131904"/>
+              <a:ext cx="640208" cy="369330"/>
+            </a:xfrm>
+            <a:prstGeom prst="rect">
+              <a:avLst/>
+            </a:prstGeom>
+            <a:noFill/>
+            <a:ln w="12700" cap="flat">
+              <a:noFill/>
+              <a:miter lim="400000"/>
+            </a:ln>
+            <a:effectLst/>
             <a:extLst>
-              <a:ext uri="{FF2B5EF4-FFF2-40B4-BE49-F238E27FC236}">
-                <a16:creationId xmlns:a16="http://schemas.microsoft.com/office/drawing/2014/main" id="{7311646A-F644-4906-801B-0B02608176EE}"/>
+              <a:ext uri="{C572A759-6A51-4108-AA02-DFA0A04FC94B}">
+                <ma14:wrappingTextBoxFlag xmlns="" xmlns:m="http://schemas.openxmlformats.org/officeDocument/2006/math" xmlns:a14="http://schemas.microsoft.com/office/drawing/2010/main" xmlns:ma14="http://schemas.microsoft.com/office/mac/drawingml/2011/main" val="1"/>
               </a:ext>
             </a:extLst>
-          </p:cNvPr>
-          <p:cNvCxnSpPr>
-            <a:cxnSpLocks/>
-          </p:cNvCxnSpPr>
-          <p:nvPr/>
-        </p:nvCxnSpPr>
-        <p:spPr>
-          <a:xfrm>
-            <a:off x="6663568" y="3033862"/>
-            <a:ext cx="1186070" cy="0"/>
-          </a:xfrm>
-          <a:prstGeom prst="straightConnector1">
-            <a:avLst/>
-          </a:prstGeom>
-          <a:noFill/>
-          <a:ln w="31750" cap="flat">
-            <a:solidFill>
-              <a:schemeClr val="tx1">
-                <a:lumMod val="50000"/>
-                <a:lumOff val="50000"/>
-              </a:schemeClr>
-            </a:solidFill>
-            <a:prstDash val="solid"/>
-            <a:round/>
-            <a:tailEnd type="triangle"/>
-          </a:ln>
-          <a:effectLst/>
-          <a:sp3d/>
-        </p:spPr>
-        <p:style>
-          <a:lnRef idx="0">
-            <a:scrgbClr r="0" g="0" b="0"/>
-          </a:lnRef>
-          <a:fillRef idx="0">
-            <a:scrgbClr r="0" g="0" b="0"/>
-          </a:fillRef>
-          <a:effectRef idx="0">
-            <a:scrgbClr r="0" g="0" b="0"/>
-          </a:effectRef>
-          <a:fontRef idx="none"/>
-        </p:style>
-      </p:cxnSp>
-      <p:sp>
-        <p:nvSpPr>
-          <p:cNvPr id="68" name="Rectángulo 16">
+          </p:spPr>
+          <p:txBody>
+            <a:bodyPr wrap="square" lIns="45719" tIns="45719" rIns="45719" bIns="45719" numCol="1" anchor="t">
+              <a:spAutoFit/>
+            </a:bodyPr>
+            <a:lstStyle>
+              <a:lvl1pPr>
+                <a:defRPr sz="1200">
+                  <a:solidFill>
+                    <a:srgbClr val="FFFFFF"/>
+                  </a:solidFill>
+                  <a:latin typeface="Open Sans"/>
+                  <a:ea typeface="Open Sans"/>
+                  <a:cs typeface="Open Sans"/>
+                  <a:sym typeface="Open Sans"/>
+                </a:defRPr>
+              </a:lvl1pPr>
+            </a:lstStyle>
+            <a:p>
+              <a:pPr algn="ctr"/>
+              <a:r>
+                <a:rPr lang="es-ES_tradnl" sz="1800" b="1" dirty="0">
+                  <a:solidFill>
+                    <a:schemeClr val="bg1">
+                      <a:lumMod val="50000"/>
+                    </a:schemeClr>
+                  </a:solidFill>
+                </a:rPr>
+                <a:t>ES6+</a:t>
+              </a:r>
+            </a:p>
+          </p:txBody>
+        </p:sp>
+        <p:pic>
+          <p:nvPicPr>
+            <p:cNvPr id="19" name="Gráfico 18">
+              <a:extLst>
+                <a:ext uri="{FF2B5EF4-FFF2-40B4-BE49-F238E27FC236}">
+                  <a16:creationId xmlns:a16="http://schemas.microsoft.com/office/drawing/2014/main" id="{4437D0B0-4121-E63B-6CE1-B5B7878C6B95}"/>
+                </a:ext>
+              </a:extLst>
+            </p:cNvPr>
+            <p:cNvPicPr>
+              <a:picLocks noChangeAspect="1"/>
+            </p:cNvPicPr>
+            <p:nvPr/>
+          </p:nvPicPr>
+          <p:blipFill>
+            <a:blip r:embed="rId3" cstate="print">
+              <a:extLst>
+                <a:ext uri="{28A0092B-C50C-407E-A947-70E740481C1C}">
+                  <a14:useLocalDpi xmlns:a14="http://schemas.microsoft.com/office/drawing/2010/main" val="0"/>
+                </a:ext>
+                <a:ext uri="{96DAC541-7B7A-43D3-8B79-37D633B846F1}">
+                  <asvg:svgBlip xmlns:asvg="http://schemas.microsoft.com/office/drawing/2016/SVG/main" r:embed="rId4"/>
+                </a:ext>
+              </a:extLst>
+            </a:blip>
+            <a:stretch>
+              <a:fillRect/>
+            </a:stretch>
+          </p:blipFill>
+          <p:spPr>
+            <a:xfrm>
+              <a:off x="835860" y="4134794"/>
+              <a:ext cx="681263" cy="562907"/>
+            </a:xfrm>
+            <a:prstGeom prst="rect">
+              <a:avLst/>
+            </a:prstGeom>
+          </p:spPr>
+        </p:pic>
+        <p:sp>
+          <p:nvSpPr>
+            <p:cNvPr id="20" name="Rectángulo 16">
+              <a:extLst>
+                <a:ext uri="{FF2B5EF4-FFF2-40B4-BE49-F238E27FC236}">
+                  <a16:creationId xmlns:a16="http://schemas.microsoft.com/office/drawing/2014/main" id="{EE878E41-6093-D39D-25D2-FD9235115F93}"/>
+                </a:ext>
+              </a:extLst>
+            </p:cNvPr>
+            <p:cNvSpPr/>
+            <p:nvPr/>
+          </p:nvSpPr>
+          <p:spPr>
+            <a:xfrm>
+              <a:off x="922240" y="4406162"/>
+              <a:ext cx="351673" cy="237793"/>
+            </a:xfrm>
+            <a:prstGeom prst="rect">
+              <a:avLst/>
+            </a:prstGeom>
+            <a:noFill/>
+            <a:ln w="12700" cap="flat">
+              <a:noFill/>
+              <a:miter lim="400000"/>
+            </a:ln>
+            <a:effectLst/>
             <a:extLst>
-              <a:ext uri="{FF2B5EF4-FFF2-40B4-BE49-F238E27FC236}">
-                <a16:creationId xmlns:a16="http://schemas.microsoft.com/office/drawing/2014/main" id="{45C6A456-7318-418F-8FD3-249249D97C7E}"/>
+              <a:ext uri="{C572A759-6A51-4108-AA02-DFA0A04FC94B}">
+                <ma14:wrappingTextBoxFlag xmlns="" xmlns:m="http://schemas.openxmlformats.org/officeDocument/2006/math" xmlns:a14="http://schemas.microsoft.com/office/drawing/2010/main" xmlns:ma14="http://schemas.microsoft.com/office/mac/drawingml/2011/main" val="1"/>
               </a:ext>
             </a:extLst>
-          </p:cNvPr>
-          <p:cNvSpPr/>
-          <p:nvPr/>
-        </p:nvSpPr>
-        <p:spPr>
-          <a:xfrm>
-            <a:off x="6918219" y="2576708"/>
-            <a:ext cx="695060" cy="523218"/>
-          </a:xfrm>
-          <a:prstGeom prst="rect">
-            <a:avLst/>
-          </a:prstGeom>
-          <a:noFill/>
-          <a:ln w="12700" cap="flat">
+          </p:spPr>
+          <p:txBody>
+            <a:bodyPr wrap="square" lIns="45719" tIns="45719" rIns="45719" bIns="45719" numCol="1" anchor="t">
+              <a:spAutoFit/>
+            </a:bodyPr>
+            <a:lstStyle>
+              <a:lvl1pPr>
+                <a:defRPr sz="1200">
+                  <a:solidFill>
+                    <a:srgbClr val="FFFFFF"/>
+                  </a:solidFill>
+                  <a:latin typeface="Open Sans"/>
+                  <a:ea typeface="Open Sans"/>
+                  <a:cs typeface="Open Sans"/>
+                  <a:sym typeface="Open Sans"/>
+                </a:defRPr>
+              </a:lvl1pPr>
+            </a:lstStyle>
+            <a:p>
+              <a:r>
+                <a:rPr lang="es-ES_tradnl" sz="1100" b="1" dirty="0">
+                  <a:solidFill>
+                    <a:schemeClr val="bg1"/>
+                  </a:solidFill>
+                  <a:latin typeface="Montserrat SemiBold" panose="00000700000000000000" pitchFamily="2" charset="0"/>
+                </a:rPr>
+                <a:t>TS</a:t>
+              </a:r>
+            </a:p>
+          </p:txBody>
+        </p:sp>
+        <p:pic>
+          <p:nvPicPr>
+            <p:cNvPr id="21" name="Gráfico 20">
+              <a:extLst>
+                <a:ext uri="{FF2B5EF4-FFF2-40B4-BE49-F238E27FC236}">
+                  <a16:creationId xmlns:a16="http://schemas.microsoft.com/office/drawing/2014/main" id="{97C43ECE-4AEA-2D92-2B42-9F150B1D57BA}"/>
+                </a:ext>
+              </a:extLst>
+            </p:cNvPr>
+            <p:cNvPicPr>
+              <a:picLocks noChangeAspect="1"/>
+            </p:cNvPicPr>
+            <p:nvPr/>
+          </p:nvPicPr>
+          <p:blipFill>
+            <a:blip r:embed="rId5" cstate="print">
+              <a:extLst>
+                <a:ext uri="{28A0092B-C50C-407E-A947-70E740481C1C}">
+                  <a14:useLocalDpi xmlns:a14="http://schemas.microsoft.com/office/drawing/2010/main" val="0"/>
+                </a:ext>
+                <a:ext uri="{96DAC541-7B7A-43D3-8B79-37D633B846F1}">
+                  <asvg:svgBlip xmlns:asvg="http://schemas.microsoft.com/office/drawing/2016/SVG/main" r:embed="rId6"/>
+                </a:ext>
+              </a:extLst>
+            </a:blip>
+            <a:stretch>
+              <a:fillRect/>
+            </a:stretch>
+          </p:blipFill>
+          <p:spPr>
+            <a:xfrm>
+              <a:off x="5064064" y="4131904"/>
+              <a:ext cx="681263" cy="562907"/>
+            </a:xfrm>
+            <a:prstGeom prst="rect">
+              <a:avLst/>
+            </a:prstGeom>
+          </p:spPr>
+        </p:pic>
+        <p:sp>
+          <p:nvSpPr>
+            <p:cNvPr id="22" name="Rectángulo 16">
+              <a:extLst>
+                <a:ext uri="{FF2B5EF4-FFF2-40B4-BE49-F238E27FC236}">
+                  <a16:creationId xmlns:a16="http://schemas.microsoft.com/office/drawing/2014/main" id="{1709CCFE-7419-894B-EF84-3A3ECCE2F10D}"/>
+                </a:ext>
+              </a:extLst>
+            </p:cNvPr>
+            <p:cNvSpPr/>
+            <p:nvPr/>
+          </p:nvSpPr>
+          <p:spPr>
+            <a:xfrm>
+              <a:off x="5157171" y="4406162"/>
+              <a:ext cx="346251" cy="237793"/>
+            </a:xfrm>
+            <a:prstGeom prst="rect">
+              <a:avLst/>
+            </a:prstGeom>
             <a:noFill/>
-            <a:miter lim="400000"/>
-          </a:ln>
-          <a:effectLst/>
-          <a:extLst>
-            <a:ext uri="{C572A759-6A51-4108-AA02-DFA0A04FC94B}">
-              <ma14:wrappingTextBoxFlag xmlns:ma14="http://schemas.microsoft.com/office/mac/drawingml/2011/main" xmlns:a14="http://schemas.microsoft.com/office/drawing/2010/main" xmlns:m="http://schemas.openxmlformats.org/officeDocument/2006/math" xmlns="" val="1"/>
-            </a:ext>
-          </a:extLst>
-        </p:spPr>
-        <p:txBody>
-          <a:bodyPr wrap="none" lIns="45719" tIns="45719" rIns="45719" bIns="45719" numCol="1" anchor="t">
-            <a:spAutoFit/>
-          </a:bodyPr>
-          <a:lstStyle>
-            <a:lvl1pPr>
-              <a:defRPr sz="1200">
-                <a:solidFill>
-                  <a:srgbClr val="FFFFFF"/>
-                </a:solidFill>
-                <a:latin typeface="Open Sans"/>
-                <a:ea typeface="Open Sans"/>
-                <a:cs typeface="Open Sans"/>
-                <a:sym typeface="Open Sans"/>
-              </a:defRPr>
-            </a:lvl1pPr>
-          </a:lstStyle>
-          <a:p>
-            <a:r>
-              <a:rPr lang="es-ES_tradnl" sz="2800" b="1" dirty="0">
-                <a:solidFill>
-                  <a:schemeClr val="bg1">
-                    <a:lumMod val="50000"/>
-                  </a:schemeClr>
-                </a:solidFill>
-              </a:rPr>
-              <a:t>ES5</a:t>
-            </a:r>
-          </a:p>
-        </p:txBody>
-      </p:sp>
+            <a:ln w="12700" cap="flat">
+              <a:noFill/>
+              <a:miter lim="400000"/>
+            </a:ln>
+            <a:effectLst/>
+            <a:extLst>
+              <a:ext uri="{C572A759-6A51-4108-AA02-DFA0A04FC94B}">
+                <ma14:wrappingTextBoxFlag xmlns="" xmlns:m="http://schemas.openxmlformats.org/officeDocument/2006/math" xmlns:a14="http://schemas.microsoft.com/office/drawing/2010/main" xmlns:ma14="http://schemas.microsoft.com/office/mac/drawingml/2011/main" val="1"/>
+              </a:ext>
+            </a:extLst>
+          </p:spPr>
+          <p:txBody>
+            <a:bodyPr wrap="square" lIns="45719" tIns="45719" rIns="45719" bIns="45719" numCol="1" anchor="t">
+              <a:spAutoFit/>
+            </a:bodyPr>
+            <a:lstStyle>
+              <a:lvl1pPr>
+                <a:defRPr sz="1200">
+                  <a:solidFill>
+                    <a:srgbClr val="FFFFFF"/>
+                  </a:solidFill>
+                  <a:latin typeface="Open Sans"/>
+                  <a:ea typeface="Open Sans"/>
+                  <a:cs typeface="Open Sans"/>
+                  <a:sym typeface="Open Sans"/>
+                </a:defRPr>
+              </a:lvl1pPr>
+            </a:lstStyle>
+            <a:p>
+              <a:r>
+                <a:rPr lang="es-ES_tradnl" sz="1100" dirty="0">
+                  <a:solidFill>
+                    <a:schemeClr val="bg1"/>
+                  </a:solidFill>
+                  <a:latin typeface="Montserrat SemiBold" panose="00000700000000000000" pitchFamily="2" charset="0"/>
+                </a:rPr>
+                <a:t>JS</a:t>
+              </a:r>
+            </a:p>
+          </p:txBody>
+        </p:sp>
+        <p:pic>
+          <p:nvPicPr>
+            <p:cNvPr id="1028" name="Picture 4">
+              <a:extLst>
+                <a:ext uri="{FF2B5EF4-FFF2-40B4-BE49-F238E27FC236}">
+                  <a16:creationId xmlns:a16="http://schemas.microsoft.com/office/drawing/2014/main" id="{C074B9A4-CC01-74B3-BE50-338C3BF94DBE}"/>
+                </a:ext>
+              </a:extLst>
+            </p:cNvPr>
+            <p:cNvPicPr>
+              <a:picLocks noChangeAspect="1" noChangeArrowheads="1"/>
+            </p:cNvPicPr>
+            <p:nvPr/>
+          </p:nvPicPr>
+          <p:blipFill>
+            <a:blip r:embed="rId9" cstate="print">
+              <a:extLst>
+                <a:ext uri="{28A0092B-C50C-407E-A947-70E740481C1C}">
+                  <a14:useLocalDpi xmlns:a14="http://schemas.microsoft.com/office/drawing/2010/main" val="0"/>
+                </a:ext>
+              </a:extLst>
+            </a:blip>
+            <a:srcRect/>
+            <a:stretch>
+              <a:fillRect/>
+            </a:stretch>
+          </p:blipFill>
+          <p:spPr bwMode="auto">
+            <a:xfrm>
+              <a:off x="2573023" y="4191322"/>
+              <a:ext cx="1175657" cy="577011"/>
+            </a:xfrm>
+            <a:prstGeom prst="rect">
+              <a:avLst/>
+            </a:prstGeom>
+            <a:noFill/>
+            <a:extLst>
+              <a:ext uri="{909E8E84-426E-40DD-AFC4-6F175D3DCCD1}">
+                <a14:hiddenFill xmlns:a14="http://schemas.microsoft.com/office/drawing/2010/main">
+                  <a:solidFill>
+                    <a:srgbClr val="FFFFFF"/>
+                  </a:solidFill>
+                </a14:hiddenFill>
+              </a:ext>
+            </a:extLst>
+          </p:spPr>
+        </p:pic>
+        <p:sp>
+          <p:nvSpPr>
+            <p:cNvPr id="23" name="Rectángulo 16">
+              <a:extLst>
+                <a:ext uri="{FF2B5EF4-FFF2-40B4-BE49-F238E27FC236}">
+                  <a16:creationId xmlns:a16="http://schemas.microsoft.com/office/drawing/2014/main" id="{74ADE848-66DB-D442-903F-A4F38A0189D0}"/>
+                </a:ext>
+              </a:extLst>
+            </p:cNvPr>
+            <p:cNvSpPr/>
+            <p:nvPr/>
+          </p:nvSpPr>
+          <p:spPr>
+            <a:xfrm>
+              <a:off x="1960408" y="4647255"/>
+              <a:ext cx="2500315" cy="276997"/>
+            </a:xfrm>
+            <a:prstGeom prst="rect">
+              <a:avLst/>
+            </a:prstGeom>
+            <a:noFill/>
+            <a:ln w="12700" cap="flat">
+              <a:noFill/>
+              <a:miter lim="400000"/>
+            </a:ln>
+            <a:effectLst/>
+            <a:extLst>
+              <a:ext uri="{C572A759-6A51-4108-AA02-DFA0A04FC94B}">
+                <ma14:wrappingTextBoxFlag xmlns="" xmlns:m="http://schemas.openxmlformats.org/officeDocument/2006/math" xmlns:a14="http://schemas.microsoft.com/office/drawing/2010/main" xmlns:ma14="http://schemas.microsoft.com/office/mac/drawingml/2011/main" val="1"/>
+              </a:ext>
+            </a:extLst>
+          </p:spPr>
+          <p:txBody>
+            <a:bodyPr wrap="square" lIns="45719" tIns="45719" rIns="45719" bIns="45719" numCol="1" anchor="t">
+              <a:spAutoFit/>
+            </a:bodyPr>
+            <a:lstStyle>
+              <a:lvl1pPr>
+                <a:defRPr sz="1200">
+                  <a:solidFill>
+                    <a:srgbClr val="FFFFFF"/>
+                  </a:solidFill>
+                  <a:latin typeface="Open Sans"/>
+                  <a:ea typeface="Open Sans"/>
+                  <a:cs typeface="Open Sans"/>
+                  <a:sym typeface="Open Sans"/>
+                </a:defRPr>
+              </a:lvl1pPr>
+            </a:lstStyle>
+            <a:p>
+              <a:pPr algn="ctr"/>
+              <a:r>
+                <a:rPr lang="es-ES_tradnl" b="1" dirty="0">
+                  <a:solidFill>
+                    <a:schemeClr val="bg1">
+                      <a:lumMod val="50000"/>
+                    </a:schemeClr>
+                  </a:solidFill>
+                </a:rPr>
+                <a:t>(*</a:t>
+              </a:r>
+              <a:r>
+                <a:rPr lang="es-ES_tradnl" b="1" dirty="0" err="1">
+                  <a:solidFill>
+                    <a:schemeClr val="bg1">
+                      <a:lumMod val="50000"/>
+                    </a:schemeClr>
+                  </a:solidFill>
+                </a:rPr>
+                <a:t>esbuild</a:t>
+              </a:r>
+              <a:r>
+                <a:rPr lang="es-ES_tradnl" b="1" dirty="0">
+                  <a:solidFill>
+                    <a:schemeClr val="bg1">
+                      <a:lumMod val="50000"/>
+                    </a:schemeClr>
+                  </a:solidFill>
+                </a:rPr>
+                <a:t> </a:t>
+              </a:r>
+              <a:r>
+                <a:rPr lang="es-ES_tradnl" b="1" dirty="0" err="1">
+                  <a:solidFill>
+                    <a:schemeClr val="bg1">
+                      <a:lumMod val="50000"/>
+                    </a:schemeClr>
+                  </a:solidFill>
+                </a:rPr>
+                <a:t>for</a:t>
+              </a:r>
+              <a:r>
+                <a:rPr lang="es-ES_tradnl" b="1" dirty="0">
+                  <a:solidFill>
+                    <a:schemeClr val="bg1">
+                      <a:lumMod val="50000"/>
+                    </a:schemeClr>
+                  </a:solidFill>
+                </a:rPr>
+                <a:t> DEV </a:t>
+              </a:r>
+              <a:r>
+                <a:rPr lang="es-ES_tradnl" b="1" dirty="0" err="1">
+                  <a:solidFill>
+                    <a:schemeClr val="bg1">
+                      <a:lumMod val="50000"/>
+                    </a:schemeClr>
+                  </a:solidFill>
+                </a:rPr>
+                <a:t>flow</a:t>
+              </a:r>
+              <a:r>
+                <a:rPr lang="es-ES_tradnl" b="1" dirty="0">
+                  <a:solidFill>
+                    <a:schemeClr val="bg1">
+                      <a:lumMod val="50000"/>
+                    </a:schemeClr>
+                  </a:solidFill>
+                </a:rPr>
+                <a:t>)</a:t>
+              </a:r>
+            </a:p>
+          </p:txBody>
+        </p:sp>
+      </p:grpSp>
     </p:spTree>
     <p:extLst>
       <p:ext uri="{BB962C8B-B14F-4D97-AF65-F5344CB8AC3E}">
@@ -7206,7 +7898,7 @@
           </a:ln>
           <a:extLst>
             <a:ext uri="{C572A759-6A51-4108-AA02-DFA0A04FC94B}">
-              <ma14:wrappingTextBoxFlag xmlns:ma14="http://schemas.microsoft.com/office/mac/drawingml/2011/main" xmlns:a14="http://schemas.microsoft.com/office/drawing/2010/main" xmlns:m="http://schemas.openxmlformats.org/officeDocument/2006/math" xmlns="" val="1"/>
+              <ma14:wrappingTextBoxFlag xmlns="" xmlns:m="http://schemas.openxmlformats.org/officeDocument/2006/math" xmlns:a14="http://schemas.microsoft.com/office/drawing/2010/main" xmlns:ma14="http://schemas.microsoft.com/office/mac/drawingml/2011/main" val="1"/>
             </a:ext>
           </a:extLst>
         </p:spPr>
@@ -7484,7 +8176,7 @@
             <a:effectLst/>
             <a:extLst>
               <a:ext uri="{C572A759-6A51-4108-AA02-DFA0A04FC94B}">
-                <ma14:wrappingTextBoxFlag xmlns="" xmlns:m="http://schemas.openxmlformats.org/officeDocument/2006/math" xmlns:a14="http://schemas.microsoft.com/office/drawing/2010/main" xmlns:ma14="http://schemas.microsoft.com/office/mac/drawingml/2011/main" val="1"/>
+                <ma14:wrappingTextBoxFlag xmlns:ma14="http://schemas.microsoft.com/office/mac/drawingml/2011/main" xmlns:a14="http://schemas.microsoft.com/office/drawing/2010/main" xmlns:m="http://schemas.openxmlformats.org/officeDocument/2006/math" xmlns="" val="1"/>
               </a:ext>
             </a:extLst>
           </p:spPr>
@@ -7534,7 +8226,7 @@
             <a:effectLst/>
             <a:extLst>
               <a:ext uri="{C572A759-6A51-4108-AA02-DFA0A04FC94B}">
-                <ma14:wrappingTextBoxFlag xmlns="" xmlns:m="http://schemas.openxmlformats.org/officeDocument/2006/math" xmlns:a14="http://schemas.microsoft.com/office/drawing/2010/main" xmlns:ma14="http://schemas.microsoft.com/office/mac/drawingml/2011/main" val="1"/>
+                <ma14:wrappingTextBoxFlag xmlns:ma14="http://schemas.microsoft.com/office/mac/drawingml/2011/main" xmlns:a14="http://schemas.microsoft.com/office/drawing/2010/main" xmlns:m="http://schemas.openxmlformats.org/officeDocument/2006/math" xmlns="" val="1"/>
               </a:ext>
             </a:extLst>
           </p:spPr>
@@ -7584,7 +8276,7 @@
             <a:effectLst/>
             <a:extLst>
               <a:ext uri="{C572A759-6A51-4108-AA02-DFA0A04FC94B}">
-                <ma14:wrappingTextBoxFlag xmlns="" xmlns:m="http://schemas.openxmlformats.org/officeDocument/2006/math" xmlns:a14="http://schemas.microsoft.com/office/drawing/2010/main" xmlns:ma14="http://schemas.microsoft.com/office/mac/drawingml/2011/main" val="1"/>
+                <ma14:wrappingTextBoxFlag xmlns:ma14="http://schemas.microsoft.com/office/mac/drawingml/2011/main" xmlns:a14="http://schemas.microsoft.com/office/drawing/2010/main" xmlns:m="http://schemas.openxmlformats.org/officeDocument/2006/math" xmlns="" val="1"/>
               </a:ext>
             </a:extLst>
           </p:spPr>
@@ -7634,7 +8326,7 @@
             <a:effectLst/>
             <a:extLst>
               <a:ext uri="{C572A759-6A51-4108-AA02-DFA0A04FC94B}">
-                <ma14:wrappingTextBoxFlag xmlns="" xmlns:m="http://schemas.openxmlformats.org/officeDocument/2006/math" xmlns:a14="http://schemas.microsoft.com/office/drawing/2010/main" xmlns:ma14="http://schemas.microsoft.com/office/mac/drawingml/2011/main" val="1"/>
+                <ma14:wrappingTextBoxFlag xmlns:ma14="http://schemas.microsoft.com/office/mac/drawingml/2011/main" xmlns:a14="http://schemas.microsoft.com/office/drawing/2010/main" xmlns:m="http://schemas.openxmlformats.org/officeDocument/2006/math" xmlns="" val="1"/>
               </a:ext>
             </a:extLst>
           </p:spPr>

--- a/02-languages/01-teoria/02 Introducción a Typescript.pptx
+++ b/02-languages/01-teoria/02 Introducción a Typescript.pptx
@@ -2201,7 +2201,7 @@
           </a:ln>
           <a:extLst>
             <a:ext uri="{C572A759-6A51-4108-AA02-DFA0A04FC94B}">
-              <ma14:wrappingTextBoxFlag xmlns:ma14="http://schemas.microsoft.com/office/mac/drawingml/2011/main" xmlns:a14="http://schemas.microsoft.com/office/drawing/2010/main" xmlns:m="http://schemas.openxmlformats.org/officeDocument/2006/math" xmlns="" val="1"/>
+              <ma14:wrappingTextBoxFlag xmlns="" xmlns:m="http://schemas.openxmlformats.org/officeDocument/2006/math" xmlns:a14="http://schemas.microsoft.com/office/drawing/2010/main" xmlns:ma14="http://schemas.microsoft.com/office/mac/drawingml/2011/main" val="1"/>
             </a:ext>
           </a:extLst>
         </p:spPr>
@@ -2240,7 +2240,7 @@
           </a:ln>
           <a:extLst>
             <a:ext uri="{C572A759-6A51-4108-AA02-DFA0A04FC94B}">
-              <ma14:wrappingTextBoxFlag xmlns:ma14="http://schemas.microsoft.com/office/mac/drawingml/2011/main" xmlns:a14="http://schemas.microsoft.com/office/drawing/2010/main" xmlns:m="http://schemas.openxmlformats.org/officeDocument/2006/math" xmlns="" val="1"/>
+              <ma14:wrappingTextBoxFlag xmlns="" xmlns:m="http://schemas.openxmlformats.org/officeDocument/2006/math" xmlns:a14="http://schemas.microsoft.com/office/drawing/2010/main" xmlns:ma14="http://schemas.microsoft.com/office/mac/drawingml/2011/main" val="1"/>
             </a:ext>
           </a:extLst>
         </p:spPr>
@@ -3198,7 +3198,7 @@
           </a:ln>
           <a:extLst>
             <a:ext uri="{C572A759-6A51-4108-AA02-DFA0A04FC94B}">
-              <ma14:wrappingTextBoxFlag xmlns:ma14="http://schemas.microsoft.com/office/mac/drawingml/2011/main" xmlns:a14="http://schemas.microsoft.com/office/drawing/2010/main" xmlns:m="http://schemas.openxmlformats.org/officeDocument/2006/math" xmlns="" val="1"/>
+              <ma14:wrappingTextBoxFlag xmlns="" xmlns:m="http://schemas.openxmlformats.org/officeDocument/2006/math" xmlns:a14="http://schemas.microsoft.com/office/drawing/2010/main" xmlns:ma14="http://schemas.microsoft.com/office/mac/drawingml/2011/main" val="1"/>
             </a:ext>
           </a:extLst>
         </p:spPr>
@@ -3250,7 +3250,7 @@
           </a:ln>
           <a:extLst>
             <a:ext uri="{C572A759-6A51-4108-AA02-DFA0A04FC94B}">
-              <ma14:wrappingTextBoxFlag xmlns:ma14="http://schemas.microsoft.com/office/mac/drawingml/2011/main" xmlns:a14="http://schemas.microsoft.com/office/drawing/2010/main" xmlns:m="http://schemas.openxmlformats.org/officeDocument/2006/math" xmlns="" val="1"/>
+              <ma14:wrappingTextBoxFlag xmlns="" xmlns:m="http://schemas.openxmlformats.org/officeDocument/2006/math" xmlns:a14="http://schemas.microsoft.com/office/drawing/2010/main" xmlns:ma14="http://schemas.microsoft.com/office/mac/drawingml/2011/main" val="1"/>
             </a:ext>
           </a:extLst>
         </p:spPr>
@@ -3688,7 +3688,7 @@
           </a:ln>
           <a:extLst>
             <a:ext uri="{C572A759-6A51-4108-AA02-DFA0A04FC94B}">
-              <ma14:wrappingTextBoxFlag xmlns="" xmlns:m="http://schemas.openxmlformats.org/officeDocument/2006/math" xmlns:a14="http://schemas.microsoft.com/office/drawing/2010/main" xmlns:ma14="http://schemas.microsoft.com/office/mac/drawingml/2011/main" val="1"/>
+              <ma14:wrappingTextBoxFlag xmlns:ma14="http://schemas.microsoft.com/office/mac/drawingml/2011/main" xmlns:a14="http://schemas.microsoft.com/office/drawing/2010/main" xmlns:m="http://schemas.openxmlformats.org/officeDocument/2006/math" xmlns="" val="1"/>
             </a:ext>
           </a:extLst>
         </p:spPr>
@@ -3769,7 +3769,7 @@
           </a:ln>
           <a:extLst>
             <a:ext uri="{C572A759-6A51-4108-AA02-DFA0A04FC94B}">
-              <ma14:wrappingTextBoxFlag xmlns="" xmlns:m="http://schemas.openxmlformats.org/officeDocument/2006/math" xmlns:a14="http://schemas.microsoft.com/office/drawing/2010/main" xmlns:ma14="http://schemas.microsoft.com/office/mac/drawingml/2011/main" val="1"/>
+              <ma14:wrappingTextBoxFlag xmlns:ma14="http://schemas.microsoft.com/office/mac/drawingml/2011/main" xmlns:a14="http://schemas.microsoft.com/office/drawing/2010/main" xmlns:m="http://schemas.openxmlformats.org/officeDocument/2006/math" xmlns="" val="1"/>
             </a:ext>
           </a:extLst>
         </p:spPr>
@@ -3837,7 +3837,7 @@
           </a:ln>
           <a:extLst>
             <a:ext uri="{C572A759-6A51-4108-AA02-DFA0A04FC94B}">
-              <ma14:wrappingTextBoxFlag xmlns="" xmlns:m="http://schemas.openxmlformats.org/officeDocument/2006/math" xmlns:a14="http://schemas.microsoft.com/office/drawing/2010/main" xmlns:ma14="http://schemas.microsoft.com/office/mac/drawingml/2011/main" val="1"/>
+              <ma14:wrappingTextBoxFlag xmlns:ma14="http://schemas.microsoft.com/office/mac/drawingml/2011/main" xmlns:a14="http://schemas.microsoft.com/office/drawing/2010/main" xmlns:m="http://schemas.openxmlformats.org/officeDocument/2006/math" xmlns="" val="1"/>
             </a:ext>
           </a:extLst>
         </p:spPr>
@@ -3962,7 +3962,7 @@
           </a:ln>
           <a:extLst>
             <a:ext uri="{C572A759-6A51-4108-AA02-DFA0A04FC94B}">
-              <ma14:wrappingTextBoxFlag xmlns="" xmlns:m="http://schemas.openxmlformats.org/officeDocument/2006/math" xmlns:a14="http://schemas.microsoft.com/office/drawing/2010/main" xmlns:ma14="http://schemas.microsoft.com/office/mac/drawingml/2011/main" val="1"/>
+              <ma14:wrappingTextBoxFlag xmlns:ma14="http://schemas.microsoft.com/office/mac/drawingml/2011/main" xmlns:a14="http://schemas.microsoft.com/office/drawing/2010/main" xmlns:m="http://schemas.openxmlformats.org/officeDocument/2006/math" xmlns="" val="1"/>
             </a:ext>
           </a:extLst>
         </p:spPr>
@@ -4023,7 +4023,7 @@
           </a:ln>
           <a:extLst>
             <a:ext uri="{C572A759-6A51-4108-AA02-DFA0A04FC94B}">
-              <ma14:wrappingTextBoxFlag xmlns="" xmlns:m="http://schemas.openxmlformats.org/officeDocument/2006/math" xmlns:a14="http://schemas.microsoft.com/office/drawing/2010/main" xmlns:ma14="http://schemas.microsoft.com/office/mac/drawingml/2011/main" val="1"/>
+              <ma14:wrappingTextBoxFlag xmlns:ma14="http://schemas.microsoft.com/office/mac/drawingml/2011/main" xmlns:a14="http://schemas.microsoft.com/office/drawing/2010/main" xmlns:m="http://schemas.openxmlformats.org/officeDocument/2006/math" xmlns="" val="1"/>
             </a:ext>
           </a:extLst>
         </p:spPr>
@@ -4125,7 +4125,7 @@
           </a:ln>
           <a:extLst>
             <a:ext uri="{C572A759-6A51-4108-AA02-DFA0A04FC94B}">
-              <ma14:wrappingTextBoxFlag xmlns="" xmlns:m="http://schemas.openxmlformats.org/officeDocument/2006/math" xmlns:a14="http://schemas.microsoft.com/office/drawing/2010/main" xmlns:ma14="http://schemas.microsoft.com/office/mac/drawingml/2011/main" val="1"/>
+              <ma14:wrappingTextBoxFlag xmlns:ma14="http://schemas.microsoft.com/office/mac/drawingml/2011/main" xmlns:a14="http://schemas.microsoft.com/office/drawing/2010/main" xmlns:m="http://schemas.openxmlformats.org/officeDocument/2006/math" xmlns="" val="1"/>
             </a:ext>
           </a:extLst>
         </p:spPr>
@@ -4717,7 +4717,7 @@
           </a:ln>
           <a:extLst>
             <a:ext uri="{C572A759-6A51-4108-AA02-DFA0A04FC94B}">
-              <ma14:wrappingTextBoxFlag xmlns:ma14="http://schemas.microsoft.com/office/mac/drawingml/2011/main" xmlns:a14="http://schemas.microsoft.com/office/drawing/2010/main" xmlns:m="http://schemas.openxmlformats.org/officeDocument/2006/math" xmlns="" val="1"/>
+              <ma14:wrappingTextBoxFlag xmlns="" xmlns:m="http://schemas.openxmlformats.org/officeDocument/2006/math" xmlns:a14="http://schemas.microsoft.com/office/drawing/2010/main" xmlns:ma14="http://schemas.microsoft.com/office/mac/drawingml/2011/main" val="1"/>
             </a:ext>
           </a:extLst>
         </p:spPr>
@@ -4775,7 +4775,7 @@
           <a:effectLst/>
           <a:extLst>
             <a:ext uri="{C572A759-6A51-4108-AA02-DFA0A04FC94B}">
-              <ma14:wrappingTextBoxFlag xmlns="" xmlns:m="http://schemas.openxmlformats.org/officeDocument/2006/math" xmlns:a14="http://schemas.microsoft.com/office/drawing/2010/main" xmlns:ma14="http://schemas.microsoft.com/office/mac/drawingml/2011/main" val="1"/>
+              <ma14:wrappingTextBoxFlag xmlns:ma14="http://schemas.microsoft.com/office/mac/drawingml/2011/main" xmlns:a14="http://schemas.microsoft.com/office/drawing/2010/main" xmlns:m="http://schemas.openxmlformats.org/officeDocument/2006/math" xmlns="" val="1"/>
             </a:ext>
           </a:extLst>
         </p:spPr>
@@ -4834,7 +4834,7 @@
           <a:effectLst/>
           <a:extLst>
             <a:ext uri="{C572A759-6A51-4108-AA02-DFA0A04FC94B}">
-              <ma14:wrappingTextBoxFlag xmlns="" xmlns:m="http://schemas.openxmlformats.org/officeDocument/2006/math" xmlns:a14="http://schemas.microsoft.com/office/drawing/2010/main" xmlns:ma14="http://schemas.microsoft.com/office/mac/drawingml/2011/main" val="1"/>
+              <ma14:wrappingTextBoxFlag xmlns:ma14="http://schemas.microsoft.com/office/mac/drawingml/2011/main" xmlns:a14="http://schemas.microsoft.com/office/drawing/2010/main" xmlns:m="http://schemas.openxmlformats.org/officeDocument/2006/math" xmlns="" val="1"/>
             </a:ext>
           </a:extLst>
         </p:spPr>
@@ -4897,7 +4897,7 @@
           <a:effectLst/>
           <a:extLst>
             <a:ext uri="{C572A759-6A51-4108-AA02-DFA0A04FC94B}">
-              <ma14:wrappingTextBoxFlag xmlns="" xmlns:m="http://schemas.openxmlformats.org/officeDocument/2006/math" xmlns:a14="http://schemas.microsoft.com/office/drawing/2010/main" xmlns:ma14="http://schemas.microsoft.com/office/mac/drawingml/2011/main" val="1"/>
+              <ma14:wrappingTextBoxFlag xmlns:ma14="http://schemas.microsoft.com/office/mac/drawingml/2011/main" xmlns:a14="http://schemas.microsoft.com/office/drawing/2010/main" xmlns:m="http://schemas.openxmlformats.org/officeDocument/2006/math" xmlns="" val="1"/>
             </a:ext>
           </a:extLst>
         </p:spPr>
@@ -4973,7 +4973,7 @@
           <a:effectLst/>
           <a:extLst>
             <a:ext uri="{C572A759-6A51-4108-AA02-DFA0A04FC94B}">
-              <ma14:wrappingTextBoxFlag xmlns="" xmlns:m="http://schemas.openxmlformats.org/officeDocument/2006/math" xmlns:a14="http://schemas.microsoft.com/office/drawing/2010/main" xmlns:ma14="http://schemas.microsoft.com/office/mac/drawingml/2011/main" val="1"/>
+              <ma14:wrappingTextBoxFlag xmlns:ma14="http://schemas.microsoft.com/office/mac/drawingml/2011/main" xmlns:a14="http://schemas.microsoft.com/office/drawing/2010/main" xmlns:m="http://schemas.openxmlformats.org/officeDocument/2006/math" xmlns="" val="1"/>
             </a:ext>
           </a:extLst>
         </p:spPr>
@@ -5032,7 +5032,7 @@
           <a:effectLst/>
           <a:extLst>
             <a:ext uri="{C572A759-6A51-4108-AA02-DFA0A04FC94B}">
-              <ma14:wrappingTextBoxFlag xmlns="" xmlns:m="http://schemas.openxmlformats.org/officeDocument/2006/math" xmlns:a14="http://schemas.microsoft.com/office/drawing/2010/main" xmlns:ma14="http://schemas.microsoft.com/office/mac/drawingml/2011/main" val="1"/>
+              <ma14:wrappingTextBoxFlag xmlns:ma14="http://schemas.microsoft.com/office/mac/drawingml/2011/main" xmlns:a14="http://schemas.microsoft.com/office/drawing/2010/main" xmlns:m="http://schemas.openxmlformats.org/officeDocument/2006/math" xmlns="" val="1"/>
             </a:ext>
           </a:extLst>
         </p:spPr>
@@ -5107,7 +5107,7 @@
           <a:effectLst/>
           <a:extLst>
             <a:ext uri="{C572A759-6A51-4108-AA02-DFA0A04FC94B}">
-              <ma14:wrappingTextBoxFlag xmlns="" xmlns:m="http://schemas.openxmlformats.org/officeDocument/2006/math" xmlns:a14="http://schemas.microsoft.com/office/drawing/2010/main" xmlns:ma14="http://schemas.microsoft.com/office/mac/drawingml/2011/main" val="1"/>
+              <ma14:wrappingTextBoxFlag xmlns:ma14="http://schemas.microsoft.com/office/mac/drawingml/2011/main" xmlns:a14="http://schemas.microsoft.com/office/drawing/2010/main" xmlns:m="http://schemas.openxmlformats.org/officeDocument/2006/math" xmlns="" val="1"/>
             </a:ext>
           </a:extLst>
         </p:spPr>
@@ -5388,7 +5388,7 @@
             <a:effectLst/>
             <a:extLst>
               <a:ext uri="{C572A759-6A51-4108-AA02-DFA0A04FC94B}">
-                <ma14:wrappingTextBoxFlag xmlns="" xmlns:m="http://schemas.openxmlformats.org/officeDocument/2006/math" xmlns:a14="http://schemas.microsoft.com/office/drawing/2010/main" xmlns:ma14="http://schemas.microsoft.com/office/mac/drawingml/2011/main" val="1"/>
+                <ma14:wrappingTextBoxFlag xmlns:ma14="http://schemas.microsoft.com/office/mac/drawingml/2011/main" xmlns:a14="http://schemas.microsoft.com/office/drawing/2010/main" xmlns:m="http://schemas.openxmlformats.org/officeDocument/2006/math" xmlns="" val="1"/>
               </a:ext>
             </a:extLst>
           </p:spPr>
@@ -5502,7 +5502,7 @@
             <a:effectLst/>
             <a:extLst>
               <a:ext uri="{C572A759-6A51-4108-AA02-DFA0A04FC94B}">
-                <ma14:wrappingTextBoxFlag xmlns="" xmlns:m="http://schemas.openxmlformats.org/officeDocument/2006/math" xmlns:a14="http://schemas.microsoft.com/office/drawing/2010/main" xmlns:ma14="http://schemas.microsoft.com/office/mac/drawingml/2011/main" val="1"/>
+                <ma14:wrappingTextBoxFlag xmlns:ma14="http://schemas.microsoft.com/office/mac/drawingml/2011/main" xmlns:a14="http://schemas.microsoft.com/office/drawing/2010/main" xmlns:m="http://schemas.openxmlformats.org/officeDocument/2006/math" xmlns="" val="1"/>
               </a:ext>
             </a:extLst>
           </p:spPr>
@@ -5605,7 +5605,7 @@
             <a:effectLst/>
             <a:extLst>
               <a:ext uri="{C572A759-6A51-4108-AA02-DFA0A04FC94B}">
-                <ma14:wrappingTextBoxFlag xmlns="" xmlns:m="http://schemas.openxmlformats.org/officeDocument/2006/math" xmlns:a14="http://schemas.microsoft.com/office/drawing/2010/main" xmlns:ma14="http://schemas.microsoft.com/office/mac/drawingml/2011/main" val="1"/>
+                <ma14:wrappingTextBoxFlag xmlns:ma14="http://schemas.microsoft.com/office/mac/drawingml/2011/main" xmlns:a14="http://schemas.microsoft.com/office/drawing/2010/main" xmlns:m="http://schemas.openxmlformats.org/officeDocument/2006/math" xmlns="" val="1"/>
               </a:ext>
             </a:extLst>
           </p:spPr>
@@ -5706,7 +5706,7 @@
             <a:effectLst/>
             <a:extLst>
               <a:ext uri="{C572A759-6A51-4108-AA02-DFA0A04FC94B}">
-                <ma14:wrappingTextBoxFlag xmlns="" xmlns:m="http://schemas.openxmlformats.org/officeDocument/2006/math" xmlns:a14="http://schemas.microsoft.com/office/drawing/2010/main" xmlns:ma14="http://schemas.microsoft.com/office/mac/drawingml/2011/main" val="1"/>
+                <ma14:wrappingTextBoxFlag xmlns:ma14="http://schemas.microsoft.com/office/mac/drawingml/2011/main" xmlns:a14="http://schemas.microsoft.com/office/drawing/2010/main" xmlns:m="http://schemas.openxmlformats.org/officeDocument/2006/math" xmlns="" val="1"/>
               </a:ext>
             </a:extLst>
           </p:spPr>
@@ -5769,7 +5769,7 @@
           <a:effectLst/>
           <a:extLst>
             <a:ext uri="{C572A759-6A51-4108-AA02-DFA0A04FC94B}">
-              <ma14:wrappingTextBoxFlag xmlns="" xmlns:m="http://schemas.openxmlformats.org/officeDocument/2006/math" xmlns:a14="http://schemas.microsoft.com/office/drawing/2010/main" xmlns:ma14="http://schemas.microsoft.com/office/mac/drawingml/2011/main" val="1"/>
+              <ma14:wrappingTextBoxFlag xmlns:ma14="http://schemas.microsoft.com/office/mac/drawingml/2011/main" xmlns:a14="http://schemas.microsoft.com/office/drawing/2010/main" xmlns:m="http://schemas.openxmlformats.org/officeDocument/2006/math" xmlns="" val="1"/>
             </a:ext>
           </a:extLst>
         </p:spPr>
@@ -5803,580 +5803,6 @@
           </a:p>
         </p:txBody>
       </p:sp>
-      <p:grpSp>
-        <p:nvGrpSpPr>
-          <p:cNvPr id="31" name="Grupo 30">
-            <a:extLst>
-              <a:ext uri="{FF2B5EF4-FFF2-40B4-BE49-F238E27FC236}">
-                <a16:creationId xmlns:a16="http://schemas.microsoft.com/office/drawing/2014/main" id="{52D0DFA1-8EEA-B342-6282-6C77C63FDC9A}"/>
-              </a:ext>
-            </a:extLst>
-          </p:cNvPr>
-          <p:cNvGrpSpPr/>
-          <p:nvPr/>
-        </p:nvGrpSpPr>
-        <p:grpSpPr>
-          <a:xfrm>
-            <a:off x="832731" y="1060449"/>
-            <a:ext cx="4909467" cy="609554"/>
-            <a:chOff x="832731" y="1176561"/>
-            <a:chExt cx="4909467" cy="609554"/>
-          </a:xfrm>
-        </p:grpSpPr>
-        <p:pic>
-          <p:nvPicPr>
-            <p:cNvPr id="18" name="Gráfico 17">
-              <a:extLst>
-                <a:ext uri="{FF2B5EF4-FFF2-40B4-BE49-F238E27FC236}">
-                  <a16:creationId xmlns:a16="http://schemas.microsoft.com/office/drawing/2014/main" id="{E4F7C7A2-65E9-42BA-BB5B-0867AE92655B}"/>
-                </a:ext>
-              </a:extLst>
-            </p:cNvPr>
-            <p:cNvPicPr>
-              <a:picLocks noChangeAspect="1"/>
-            </p:cNvPicPr>
-            <p:nvPr/>
-          </p:nvPicPr>
-          <p:blipFill>
-            <a:blip r:embed="rId3" cstate="print">
-              <a:extLst>
-                <a:ext uri="{28A0092B-C50C-407E-A947-70E740481C1C}">
-                  <a14:useLocalDpi xmlns:a14="http://schemas.microsoft.com/office/drawing/2010/main" val="0"/>
-                </a:ext>
-                <a:ext uri="{96DAC541-7B7A-43D3-8B79-37D633B846F1}">
-                  <asvg:svgBlip xmlns:asvg="http://schemas.microsoft.com/office/drawing/2016/SVG/main" r:embed="rId4"/>
-                </a:ext>
-              </a:extLst>
-            </a:blip>
-            <a:stretch>
-              <a:fillRect/>
-            </a:stretch>
-          </p:blipFill>
-          <p:spPr>
-            <a:xfrm>
-              <a:off x="832731" y="1189473"/>
-              <a:ext cx="681263" cy="562907"/>
-            </a:xfrm>
-            <a:prstGeom prst="rect">
-              <a:avLst/>
-            </a:prstGeom>
-          </p:spPr>
-        </p:pic>
-        <p:sp>
-          <p:nvSpPr>
-            <p:cNvPr id="26" name="Rectángulo 16">
-              <a:extLst>
-                <a:ext uri="{FF2B5EF4-FFF2-40B4-BE49-F238E27FC236}">
-                  <a16:creationId xmlns:a16="http://schemas.microsoft.com/office/drawing/2014/main" id="{363620B5-F309-47F1-9A59-8C8BE920EE26}"/>
-                </a:ext>
-              </a:extLst>
-            </p:cNvPr>
-            <p:cNvSpPr/>
-            <p:nvPr/>
-          </p:nvSpPr>
-          <p:spPr>
-            <a:xfrm>
-              <a:off x="919111" y="1460841"/>
-              <a:ext cx="351673" cy="237793"/>
-            </a:xfrm>
-            <a:prstGeom prst="rect">
-              <a:avLst/>
-            </a:prstGeom>
-            <a:noFill/>
-            <a:ln w="12700" cap="flat">
-              <a:noFill/>
-              <a:miter lim="400000"/>
-            </a:ln>
-            <a:effectLst/>
-            <a:extLst>
-              <a:ext uri="{C572A759-6A51-4108-AA02-DFA0A04FC94B}">
-                <ma14:wrappingTextBoxFlag xmlns="" xmlns:m="http://schemas.openxmlformats.org/officeDocument/2006/math" xmlns:a14="http://schemas.microsoft.com/office/drawing/2010/main" xmlns:ma14="http://schemas.microsoft.com/office/mac/drawingml/2011/main" val="1"/>
-              </a:ext>
-            </a:extLst>
-          </p:spPr>
-          <p:txBody>
-            <a:bodyPr wrap="square" lIns="45719" tIns="45719" rIns="45719" bIns="45719" numCol="1" anchor="t">
-              <a:spAutoFit/>
-            </a:bodyPr>
-            <a:lstStyle>
-              <a:lvl1pPr>
-                <a:defRPr sz="1200">
-                  <a:solidFill>
-                    <a:srgbClr val="FFFFFF"/>
-                  </a:solidFill>
-                  <a:latin typeface="Open Sans"/>
-                  <a:ea typeface="Open Sans"/>
-                  <a:cs typeface="Open Sans"/>
-                  <a:sym typeface="Open Sans"/>
-                </a:defRPr>
-              </a:lvl1pPr>
-            </a:lstStyle>
-            <a:p>
-              <a:r>
-                <a:rPr lang="es-ES_tradnl" sz="1100" b="1" dirty="0">
-                  <a:solidFill>
-                    <a:schemeClr val="bg1"/>
-                  </a:solidFill>
-                  <a:latin typeface="Montserrat SemiBold" panose="00000700000000000000" pitchFamily="2" charset="0"/>
-                </a:rPr>
-                <a:t>TS</a:t>
-              </a:r>
-            </a:p>
-          </p:txBody>
-        </p:sp>
-        <p:cxnSp>
-          <p:nvCxnSpPr>
-            <p:cNvPr id="41" name="Conector recto de flecha 40">
-              <a:extLst>
-                <a:ext uri="{FF2B5EF4-FFF2-40B4-BE49-F238E27FC236}">
-                  <a16:creationId xmlns:a16="http://schemas.microsoft.com/office/drawing/2014/main" id="{CEB54922-B967-4483-8312-C9C1E4EE97BF}"/>
-                </a:ext>
-              </a:extLst>
-            </p:cNvPr>
-            <p:cNvCxnSpPr>
-              <a:cxnSpLocks/>
-            </p:cNvCxnSpPr>
-            <p:nvPr/>
-          </p:nvCxnSpPr>
-          <p:spPr>
-            <a:xfrm>
-              <a:off x="1594567" y="1529841"/>
-              <a:ext cx="939890" cy="0"/>
-            </a:xfrm>
-            <a:prstGeom prst="straightConnector1">
-              <a:avLst/>
-            </a:prstGeom>
-            <a:noFill/>
-            <a:ln w="31750" cap="flat">
-              <a:solidFill>
-                <a:schemeClr val="tx1">
-                  <a:lumMod val="50000"/>
-                  <a:lumOff val="50000"/>
-                </a:schemeClr>
-              </a:solidFill>
-              <a:prstDash val="solid"/>
-              <a:round/>
-              <a:tailEnd type="triangle"/>
-            </a:ln>
-            <a:effectLst/>
-            <a:sp3d/>
-          </p:spPr>
-          <p:style>
-            <a:lnRef idx="0">
-              <a:scrgbClr r="0" g="0" b="0"/>
-            </a:lnRef>
-            <a:fillRef idx="0">
-              <a:scrgbClr r="0" g="0" b="0"/>
-            </a:fillRef>
-            <a:effectRef idx="0">
-              <a:scrgbClr r="0" g="0" b="0"/>
-            </a:effectRef>
-            <a:fontRef idx="none"/>
-          </p:style>
-        </p:cxnSp>
-        <p:sp>
-          <p:nvSpPr>
-            <p:cNvPr id="43" name="Rectángulo 16">
-              <a:extLst>
-                <a:ext uri="{FF2B5EF4-FFF2-40B4-BE49-F238E27FC236}">
-                  <a16:creationId xmlns:a16="http://schemas.microsoft.com/office/drawing/2014/main" id="{6476C6B3-24CF-4744-AD26-451A72E3FDE3}"/>
-                </a:ext>
-              </a:extLst>
-            </p:cNvPr>
-            <p:cNvSpPr/>
-            <p:nvPr/>
-          </p:nvSpPr>
-          <p:spPr>
-            <a:xfrm>
-              <a:off x="1829122" y="1181918"/>
-              <a:ext cx="458599" cy="335708"/>
-            </a:xfrm>
-            <a:prstGeom prst="rect">
-              <a:avLst/>
-            </a:prstGeom>
-            <a:noFill/>
-            <a:ln w="12700" cap="flat">
-              <a:noFill/>
-              <a:miter lim="400000"/>
-            </a:ln>
-            <a:effectLst/>
-            <a:extLst>
-              <a:ext uri="{C572A759-6A51-4108-AA02-DFA0A04FC94B}">
-                <ma14:wrappingTextBoxFlag xmlns="" xmlns:m="http://schemas.openxmlformats.org/officeDocument/2006/math" xmlns:a14="http://schemas.microsoft.com/office/drawing/2010/main" xmlns:ma14="http://schemas.microsoft.com/office/mac/drawingml/2011/main" val="1"/>
-              </a:ext>
-            </a:extLst>
-          </p:spPr>
-          <p:txBody>
-            <a:bodyPr wrap="square" lIns="45719" tIns="45719" rIns="45719" bIns="45719" numCol="1" anchor="t">
-              <a:spAutoFit/>
-            </a:bodyPr>
-            <a:lstStyle>
-              <a:lvl1pPr>
-                <a:defRPr sz="1200">
-                  <a:solidFill>
-                    <a:srgbClr val="FFFFFF"/>
-                  </a:solidFill>
-                  <a:latin typeface="Open Sans"/>
-                  <a:ea typeface="Open Sans"/>
-                  <a:cs typeface="Open Sans"/>
-                  <a:sym typeface="Open Sans"/>
-                </a:defRPr>
-              </a:lvl1pPr>
-            </a:lstStyle>
-            <a:p>
-              <a:pPr algn="ctr"/>
-              <a:r>
-                <a:rPr lang="es-ES_tradnl" sz="1800" b="1" dirty="0">
-                  <a:solidFill>
-                    <a:schemeClr val="bg1">
-                      <a:lumMod val="50000"/>
-                    </a:schemeClr>
-                  </a:solidFill>
-                </a:rPr>
-                <a:t>TS</a:t>
-              </a:r>
-            </a:p>
-          </p:txBody>
-        </p:sp>
-        <p:cxnSp>
-          <p:nvCxnSpPr>
-            <p:cNvPr id="44" name="Conector recto de flecha 43">
-              <a:extLst>
-                <a:ext uri="{FF2B5EF4-FFF2-40B4-BE49-F238E27FC236}">
-                  <a16:creationId xmlns:a16="http://schemas.microsoft.com/office/drawing/2014/main" id="{33F52C22-A7A3-4ABB-B12C-9F9D5E4D95EE}"/>
-                </a:ext>
-              </a:extLst>
-            </p:cNvPr>
-            <p:cNvCxnSpPr>
-              <a:cxnSpLocks/>
-            </p:cNvCxnSpPr>
-            <p:nvPr/>
-          </p:nvCxnSpPr>
-          <p:spPr>
-            <a:xfrm>
-              <a:off x="3837570" y="1529841"/>
-              <a:ext cx="1092469" cy="0"/>
-            </a:xfrm>
-            <a:prstGeom prst="straightConnector1">
-              <a:avLst/>
-            </a:prstGeom>
-            <a:noFill/>
-            <a:ln w="31750" cap="flat">
-              <a:solidFill>
-                <a:schemeClr val="tx1">
-                  <a:lumMod val="50000"/>
-                  <a:lumOff val="50000"/>
-                </a:schemeClr>
-              </a:solidFill>
-              <a:prstDash val="solid"/>
-              <a:round/>
-              <a:tailEnd type="triangle"/>
-            </a:ln>
-            <a:effectLst/>
-            <a:sp3d/>
-          </p:spPr>
-          <p:style>
-            <a:lnRef idx="0">
-              <a:scrgbClr r="0" g="0" b="0"/>
-            </a:lnRef>
-            <a:fillRef idx="0">
-              <a:scrgbClr r="0" g="0" b="0"/>
-            </a:fillRef>
-            <a:effectRef idx="0">
-              <a:scrgbClr r="0" g="0" b="0"/>
-            </a:effectRef>
-            <a:fontRef idx="none"/>
-          </p:style>
-        </p:cxnSp>
-        <p:sp>
-          <p:nvSpPr>
-            <p:cNvPr id="45" name="Rectángulo 16">
-              <a:extLst>
-                <a:ext uri="{FF2B5EF4-FFF2-40B4-BE49-F238E27FC236}">
-                  <a16:creationId xmlns:a16="http://schemas.microsoft.com/office/drawing/2014/main" id="{87BFF434-2BAF-4BD6-89BC-AF4486EB71D5}"/>
-                </a:ext>
-              </a:extLst>
-            </p:cNvPr>
-            <p:cNvSpPr/>
-            <p:nvPr/>
-          </p:nvSpPr>
-          <p:spPr>
-            <a:xfrm>
-              <a:off x="4072124" y="1181918"/>
-              <a:ext cx="640208" cy="335708"/>
-            </a:xfrm>
-            <a:prstGeom prst="rect">
-              <a:avLst/>
-            </a:prstGeom>
-            <a:noFill/>
-            <a:ln w="12700" cap="flat">
-              <a:noFill/>
-              <a:miter lim="400000"/>
-            </a:ln>
-            <a:effectLst/>
-            <a:extLst>
-              <a:ext uri="{C572A759-6A51-4108-AA02-DFA0A04FC94B}">
-                <ma14:wrappingTextBoxFlag xmlns="" xmlns:m="http://schemas.openxmlformats.org/officeDocument/2006/math" xmlns:a14="http://schemas.microsoft.com/office/drawing/2010/main" xmlns:ma14="http://schemas.microsoft.com/office/mac/drawingml/2011/main" val="1"/>
-              </a:ext>
-            </a:extLst>
-          </p:spPr>
-          <p:txBody>
-            <a:bodyPr wrap="square" lIns="45719" tIns="45719" rIns="45719" bIns="45719" numCol="1" anchor="t">
-              <a:spAutoFit/>
-            </a:bodyPr>
-            <a:lstStyle>
-              <a:lvl1pPr>
-                <a:defRPr sz="1200">
-                  <a:solidFill>
-                    <a:srgbClr val="FFFFFF"/>
-                  </a:solidFill>
-                  <a:latin typeface="Open Sans"/>
-                  <a:ea typeface="Open Sans"/>
-                  <a:cs typeface="Open Sans"/>
-                  <a:sym typeface="Open Sans"/>
-                </a:defRPr>
-              </a:lvl1pPr>
-            </a:lstStyle>
-            <a:p>
-              <a:pPr algn="ctr"/>
-              <a:r>
-                <a:rPr lang="es-ES_tradnl" sz="1800" b="1" dirty="0">
-                  <a:solidFill>
-                    <a:schemeClr val="bg1">
-                      <a:lumMod val="50000"/>
-                    </a:schemeClr>
-                  </a:solidFill>
-                </a:rPr>
-                <a:t>ES5</a:t>
-              </a:r>
-            </a:p>
-          </p:txBody>
-        </p:sp>
-        <p:pic>
-          <p:nvPicPr>
-            <p:cNvPr id="46" name="Gráfico 45">
-              <a:extLst>
-                <a:ext uri="{FF2B5EF4-FFF2-40B4-BE49-F238E27FC236}">
-                  <a16:creationId xmlns:a16="http://schemas.microsoft.com/office/drawing/2014/main" id="{83253009-27F2-4E1B-88BC-4B9042273933}"/>
-                </a:ext>
-              </a:extLst>
-            </p:cNvPr>
-            <p:cNvPicPr>
-              <a:picLocks noChangeAspect="1"/>
-            </p:cNvPicPr>
-            <p:nvPr/>
-          </p:nvPicPr>
-          <p:blipFill>
-            <a:blip r:embed="rId5" cstate="print">
-              <a:extLst>
-                <a:ext uri="{28A0092B-C50C-407E-A947-70E740481C1C}">
-                  <a14:useLocalDpi xmlns:a14="http://schemas.microsoft.com/office/drawing/2010/main" val="0"/>
-                </a:ext>
-                <a:ext uri="{96DAC541-7B7A-43D3-8B79-37D633B846F1}">
-                  <asvg:svgBlip xmlns:asvg="http://schemas.microsoft.com/office/drawing/2016/SVG/main" r:embed="rId6"/>
-                </a:ext>
-              </a:extLst>
-            </a:blip>
-            <a:stretch>
-              <a:fillRect/>
-            </a:stretch>
-          </p:blipFill>
-          <p:spPr>
-            <a:xfrm>
-              <a:off x="5060935" y="1187706"/>
-              <a:ext cx="681263" cy="562907"/>
-            </a:xfrm>
-            <a:prstGeom prst="rect">
-              <a:avLst/>
-            </a:prstGeom>
-          </p:spPr>
-        </p:pic>
-        <p:grpSp>
-          <p:nvGrpSpPr>
-            <p:cNvPr id="49" name="Grupo 48">
-              <a:extLst>
-                <a:ext uri="{FF2B5EF4-FFF2-40B4-BE49-F238E27FC236}">
-                  <a16:creationId xmlns:a16="http://schemas.microsoft.com/office/drawing/2014/main" id="{3226300C-DF48-41F8-9BBB-B7A987138AC9}"/>
-                </a:ext>
-              </a:extLst>
-            </p:cNvPr>
-            <p:cNvGrpSpPr/>
-            <p:nvPr/>
-          </p:nvGrpSpPr>
-          <p:grpSpPr>
-            <a:xfrm>
-              <a:off x="2615031" y="1176561"/>
-              <a:ext cx="1081934" cy="609554"/>
-              <a:chOff x="3072690" y="3335874"/>
-              <a:chExt cx="1174632" cy="800924"/>
-            </a:xfrm>
-          </p:grpSpPr>
-          <p:pic>
-            <p:nvPicPr>
-              <p:cNvPr id="36" name="Gráfico 35">
-                <a:extLst>
-                  <a:ext uri="{FF2B5EF4-FFF2-40B4-BE49-F238E27FC236}">
-                    <a16:creationId xmlns:a16="http://schemas.microsoft.com/office/drawing/2014/main" id="{18615DC2-E1B9-40A5-B00D-BB7963BDEFE1}"/>
-                  </a:ext>
-                </a:extLst>
-              </p:cNvPr>
-              <p:cNvPicPr>
-                <a:picLocks noChangeAspect="1"/>
-              </p:cNvPicPr>
-              <p:nvPr/>
-            </p:nvPicPr>
-            <p:blipFill>
-              <a:blip r:embed="rId7">
-                <a:extLst>
-                  <a:ext uri="{28A0092B-C50C-407E-A947-70E740481C1C}">
-                    <a14:useLocalDpi xmlns:a14="http://schemas.microsoft.com/office/drawing/2010/main" val="0"/>
-                  </a:ext>
-                  <a:ext uri="{96DAC541-7B7A-43D3-8B79-37D633B846F1}">
-                    <asvg:svgBlip xmlns:asvg="http://schemas.microsoft.com/office/drawing/2016/SVG/main" r:embed="rId8"/>
-                  </a:ext>
-                </a:extLst>
-              </a:blip>
-              <a:stretch>
-                <a:fillRect/>
-              </a:stretch>
-            </p:blipFill>
-            <p:spPr>
-              <a:xfrm rot="20700000">
-                <a:off x="3072690" y="3335874"/>
-                <a:ext cx="739632" cy="739632"/>
-              </a:xfrm>
-              <a:prstGeom prst="rect">
-                <a:avLst/>
-              </a:prstGeom>
-            </p:spPr>
-          </p:pic>
-          <p:sp>
-            <p:nvSpPr>
-              <p:cNvPr id="50" name="Rectángulo 16">
-                <a:extLst>
-                  <a:ext uri="{FF2B5EF4-FFF2-40B4-BE49-F238E27FC236}">
-                    <a16:creationId xmlns:a16="http://schemas.microsoft.com/office/drawing/2014/main" id="{118861E6-77EF-4F27-8E85-28F24F9A1E49}"/>
-                  </a:ext>
-                </a:extLst>
-              </p:cNvPr>
-              <p:cNvSpPr/>
-              <p:nvPr/>
-            </p:nvSpPr>
-            <p:spPr>
-              <a:xfrm>
-                <a:off x="3637888" y="3508217"/>
-                <a:ext cx="409726" cy="307775"/>
-              </a:xfrm>
-              <a:prstGeom prst="rect">
-                <a:avLst/>
-              </a:prstGeom>
-              <a:noFill/>
-              <a:ln w="12700" cap="flat">
-                <a:noFill/>
-                <a:miter lim="400000"/>
-              </a:ln>
-              <a:effectLst/>
-              <a:extLst>
-                <a:ext uri="{C572A759-6A51-4108-AA02-DFA0A04FC94B}">
-                  <ma14:wrappingTextBoxFlag xmlns="" xmlns:m="http://schemas.openxmlformats.org/officeDocument/2006/math" xmlns:a14="http://schemas.microsoft.com/office/drawing/2010/main" xmlns:ma14="http://schemas.microsoft.com/office/mac/drawingml/2011/main" val="1"/>
-                </a:ext>
-              </a:extLst>
-            </p:spPr>
-            <p:txBody>
-              <a:bodyPr wrap="none" lIns="45719" tIns="45719" rIns="45719" bIns="45719" numCol="1" anchor="t">
-                <a:spAutoFit/>
-              </a:bodyPr>
-              <a:lstStyle>
-                <a:lvl1pPr>
-                  <a:defRPr sz="1200">
-                    <a:solidFill>
-                      <a:srgbClr val="FFFFFF"/>
-                    </a:solidFill>
-                    <a:latin typeface="Open Sans"/>
-                    <a:ea typeface="Open Sans"/>
-                    <a:cs typeface="Open Sans"/>
-                    <a:sym typeface="Open Sans"/>
-                  </a:defRPr>
-                </a:lvl1pPr>
-              </a:lstStyle>
-              <a:p>
-                <a:r>
-                  <a:rPr lang="es-ES_tradnl" sz="1400" b="1" dirty="0">
-                    <a:solidFill>
-                      <a:srgbClr val="006A7B"/>
-                    </a:solidFill>
-                  </a:rPr>
-                  <a:t>TSC</a:t>
-                </a:r>
-              </a:p>
-            </p:txBody>
-          </p:sp>
-          <p:sp>
-            <p:nvSpPr>
-              <p:cNvPr id="52" name="Rectángulo 16">
-                <a:extLst>
-                  <a:ext uri="{FF2B5EF4-FFF2-40B4-BE49-F238E27FC236}">
-                    <a16:creationId xmlns:a16="http://schemas.microsoft.com/office/drawing/2014/main" id="{95EF2BF7-C63A-4FF9-9A6F-747BC6E3882E}"/>
-                  </a:ext>
-                </a:extLst>
-              </p:cNvPr>
-              <p:cNvSpPr/>
-              <p:nvPr/>
-            </p:nvSpPr>
-            <p:spPr>
-              <a:xfrm>
-                <a:off x="3668674" y="3895242"/>
-                <a:ext cx="578648" cy="241556"/>
-              </a:xfrm>
-              <a:prstGeom prst="roundRect">
-                <a:avLst/>
-              </a:prstGeom>
-              <a:solidFill>
-                <a:srgbClr val="006A7B"/>
-              </a:solidFill>
-              <a:ln w="12700" cap="flat">
-                <a:noFill/>
-                <a:miter lim="400000"/>
-              </a:ln>
-              <a:effectLst/>
-              <a:extLst>
-                <a:ext uri="{C572A759-6A51-4108-AA02-DFA0A04FC94B}">
-                  <ma14:wrappingTextBoxFlag xmlns="" xmlns:m="http://schemas.openxmlformats.org/officeDocument/2006/math" xmlns:a14="http://schemas.microsoft.com/office/drawing/2010/main" xmlns:ma14="http://schemas.microsoft.com/office/mac/drawingml/2011/main" val="1"/>
-                </a:ext>
-              </a:extLst>
-            </p:spPr>
-            <p:txBody>
-              <a:bodyPr wrap="none" lIns="45719" tIns="45719" rIns="45719" bIns="45719" numCol="1" anchor="ctr" anchorCtr="0">
-                <a:noAutofit/>
-              </a:bodyPr>
-              <a:lstStyle>
-                <a:lvl1pPr>
-                  <a:defRPr sz="1200">
-                    <a:solidFill>
-                      <a:srgbClr val="FFFFFF"/>
-                    </a:solidFill>
-                    <a:latin typeface="Open Sans"/>
-                    <a:ea typeface="Open Sans"/>
-                    <a:cs typeface="Open Sans"/>
-                    <a:sym typeface="Open Sans"/>
-                  </a:defRPr>
-                </a:lvl1pPr>
-              </a:lstStyle>
-              <a:p>
-                <a:pPr algn="ctr"/>
-                <a:r>
-                  <a:rPr lang="es-ES_tradnl" sz="1400" b="1" dirty="0">
-                    <a:solidFill>
-                      <a:schemeClr val="bg1"/>
-                    </a:solidFill>
-                  </a:rPr>
-                  <a:t>EXE</a:t>
-                </a:r>
-              </a:p>
-            </p:txBody>
-          </p:sp>
-        </p:grpSp>
-      </p:grpSp>
       <p:grpSp>
         <p:nvGrpSpPr>
           <p:cNvPr id="30" name="Grupo 29">
@@ -6464,7 +5890,7 @@
             <a:effectLst/>
             <a:extLst>
               <a:ext uri="{C572A759-6A51-4108-AA02-DFA0A04FC94B}">
-                <ma14:wrappingTextBoxFlag xmlns="" xmlns:m="http://schemas.openxmlformats.org/officeDocument/2006/math" xmlns:a14="http://schemas.microsoft.com/office/drawing/2010/main" xmlns:ma14="http://schemas.microsoft.com/office/mac/drawingml/2011/main" val="1"/>
+                <ma14:wrappingTextBoxFlag xmlns:ma14="http://schemas.microsoft.com/office/mac/drawingml/2011/main" xmlns:a14="http://schemas.microsoft.com/office/drawing/2010/main" xmlns:m="http://schemas.openxmlformats.org/officeDocument/2006/math" xmlns="" val="1"/>
               </a:ext>
             </a:extLst>
           </p:spPr>
@@ -6576,7 +6002,7 @@
             <a:effectLst/>
             <a:extLst>
               <a:ext uri="{C572A759-6A51-4108-AA02-DFA0A04FC94B}">
-                <ma14:wrappingTextBoxFlag xmlns="" xmlns:m="http://schemas.openxmlformats.org/officeDocument/2006/math" xmlns:a14="http://schemas.microsoft.com/office/drawing/2010/main" xmlns:ma14="http://schemas.microsoft.com/office/mac/drawingml/2011/main" val="1"/>
+                <ma14:wrappingTextBoxFlag xmlns:ma14="http://schemas.microsoft.com/office/mac/drawingml/2011/main" xmlns:a14="http://schemas.microsoft.com/office/drawing/2010/main" xmlns:m="http://schemas.openxmlformats.org/officeDocument/2006/math" xmlns="" val="1"/>
               </a:ext>
             </a:extLst>
           </p:spPr>
@@ -6690,7 +6116,7 @@
             <a:effectLst/>
             <a:extLst>
               <a:ext uri="{C572A759-6A51-4108-AA02-DFA0A04FC94B}">
-                <ma14:wrappingTextBoxFlag xmlns="" xmlns:m="http://schemas.openxmlformats.org/officeDocument/2006/math" xmlns:a14="http://schemas.microsoft.com/office/drawing/2010/main" xmlns:ma14="http://schemas.microsoft.com/office/mac/drawingml/2011/main" val="1"/>
+                <ma14:wrappingTextBoxFlag xmlns:ma14="http://schemas.microsoft.com/office/mac/drawingml/2011/main" xmlns:a14="http://schemas.microsoft.com/office/drawing/2010/main" xmlns:m="http://schemas.openxmlformats.org/officeDocument/2006/math" xmlns="" val="1"/>
               </a:ext>
             </a:extLst>
           </p:spPr>
@@ -6793,7 +6219,7 @@
             <a:effectLst/>
             <a:extLst>
               <a:ext uri="{C572A759-6A51-4108-AA02-DFA0A04FC94B}">
-                <ma14:wrappingTextBoxFlag xmlns="" xmlns:m="http://schemas.openxmlformats.org/officeDocument/2006/math" xmlns:a14="http://schemas.microsoft.com/office/drawing/2010/main" xmlns:ma14="http://schemas.microsoft.com/office/mac/drawingml/2011/main" val="1"/>
+                <ma14:wrappingTextBoxFlag xmlns:ma14="http://schemas.microsoft.com/office/mac/drawingml/2011/main" xmlns:a14="http://schemas.microsoft.com/office/drawing/2010/main" xmlns:m="http://schemas.openxmlformats.org/officeDocument/2006/math" xmlns="" val="1"/>
               </a:ext>
             </a:extLst>
           </p:spPr>
@@ -6914,7 +6340,7 @@
               <a:effectLst/>
               <a:extLst>
                 <a:ext uri="{C572A759-6A51-4108-AA02-DFA0A04FC94B}">
-                  <ma14:wrappingTextBoxFlag xmlns="" xmlns:m="http://schemas.openxmlformats.org/officeDocument/2006/math" xmlns:a14="http://schemas.microsoft.com/office/drawing/2010/main" xmlns:ma14="http://schemas.microsoft.com/office/mac/drawingml/2011/main" val="1"/>
+                  <ma14:wrappingTextBoxFlag xmlns:ma14="http://schemas.microsoft.com/office/mac/drawingml/2011/main" xmlns:a14="http://schemas.microsoft.com/office/drawing/2010/main" xmlns:m="http://schemas.openxmlformats.org/officeDocument/2006/math" xmlns="" val="1"/>
                 </a:ext>
               </a:extLst>
             </p:spPr>
@@ -6977,7 +6403,7 @@
               <a:effectLst/>
               <a:extLst>
                 <a:ext uri="{C572A759-6A51-4108-AA02-DFA0A04FC94B}">
-                  <ma14:wrappingTextBoxFlag xmlns="" xmlns:m="http://schemas.openxmlformats.org/officeDocument/2006/math" xmlns:a14="http://schemas.microsoft.com/office/drawing/2010/main" xmlns:ma14="http://schemas.microsoft.com/office/mac/drawingml/2011/main" val="1"/>
+                  <ma14:wrappingTextBoxFlag xmlns:ma14="http://schemas.microsoft.com/office/mac/drawingml/2011/main" xmlns:a14="http://schemas.microsoft.com/office/drawing/2010/main" xmlns:m="http://schemas.openxmlformats.org/officeDocument/2006/math" xmlns="" val="1"/>
                 </a:ext>
               </a:extLst>
             </p:spPr>
@@ -7126,7 +6552,7 @@
             <a:effectLst/>
             <a:extLst>
               <a:ext uri="{C572A759-6A51-4108-AA02-DFA0A04FC94B}">
-                <ma14:wrappingTextBoxFlag xmlns="" xmlns:m="http://schemas.openxmlformats.org/officeDocument/2006/math" xmlns:a14="http://schemas.microsoft.com/office/drawing/2010/main" xmlns:ma14="http://schemas.microsoft.com/office/mac/drawingml/2011/main" val="1"/>
+                <ma14:wrappingTextBoxFlag xmlns:ma14="http://schemas.microsoft.com/office/mac/drawingml/2011/main" xmlns:a14="http://schemas.microsoft.com/office/drawing/2010/main" xmlns:m="http://schemas.openxmlformats.org/officeDocument/2006/math" xmlns="" val="1"/>
               </a:ext>
             </a:extLst>
           </p:spPr>
@@ -7261,7 +6687,7 @@
             <a:effectLst/>
             <a:extLst>
               <a:ext uri="{C572A759-6A51-4108-AA02-DFA0A04FC94B}">
-                <ma14:wrappingTextBoxFlag xmlns="" xmlns:m="http://schemas.openxmlformats.org/officeDocument/2006/math" xmlns:a14="http://schemas.microsoft.com/office/drawing/2010/main" xmlns:ma14="http://schemas.microsoft.com/office/mac/drawingml/2011/main" val="1"/>
+                <ma14:wrappingTextBoxFlag xmlns:ma14="http://schemas.microsoft.com/office/mac/drawingml/2011/main" xmlns:a14="http://schemas.microsoft.com/office/drawing/2010/main" xmlns:m="http://schemas.openxmlformats.org/officeDocument/2006/math" xmlns="" val="1"/>
               </a:ext>
             </a:extLst>
           </p:spPr>
@@ -7375,7 +6801,7 @@
             <a:effectLst/>
             <a:extLst>
               <a:ext uri="{C572A759-6A51-4108-AA02-DFA0A04FC94B}">
-                <ma14:wrappingTextBoxFlag xmlns="" xmlns:m="http://schemas.openxmlformats.org/officeDocument/2006/math" xmlns:a14="http://schemas.microsoft.com/office/drawing/2010/main" xmlns:ma14="http://schemas.microsoft.com/office/mac/drawingml/2011/main" val="1"/>
+                <ma14:wrappingTextBoxFlag xmlns:ma14="http://schemas.microsoft.com/office/mac/drawingml/2011/main" xmlns:a14="http://schemas.microsoft.com/office/drawing/2010/main" xmlns:m="http://schemas.openxmlformats.org/officeDocument/2006/math" xmlns="" val="1"/>
               </a:ext>
             </a:extLst>
           </p:spPr>
@@ -7478,7 +6904,7 @@
             <a:effectLst/>
             <a:extLst>
               <a:ext uri="{C572A759-6A51-4108-AA02-DFA0A04FC94B}">
-                <ma14:wrappingTextBoxFlag xmlns="" xmlns:m="http://schemas.openxmlformats.org/officeDocument/2006/math" xmlns:a14="http://schemas.microsoft.com/office/drawing/2010/main" xmlns:ma14="http://schemas.microsoft.com/office/mac/drawingml/2011/main" val="1"/>
+                <ma14:wrappingTextBoxFlag xmlns:ma14="http://schemas.microsoft.com/office/mac/drawingml/2011/main" xmlns:a14="http://schemas.microsoft.com/office/drawing/2010/main" xmlns:m="http://schemas.openxmlformats.org/officeDocument/2006/math" xmlns="" val="1"/>
               </a:ext>
             </a:extLst>
           </p:spPr>
@@ -7579,7 +7005,7 @@
             <a:effectLst/>
             <a:extLst>
               <a:ext uri="{C572A759-6A51-4108-AA02-DFA0A04FC94B}">
-                <ma14:wrappingTextBoxFlag xmlns="" xmlns:m="http://schemas.openxmlformats.org/officeDocument/2006/math" xmlns:a14="http://schemas.microsoft.com/office/drawing/2010/main" xmlns:ma14="http://schemas.microsoft.com/office/mac/drawingml/2011/main" val="1"/>
+                <ma14:wrappingTextBoxFlag xmlns:ma14="http://schemas.microsoft.com/office/mac/drawingml/2011/main" xmlns:a14="http://schemas.microsoft.com/office/drawing/2010/main" xmlns:m="http://schemas.openxmlformats.org/officeDocument/2006/math" xmlns="" val="1"/>
               </a:ext>
             </a:extLst>
           </p:spPr>
@@ -7688,7 +7114,7 @@
             <a:effectLst/>
             <a:extLst>
               <a:ext uri="{C572A759-6A51-4108-AA02-DFA0A04FC94B}">
-                <ma14:wrappingTextBoxFlag xmlns="" xmlns:m="http://schemas.openxmlformats.org/officeDocument/2006/math" xmlns:a14="http://schemas.microsoft.com/office/drawing/2010/main" xmlns:ma14="http://schemas.microsoft.com/office/mac/drawingml/2011/main" val="1"/>
+                <ma14:wrappingTextBoxFlag xmlns:ma14="http://schemas.microsoft.com/office/mac/drawingml/2011/main" xmlns:a14="http://schemas.microsoft.com/office/drawing/2010/main" xmlns:m="http://schemas.openxmlformats.org/officeDocument/2006/math" xmlns="" val="1"/>
               </a:ext>
             </a:extLst>
           </p:spPr>
@@ -7785,6 +7211,663 @@
           </p:txBody>
         </p:sp>
       </p:grpSp>
+      <p:grpSp>
+        <p:nvGrpSpPr>
+          <p:cNvPr id="3" name="Grupo 2">
+            <a:extLst>
+              <a:ext uri="{FF2B5EF4-FFF2-40B4-BE49-F238E27FC236}">
+                <a16:creationId xmlns:a16="http://schemas.microsoft.com/office/drawing/2014/main" id="{F5DBBDBF-2FE2-9026-4727-EA2223A114D9}"/>
+              </a:ext>
+            </a:extLst>
+          </p:cNvPr>
+          <p:cNvGrpSpPr/>
+          <p:nvPr/>
+        </p:nvGrpSpPr>
+        <p:grpSpPr>
+          <a:xfrm>
+            <a:off x="832731" y="1060449"/>
+            <a:ext cx="4909467" cy="609554"/>
+            <a:chOff x="832731" y="1060449"/>
+            <a:chExt cx="4909467" cy="609554"/>
+          </a:xfrm>
+        </p:grpSpPr>
+        <p:grpSp>
+          <p:nvGrpSpPr>
+            <p:cNvPr id="31" name="Grupo 30">
+              <a:extLst>
+                <a:ext uri="{FF2B5EF4-FFF2-40B4-BE49-F238E27FC236}">
+                  <a16:creationId xmlns:a16="http://schemas.microsoft.com/office/drawing/2014/main" id="{52D0DFA1-8EEA-B342-6282-6C77C63FDC9A}"/>
+                </a:ext>
+              </a:extLst>
+            </p:cNvPr>
+            <p:cNvGrpSpPr/>
+            <p:nvPr/>
+          </p:nvGrpSpPr>
+          <p:grpSpPr>
+            <a:xfrm>
+              <a:off x="832731" y="1060449"/>
+              <a:ext cx="4909467" cy="609554"/>
+              <a:chOff x="832731" y="1176561"/>
+              <a:chExt cx="4909467" cy="609554"/>
+            </a:xfrm>
+          </p:grpSpPr>
+          <p:pic>
+            <p:nvPicPr>
+              <p:cNvPr id="18" name="Gráfico 17">
+                <a:extLst>
+                  <a:ext uri="{FF2B5EF4-FFF2-40B4-BE49-F238E27FC236}">
+                    <a16:creationId xmlns:a16="http://schemas.microsoft.com/office/drawing/2014/main" id="{E4F7C7A2-65E9-42BA-BB5B-0867AE92655B}"/>
+                  </a:ext>
+                </a:extLst>
+              </p:cNvPr>
+              <p:cNvPicPr>
+                <a:picLocks noChangeAspect="1"/>
+              </p:cNvPicPr>
+              <p:nvPr/>
+            </p:nvPicPr>
+            <p:blipFill>
+              <a:blip r:embed="rId3" cstate="print">
+                <a:extLst>
+                  <a:ext uri="{28A0092B-C50C-407E-A947-70E740481C1C}">
+                    <a14:useLocalDpi xmlns:a14="http://schemas.microsoft.com/office/drawing/2010/main" val="0"/>
+                  </a:ext>
+                  <a:ext uri="{96DAC541-7B7A-43D3-8B79-37D633B846F1}">
+                    <asvg:svgBlip xmlns:asvg="http://schemas.microsoft.com/office/drawing/2016/SVG/main" r:embed="rId4"/>
+                  </a:ext>
+                </a:extLst>
+              </a:blip>
+              <a:stretch>
+                <a:fillRect/>
+              </a:stretch>
+            </p:blipFill>
+            <p:spPr>
+              <a:xfrm>
+                <a:off x="832731" y="1189473"/>
+                <a:ext cx="681263" cy="562907"/>
+              </a:xfrm>
+              <a:prstGeom prst="rect">
+                <a:avLst/>
+              </a:prstGeom>
+            </p:spPr>
+          </p:pic>
+          <p:sp>
+            <p:nvSpPr>
+              <p:cNvPr id="26" name="Rectángulo 16">
+                <a:extLst>
+                  <a:ext uri="{FF2B5EF4-FFF2-40B4-BE49-F238E27FC236}">
+                    <a16:creationId xmlns:a16="http://schemas.microsoft.com/office/drawing/2014/main" id="{363620B5-F309-47F1-9A59-8C8BE920EE26}"/>
+                  </a:ext>
+                </a:extLst>
+              </p:cNvPr>
+              <p:cNvSpPr/>
+              <p:nvPr/>
+            </p:nvSpPr>
+            <p:spPr>
+              <a:xfrm>
+                <a:off x="919111" y="1460841"/>
+                <a:ext cx="351673" cy="237793"/>
+              </a:xfrm>
+              <a:prstGeom prst="rect">
+                <a:avLst/>
+              </a:prstGeom>
+              <a:noFill/>
+              <a:ln w="12700" cap="flat">
+                <a:noFill/>
+                <a:miter lim="400000"/>
+              </a:ln>
+              <a:effectLst/>
+              <a:extLst>
+                <a:ext uri="{C572A759-6A51-4108-AA02-DFA0A04FC94B}">
+                  <ma14:wrappingTextBoxFlag xmlns:ma14="http://schemas.microsoft.com/office/mac/drawingml/2011/main" xmlns:a14="http://schemas.microsoft.com/office/drawing/2010/main" xmlns:m="http://schemas.openxmlformats.org/officeDocument/2006/math" xmlns="" val="1"/>
+                </a:ext>
+              </a:extLst>
+            </p:spPr>
+            <p:txBody>
+              <a:bodyPr wrap="square" lIns="45719" tIns="45719" rIns="45719" bIns="45719" numCol="1" anchor="t">
+                <a:spAutoFit/>
+              </a:bodyPr>
+              <a:lstStyle>
+                <a:lvl1pPr>
+                  <a:defRPr sz="1200">
+                    <a:solidFill>
+                      <a:srgbClr val="FFFFFF"/>
+                    </a:solidFill>
+                    <a:latin typeface="Open Sans"/>
+                    <a:ea typeface="Open Sans"/>
+                    <a:cs typeface="Open Sans"/>
+                    <a:sym typeface="Open Sans"/>
+                  </a:defRPr>
+                </a:lvl1pPr>
+              </a:lstStyle>
+              <a:p>
+                <a:r>
+                  <a:rPr lang="es-ES_tradnl" sz="1100" b="1" dirty="0">
+                    <a:solidFill>
+                      <a:schemeClr val="bg1"/>
+                    </a:solidFill>
+                    <a:latin typeface="Montserrat SemiBold" panose="00000700000000000000" pitchFamily="2" charset="0"/>
+                  </a:rPr>
+                  <a:t>TS</a:t>
+                </a:r>
+              </a:p>
+            </p:txBody>
+          </p:sp>
+          <p:cxnSp>
+            <p:nvCxnSpPr>
+              <p:cNvPr id="41" name="Conector recto de flecha 40">
+                <a:extLst>
+                  <a:ext uri="{FF2B5EF4-FFF2-40B4-BE49-F238E27FC236}">
+                    <a16:creationId xmlns:a16="http://schemas.microsoft.com/office/drawing/2014/main" id="{CEB54922-B967-4483-8312-C9C1E4EE97BF}"/>
+                  </a:ext>
+                </a:extLst>
+              </p:cNvPr>
+              <p:cNvCxnSpPr>
+                <a:cxnSpLocks/>
+              </p:cNvCxnSpPr>
+              <p:nvPr/>
+            </p:nvCxnSpPr>
+            <p:spPr>
+              <a:xfrm>
+                <a:off x="1594567" y="1529841"/>
+                <a:ext cx="939890" cy="0"/>
+              </a:xfrm>
+              <a:prstGeom prst="straightConnector1">
+                <a:avLst/>
+              </a:prstGeom>
+              <a:noFill/>
+              <a:ln w="31750" cap="flat">
+                <a:solidFill>
+                  <a:schemeClr val="tx1">
+                    <a:lumMod val="50000"/>
+                    <a:lumOff val="50000"/>
+                  </a:schemeClr>
+                </a:solidFill>
+                <a:prstDash val="solid"/>
+                <a:round/>
+                <a:tailEnd type="triangle"/>
+              </a:ln>
+              <a:effectLst/>
+              <a:sp3d/>
+            </p:spPr>
+            <p:style>
+              <a:lnRef idx="0">
+                <a:scrgbClr r="0" g="0" b="0"/>
+              </a:lnRef>
+              <a:fillRef idx="0">
+                <a:scrgbClr r="0" g="0" b="0"/>
+              </a:fillRef>
+              <a:effectRef idx="0">
+                <a:scrgbClr r="0" g="0" b="0"/>
+              </a:effectRef>
+              <a:fontRef idx="none"/>
+            </p:style>
+          </p:cxnSp>
+          <p:sp>
+            <p:nvSpPr>
+              <p:cNvPr id="43" name="Rectángulo 16">
+                <a:extLst>
+                  <a:ext uri="{FF2B5EF4-FFF2-40B4-BE49-F238E27FC236}">
+                    <a16:creationId xmlns:a16="http://schemas.microsoft.com/office/drawing/2014/main" id="{6476C6B3-24CF-4744-AD26-451A72E3FDE3}"/>
+                  </a:ext>
+                </a:extLst>
+              </p:cNvPr>
+              <p:cNvSpPr/>
+              <p:nvPr/>
+            </p:nvSpPr>
+            <p:spPr>
+              <a:xfrm>
+                <a:off x="1829122" y="1181918"/>
+                <a:ext cx="458599" cy="335708"/>
+              </a:xfrm>
+              <a:prstGeom prst="rect">
+                <a:avLst/>
+              </a:prstGeom>
+              <a:noFill/>
+              <a:ln w="12700" cap="flat">
+                <a:noFill/>
+                <a:miter lim="400000"/>
+              </a:ln>
+              <a:effectLst/>
+              <a:extLst>
+                <a:ext uri="{C572A759-6A51-4108-AA02-DFA0A04FC94B}">
+                  <ma14:wrappingTextBoxFlag xmlns:ma14="http://schemas.microsoft.com/office/mac/drawingml/2011/main" xmlns:a14="http://schemas.microsoft.com/office/drawing/2010/main" xmlns:m="http://schemas.openxmlformats.org/officeDocument/2006/math" xmlns="" val="1"/>
+                </a:ext>
+              </a:extLst>
+            </p:spPr>
+            <p:txBody>
+              <a:bodyPr wrap="square" lIns="45719" tIns="45719" rIns="45719" bIns="45719" numCol="1" anchor="t">
+                <a:spAutoFit/>
+              </a:bodyPr>
+              <a:lstStyle>
+                <a:lvl1pPr>
+                  <a:defRPr sz="1200">
+                    <a:solidFill>
+                      <a:srgbClr val="FFFFFF"/>
+                    </a:solidFill>
+                    <a:latin typeface="Open Sans"/>
+                    <a:ea typeface="Open Sans"/>
+                    <a:cs typeface="Open Sans"/>
+                    <a:sym typeface="Open Sans"/>
+                  </a:defRPr>
+                </a:lvl1pPr>
+              </a:lstStyle>
+              <a:p>
+                <a:pPr algn="ctr"/>
+                <a:r>
+                  <a:rPr lang="es-ES_tradnl" sz="1800" b="1" dirty="0">
+                    <a:solidFill>
+                      <a:schemeClr val="bg1">
+                        <a:lumMod val="50000"/>
+                      </a:schemeClr>
+                    </a:solidFill>
+                  </a:rPr>
+                  <a:t>TS</a:t>
+                </a:r>
+              </a:p>
+            </p:txBody>
+          </p:sp>
+          <p:cxnSp>
+            <p:nvCxnSpPr>
+              <p:cNvPr id="44" name="Conector recto de flecha 43">
+                <a:extLst>
+                  <a:ext uri="{FF2B5EF4-FFF2-40B4-BE49-F238E27FC236}">
+                    <a16:creationId xmlns:a16="http://schemas.microsoft.com/office/drawing/2014/main" id="{33F52C22-A7A3-4ABB-B12C-9F9D5E4D95EE}"/>
+                  </a:ext>
+                </a:extLst>
+              </p:cNvPr>
+              <p:cNvCxnSpPr>
+                <a:cxnSpLocks/>
+              </p:cNvCxnSpPr>
+              <p:nvPr/>
+            </p:nvCxnSpPr>
+            <p:spPr>
+              <a:xfrm>
+                <a:off x="3837570" y="1529841"/>
+                <a:ext cx="1092469" cy="0"/>
+              </a:xfrm>
+              <a:prstGeom prst="straightConnector1">
+                <a:avLst/>
+              </a:prstGeom>
+              <a:noFill/>
+              <a:ln w="31750" cap="flat">
+                <a:solidFill>
+                  <a:schemeClr val="tx1">
+                    <a:lumMod val="50000"/>
+                    <a:lumOff val="50000"/>
+                  </a:schemeClr>
+                </a:solidFill>
+                <a:prstDash val="solid"/>
+                <a:round/>
+                <a:tailEnd type="triangle"/>
+              </a:ln>
+              <a:effectLst/>
+              <a:sp3d/>
+            </p:spPr>
+            <p:style>
+              <a:lnRef idx="0">
+                <a:scrgbClr r="0" g="0" b="0"/>
+              </a:lnRef>
+              <a:fillRef idx="0">
+                <a:scrgbClr r="0" g="0" b="0"/>
+              </a:fillRef>
+              <a:effectRef idx="0">
+                <a:scrgbClr r="0" g="0" b="0"/>
+              </a:effectRef>
+              <a:fontRef idx="none"/>
+            </p:style>
+          </p:cxnSp>
+          <p:sp>
+            <p:nvSpPr>
+              <p:cNvPr id="45" name="Rectángulo 16">
+                <a:extLst>
+                  <a:ext uri="{FF2B5EF4-FFF2-40B4-BE49-F238E27FC236}">
+                    <a16:creationId xmlns:a16="http://schemas.microsoft.com/office/drawing/2014/main" id="{87BFF434-2BAF-4BD6-89BC-AF4486EB71D5}"/>
+                  </a:ext>
+                </a:extLst>
+              </p:cNvPr>
+              <p:cNvSpPr/>
+              <p:nvPr/>
+            </p:nvSpPr>
+            <p:spPr>
+              <a:xfrm>
+                <a:off x="4072124" y="1181918"/>
+                <a:ext cx="640208" cy="335708"/>
+              </a:xfrm>
+              <a:prstGeom prst="rect">
+                <a:avLst/>
+              </a:prstGeom>
+              <a:noFill/>
+              <a:ln w="12700" cap="flat">
+                <a:noFill/>
+                <a:miter lim="400000"/>
+              </a:ln>
+              <a:effectLst/>
+              <a:extLst>
+                <a:ext uri="{C572A759-6A51-4108-AA02-DFA0A04FC94B}">
+                  <ma14:wrappingTextBoxFlag xmlns:ma14="http://schemas.microsoft.com/office/mac/drawingml/2011/main" xmlns:a14="http://schemas.microsoft.com/office/drawing/2010/main" xmlns:m="http://schemas.openxmlformats.org/officeDocument/2006/math" xmlns="" val="1"/>
+                </a:ext>
+              </a:extLst>
+            </p:spPr>
+            <p:txBody>
+              <a:bodyPr wrap="square" lIns="45719" tIns="45719" rIns="45719" bIns="45719" numCol="1" anchor="t">
+                <a:spAutoFit/>
+              </a:bodyPr>
+              <a:lstStyle>
+                <a:lvl1pPr>
+                  <a:defRPr sz="1200">
+                    <a:solidFill>
+                      <a:srgbClr val="FFFFFF"/>
+                    </a:solidFill>
+                    <a:latin typeface="Open Sans"/>
+                    <a:ea typeface="Open Sans"/>
+                    <a:cs typeface="Open Sans"/>
+                    <a:sym typeface="Open Sans"/>
+                  </a:defRPr>
+                </a:lvl1pPr>
+              </a:lstStyle>
+              <a:p>
+                <a:pPr algn="ctr"/>
+                <a:r>
+                  <a:rPr lang="es-ES_tradnl" sz="1800" b="1" dirty="0">
+                    <a:solidFill>
+                      <a:schemeClr val="bg1">
+                        <a:lumMod val="50000"/>
+                      </a:schemeClr>
+                    </a:solidFill>
+                  </a:rPr>
+                  <a:t>ES5</a:t>
+                </a:r>
+              </a:p>
+            </p:txBody>
+          </p:sp>
+          <p:pic>
+            <p:nvPicPr>
+              <p:cNvPr id="46" name="Gráfico 45">
+                <a:extLst>
+                  <a:ext uri="{FF2B5EF4-FFF2-40B4-BE49-F238E27FC236}">
+                    <a16:creationId xmlns:a16="http://schemas.microsoft.com/office/drawing/2014/main" id="{83253009-27F2-4E1B-88BC-4B9042273933}"/>
+                  </a:ext>
+                </a:extLst>
+              </p:cNvPr>
+              <p:cNvPicPr>
+                <a:picLocks noChangeAspect="1"/>
+              </p:cNvPicPr>
+              <p:nvPr/>
+            </p:nvPicPr>
+            <p:blipFill>
+              <a:blip r:embed="rId5" cstate="print">
+                <a:extLst>
+                  <a:ext uri="{28A0092B-C50C-407E-A947-70E740481C1C}">
+                    <a14:useLocalDpi xmlns:a14="http://schemas.microsoft.com/office/drawing/2010/main" val="0"/>
+                  </a:ext>
+                  <a:ext uri="{96DAC541-7B7A-43D3-8B79-37D633B846F1}">
+                    <asvg:svgBlip xmlns:asvg="http://schemas.microsoft.com/office/drawing/2016/SVG/main" r:embed="rId6"/>
+                  </a:ext>
+                </a:extLst>
+              </a:blip>
+              <a:stretch>
+                <a:fillRect/>
+              </a:stretch>
+            </p:blipFill>
+            <p:spPr>
+              <a:xfrm>
+                <a:off x="5060935" y="1187706"/>
+                <a:ext cx="681263" cy="562907"/>
+              </a:xfrm>
+              <a:prstGeom prst="rect">
+                <a:avLst/>
+              </a:prstGeom>
+            </p:spPr>
+          </p:pic>
+          <p:grpSp>
+            <p:nvGrpSpPr>
+              <p:cNvPr id="49" name="Grupo 48">
+                <a:extLst>
+                  <a:ext uri="{FF2B5EF4-FFF2-40B4-BE49-F238E27FC236}">
+                    <a16:creationId xmlns:a16="http://schemas.microsoft.com/office/drawing/2014/main" id="{3226300C-DF48-41F8-9BBB-B7A987138AC9}"/>
+                  </a:ext>
+                </a:extLst>
+              </p:cNvPr>
+              <p:cNvGrpSpPr/>
+              <p:nvPr/>
+            </p:nvGrpSpPr>
+            <p:grpSpPr>
+              <a:xfrm>
+                <a:off x="2615031" y="1176561"/>
+                <a:ext cx="1081934" cy="609554"/>
+                <a:chOff x="3072690" y="3335874"/>
+                <a:chExt cx="1174632" cy="800924"/>
+              </a:xfrm>
+            </p:grpSpPr>
+            <p:pic>
+              <p:nvPicPr>
+                <p:cNvPr id="36" name="Gráfico 35">
+                  <a:extLst>
+                    <a:ext uri="{FF2B5EF4-FFF2-40B4-BE49-F238E27FC236}">
+                      <a16:creationId xmlns:a16="http://schemas.microsoft.com/office/drawing/2014/main" id="{18615DC2-E1B9-40A5-B00D-BB7963BDEFE1}"/>
+                    </a:ext>
+                  </a:extLst>
+                </p:cNvPr>
+                <p:cNvPicPr>
+                  <a:picLocks noChangeAspect="1"/>
+                </p:cNvPicPr>
+                <p:nvPr/>
+              </p:nvPicPr>
+              <p:blipFill>
+                <a:blip r:embed="rId7">
+                  <a:extLst>
+                    <a:ext uri="{28A0092B-C50C-407E-A947-70E740481C1C}">
+                      <a14:useLocalDpi xmlns:a14="http://schemas.microsoft.com/office/drawing/2010/main" val="0"/>
+                    </a:ext>
+                    <a:ext uri="{96DAC541-7B7A-43D3-8B79-37D633B846F1}">
+                      <asvg:svgBlip xmlns:asvg="http://schemas.microsoft.com/office/drawing/2016/SVG/main" r:embed="rId8"/>
+                    </a:ext>
+                  </a:extLst>
+                </a:blip>
+                <a:stretch>
+                  <a:fillRect/>
+                </a:stretch>
+              </p:blipFill>
+              <p:spPr>
+                <a:xfrm rot="20700000">
+                  <a:off x="3072690" y="3335874"/>
+                  <a:ext cx="739632" cy="739632"/>
+                </a:xfrm>
+                <a:prstGeom prst="rect">
+                  <a:avLst/>
+                </a:prstGeom>
+              </p:spPr>
+            </p:pic>
+            <p:sp>
+              <p:nvSpPr>
+                <p:cNvPr id="50" name="Rectángulo 16">
+                  <a:extLst>
+                    <a:ext uri="{FF2B5EF4-FFF2-40B4-BE49-F238E27FC236}">
+                      <a16:creationId xmlns:a16="http://schemas.microsoft.com/office/drawing/2014/main" id="{118861E6-77EF-4F27-8E85-28F24F9A1E49}"/>
+                    </a:ext>
+                  </a:extLst>
+                </p:cNvPr>
+                <p:cNvSpPr/>
+                <p:nvPr/>
+              </p:nvSpPr>
+              <p:spPr>
+                <a:xfrm>
+                  <a:off x="3637888" y="3508217"/>
+                  <a:ext cx="409726" cy="307775"/>
+                </a:xfrm>
+                <a:prstGeom prst="rect">
+                  <a:avLst/>
+                </a:prstGeom>
+                <a:noFill/>
+                <a:ln w="12700" cap="flat">
+                  <a:noFill/>
+                  <a:miter lim="400000"/>
+                </a:ln>
+                <a:effectLst/>
+                <a:extLst>
+                  <a:ext uri="{C572A759-6A51-4108-AA02-DFA0A04FC94B}">
+                    <ma14:wrappingTextBoxFlag xmlns:ma14="http://schemas.microsoft.com/office/mac/drawingml/2011/main" xmlns:a14="http://schemas.microsoft.com/office/drawing/2010/main" xmlns:m="http://schemas.openxmlformats.org/officeDocument/2006/math" xmlns="" val="1"/>
+                  </a:ext>
+                </a:extLst>
+              </p:spPr>
+              <p:txBody>
+                <a:bodyPr wrap="none" lIns="45719" tIns="45719" rIns="45719" bIns="45719" numCol="1" anchor="t">
+                  <a:spAutoFit/>
+                </a:bodyPr>
+                <a:lstStyle>
+                  <a:lvl1pPr>
+                    <a:defRPr sz="1200">
+                      <a:solidFill>
+                        <a:srgbClr val="FFFFFF"/>
+                      </a:solidFill>
+                      <a:latin typeface="Open Sans"/>
+                      <a:ea typeface="Open Sans"/>
+                      <a:cs typeface="Open Sans"/>
+                      <a:sym typeface="Open Sans"/>
+                    </a:defRPr>
+                  </a:lvl1pPr>
+                </a:lstStyle>
+                <a:p>
+                  <a:r>
+                    <a:rPr lang="es-ES_tradnl" sz="1400" b="1" dirty="0">
+                      <a:solidFill>
+                        <a:srgbClr val="006A7B"/>
+                      </a:solidFill>
+                    </a:rPr>
+                    <a:t>TSC</a:t>
+                  </a:r>
+                </a:p>
+              </p:txBody>
+            </p:sp>
+            <p:sp>
+              <p:nvSpPr>
+                <p:cNvPr id="52" name="Rectángulo 16">
+                  <a:extLst>
+                    <a:ext uri="{FF2B5EF4-FFF2-40B4-BE49-F238E27FC236}">
+                      <a16:creationId xmlns:a16="http://schemas.microsoft.com/office/drawing/2014/main" id="{95EF2BF7-C63A-4FF9-9A6F-747BC6E3882E}"/>
+                    </a:ext>
+                  </a:extLst>
+                </p:cNvPr>
+                <p:cNvSpPr/>
+                <p:nvPr/>
+              </p:nvSpPr>
+              <p:spPr>
+                <a:xfrm>
+                  <a:off x="3668674" y="3895242"/>
+                  <a:ext cx="578648" cy="241556"/>
+                </a:xfrm>
+                <a:prstGeom prst="roundRect">
+                  <a:avLst/>
+                </a:prstGeom>
+                <a:solidFill>
+                  <a:srgbClr val="006A7B"/>
+                </a:solidFill>
+                <a:ln w="12700" cap="flat">
+                  <a:noFill/>
+                  <a:miter lim="400000"/>
+                </a:ln>
+                <a:effectLst/>
+                <a:extLst>
+                  <a:ext uri="{C572A759-6A51-4108-AA02-DFA0A04FC94B}">
+                    <ma14:wrappingTextBoxFlag xmlns:ma14="http://schemas.microsoft.com/office/mac/drawingml/2011/main" xmlns:a14="http://schemas.microsoft.com/office/drawing/2010/main" xmlns:m="http://schemas.openxmlformats.org/officeDocument/2006/math" xmlns="" val="1"/>
+                  </a:ext>
+                </a:extLst>
+              </p:spPr>
+              <p:txBody>
+                <a:bodyPr wrap="none" lIns="45719" tIns="45719" rIns="45719" bIns="45719" numCol="1" anchor="ctr" anchorCtr="0">
+                  <a:noAutofit/>
+                </a:bodyPr>
+                <a:lstStyle>
+                  <a:lvl1pPr>
+                    <a:defRPr sz="1200">
+                      <a:solidFill>
+                        <a:srgbClr val="FFFFFF"/>
+                      </a:solidFill>
+                      <a:latin typeface="Open Sans"/>
+                      <a:ea typeface="Open Sans"/>
+                      <a:cs typeface="Open Sans"/>
+                      <a:sym typeface="Open Sans"/>
+                    </a:defRPr>
+                  </a:lvl1pPr>
+                </a:lstStyle>
+                <a:p>
+                  <a:pPr algn="ctr"/>
+                  <a:r>
+                    <a:rPr lang="es-ES_tradnl" sz="1400" b="1" dirty="0">
+                      <a:solidFill>
+                        <a:schemeClr val="bg1"/>
+                      </a:solidFill>
+                    </a:rPr>
+                    <a:t>EXE</a:t>
+                  </a:r>
+                </a:p>
+              </p:txBody>
+            </p:sp>
+          </p:grpSp>
+        </p:grpSp>
+        <p:sp>
+          <p:nvSpPr>
+            <p:cNvPr id="2" name="Rectángulo 16">
+              <a:extLst>
+                <a:ext uri="{FF2B5EF4-FFF2-40B4-BE49-F238E27FC236}">
+                  <a16:creationId xmlns:a16="http://schemas.microsoft.com/office/drawing/2014/main" id="{74513D86-B574-5F0E-CB09-0BC7B39E7270}"/>
+                </a:ext>
+              </a:extLst>
+            </p:cNvPr>
+            <p:cNvSpPr/>
+            <p:nvPr/>
+          </p:nvSpPr>
+          <p:spPr>
+            <a:xfrm>
+              <a:off x="5154042" y="1348227"/>
+              <a:ext cx="346251" cy="237793"/>
+            </a:xfrm>
+            <a:prstGeom prst="rect">
+              <a:avLst/>
+            </a:prstGeom>
+            <a:noFill/>
+            <a:ln w="12700" cap="flat">
+              <a:noFill/>
+              <a:miter lim="400000"/>
+            </a:ln>
+            <a:effectLst/>
+            <a:extLst>
+              <a:ext uri="{C572A759-6A51-4108-AA02-DFA0A04FC94B}">
+                <ma14:wrappingTextBoxFlag xmlns:ma14="http://schemas.microsoft.com/office/mac/drawingml/2011/main" xmlns:a14="http://schemas.microsoft.com/office/drawing/2010/main" xmlns:m="http://schemas.openxmlformats.org/officeDocument/2006/math" xmlns="" val="1"/>
+              </a:ext>
+            </a:extLst>
+          </p:spPr>
+          <p:txBody>
+            <a:bodyPr wrap="square" lIns="45719" tIns="45719" rIns="45719" bIns="45719" numCol="1" anchor="t">
+              <a:spAutoFit/>
+            </a:bodyPr>
+            <a:lstStyle>
+              <a:lvl1pPr>
+                <a:defRPr sz="1200">
+                  <a:solidFill>
+                    <a:srgbClr val="FFFFFF"/>
+                  </a:solidFill>
+                  <a:latin typeface="Open Sans"/>
+                  <a:ea typeface="Open Sans"/>
+                  <a:cs typeface="Open Sans"/>
+                  <a:sym typeface="Open Sans"/>
+                </a:defRPr>
+              </a:lvl1pPr>
+            </a:lstStyle>
+            <a:p>
+              <a:r>
+                <a:rPr lang="es-ES_tradnl" sz="1100" dirty="0">
+                  <a:solidFill>
+                    <a:schemeClr val="bg1"/>
+                  </a:solidFill>
+                  <a:latin typeface="Montserrat SemiBold" panose="00000700000000000000" pitchFamily="2" charset="0"/>
+                </a:rPr>
+                <a:t>JS</a:t>
+              </a:r>
+            </a:p>
+          </p:txBody>
+        </p:sp>
+      </p:grpSp>
     </p:spTree>
     <p:extLst>
       <p:ext uri="{BB962C8B-B14F-4D97-AF65-F5344CB8AC3E}">
@@ -7898,7 +7981,7 @@
           </a:ln>
           <a:extLst>
             <a:ext uri="{C572A759-6A51-4108-AA02-DFA0A04FC94B}">
-              <ma14:wrappingTextBoxFlag xmlns="" xmlns:m="http://schemas.openxmlformats.org/officeDocument/2006/math" xmlns:a14="http://schemas.microsoft.com/office/drawing/2010/main" xmlns:ma14="http://schemas.microsoft.com/office/mac/drawingml/2011/main" val="1"/>
+              <ma14:wrappingTextBoxFlag xmlns:ma14="http://schemas.microsoft.com/office/mac/drawingml/2011/main" xmlns:a14="http://schemas.microsoft.com/office/drawing/2010/main" xmlns:m="http://schemas.openxmlformats.org/officeDocument/2006/math" xmlns="" val="1"/>
             </a:ext>
           </a:extLst>
         </p:spPr>
@@ -8176,7 +8259,7 @@
             <a:effectLst/>
             <a:extLst>
               <a:ext uri="{C572A759-6A51-4108-AA02-DFA0A04FC94B}">
-                <ma14:wrappingTextBoxFlag xmlns:ma14="http://schemas.microsoft.com/office/mac/drawingml/2011/main" xmlns:a14="http://schemas.microsoft.com/office/drawing/2010/main" xmlns:m="http://schemas.openxmlformats.org/officeDocument/2006/math" xmlns="" val="1"/>
+                <ma14:wrappingTextBoxFlag xmlns="" xmlns:m="http://schemas.openxmlformats.org/officeDocument/2006/math" xmlns:a14="http://schemas.microsoft.com/office/drawing/2010/main" xmlns:ma14="http://schemas.microsoft.com/office/mac/drawingml/2011/main" val="1"/>
               </a:ext>
             </a:extLst>
           </p:spPr>
@@ -8226,7 +8309,7 @@
             <a:effectLst/>
             <a:extLst>
               <a:ext uri="{C572A759-6A51-4108-AA02-DFA0A04FC94B}">
-                <ma14:wrappingTextBoxFlag xmlns:ma14="http://schemas.microsoft.com/office/mac/drawingml/2011/main" xmlns:a14="http://schemas.microsoft.com/office/drawing/2010/main" xmlns:m="http://schemas.openxmlformats.org/officeDocument/2006/math" xmlns="" val="1"/>
+                <ma14:wrappingTextBoxFlag xmlns="" xmlns:m="http://schemas.openxmlformats.org/officeDocument/2006/math" xmlns:a14="http://schemas.microsoft.com/office/drawing/2010/main" xmlns:ma14="http://schemas.microsoft.com/office/mac/drawingml/2011/main" val="1"/>
               </a:ext>
             </a:extLst>
           </p:spPr>
@@ -8276,7 +8359,7 @@
             <a:effectLst/>
             <a:extLst>
               <a:ext uri="{C572A759-6A51-4108-AA02-DFA0A04FC94B}">
-                <ma14:wrappingTextBoxFlag xmlns:ma14="http://schemas.microsoft.com/office/mac/drawingml/2011/main" xmlns:a14="http://schemas.microsoft.com/office/drawing/2010/main" xmlns:m="http://schemas.openxmlformats.org/officeDocument/2006/math" xmlns="" val="1"/>
+                <ma14:wrappingTextBoxFlag xmlns="" xmlns:m="http://schemas.openxmlformats.org/officeDocument/2006/math" xmlns:a14="http://schemas.microsoft.com/office/drawing/2010/main" xmlns:ma14="http://schemas.microsoft.com/office/mac/drawingml/2011/main" val="1"/>
               </a:ext>
             </a:extLst>
           </p:spPr>
@@ -8326,7 +8409,7 @@
             <a:effectLst/>
             <a:extLst>
               <a:ext uri="{C572A759-6A51-4108-AA02-DFA0A04FC94B}">
-                <ma14:wrappingTextBoxFlag xmlns:ma14="http://schemas.microsoft.com/office/mac/drawingml/2011/main" xmlns:a14="http://schemas.microsoft.com/office/drawing/2010/main" xmlns:m="http://schemas.openxmlformats.org/officeDocument/2006/math" xmlns="" val="1"/>
+                <ma14:wrappingTextBoxFlag xmlns="" xmlns:m="http://schemas.openxmlformats.org/officeDocument/2006/math" xmlns:a14="http://schemas.microsoft.com/office/drawing/2010/main" xmlns:ma14="http://schemas.microsoft.com/office/mac/drawingml/2011/main" val="1"/>
               </a:ext>
             </a:extLst>
           </p:spPr>

--- a/02-languages/01-teoria/02 Introducción a Typescript.pptx
+++ b/02-languages/01-teoria/02 Introducción a Typescript.pptx
@@ -2201,7 +2201,7 @@
           </a:ln>
           <a:extLst>
             <a:ext uri="{C572A759-6A51-4108-AA02-DFA0A04FC94B}">
-              <ma14:wrappingTextBoxFlag xmlns="" xmlns:m="http://schemas.openxmlformats.org/officeDocument/2006/math" xmlns:a14="http://schemas.microsoft.com/office/drawing/2010/main" xmlns:ma14="http://schemas.microsoft.com/office/mac/drawingml/2011/main" val="1"/>
+              <ma14:wrappingTextBoxFlag xmlns:ma14="http://schemas.microsoft.com/office/mac/drawingml/2011/main" xmlns:a14="http://schemas.microsoft.com/office/drawing/2010/main" xmlns:m="http://schemas.openxmlformats.org/officeDocument/2006/math" xmlns="" val="1"/>
             </a:ext>
           </a:extLst>
         </p:spPr>
@@ -2240,7 +2240,7 @@
           </a:ln>
           <a:extLst>
             <a:ext uri="{C572A759-6A51-4108-AA02-DFA0A04FC94B}">
-              <ma14:wrappingTextBoxFlag xmlns="" xmlns:m="http://schemas.openxmlformats.org/officeDocument/2006/math" xmlns:a14="http://schemas.microsoft.com/office/drawing/2010/main" xmlns:ma14="http://schemas.microsoft.com/office/mac/drawingml/2011/main" val="1"/>
+              <ma14:wrappingTextBoxFlag xmlns:ma14="http://schemas.microsoft.com/office/mac/drawingml/2011/main" xmlns:a14="http://schemas.microsoft.com/office/drawing/2010/main" xmlns:m="http://schemas.openxmlformats.org/officeDocument/2006/math" xmlns="" val="1"/>
             </a:ext>
           </a:extLst>
         </p:spPr>
@@ -3198,7 +3198,7 @@
           </a:ln>
           <a:extLst>
             <a:ext uri="{C572A759-6A51-4108-AA02-DFA0A04FC94B}">
-              <ma14:wrappingTextBoxFlag xmlns="" xmlns:m="http://schemas.openxmlformats.org/officeDocument/2006/math" xmlns:a14="http://schemas.microsoft.com/office/drawing/2010/main" xmlns:ma14="http://schemas.microsoft.com/office/mac/drawingml/2011/main" val="1"/>
+              <ma14:wrappingTextBoxFlag xmlns:ma14="http://schemas.microsoft.com/office/mac/drawingml/2011/main" xmlns:a14="http://schemas.microsoft.com/office/drawing/2010/main" xmlns:m="http://schemas.openxmlformats.org/officeDocument/2006/math" xmlns="" val="1"/>
             </a:ext>
           </a:extLst>
         </p:spPr>
@@ -3250,7 +3250,7 @@
           </a:ln>
           <a:extLst>
             <a:ext uri="{C572A759-6A51-4108-AA02-DFA0A04FC94B}">
-              <ma14:wrappingTextBoxFlag xmlns="" xmlns:m="http://schemas.openxmlformats.org/officeDocument/2006/math" xmlns:a14="http://schemas.microsoft.com/office/drawing/2010/main" xmlns:ma14="http://schemas.microsoft.com/office/mac/drawingml/2011/main" val="1"/>
+              <ma14:wrappingTextBoxFlag xmlns:ma14="http://schemas.microsoft.com/office/mac/drawingml/2011/main" xmlns:a14="http://schemas.microsoft.com/office/drawing/2010/main" xmlns:m="http://schemas.openxmlformats.org/officeDocument/2006/math" xmlns="" val="1"/>
             </a:ext>
           </a:extLst>
         </p:spPr>
@@ -3620,10 +3620,17 @@
           </a:lstStyle>
           <a:p>
             <a:r>
-              <a:rPr lang="en-GB"/>
-              <a:t>Qué es TypeScript?</a:t>
-            </a:r>
-            <a:endParaRPr lang="en-GB" dirty="0"/>
+              <a:rPr lang="en-GB" dirty="0"/>
+              <a:t>¿</a:t>
+            </a:r>
+            <a:r>
+              <a:rPr lang="en-GB" dirty="0" err="1"/>
+              <a:t>Qué</a:t>
+            </a:r>
+            <a:r>
+              <a:rPr lang="en-GB" dirty="0"/>
+              <a:t> es TypeScript?</a:t>
+            </a:r>
           </a:p>
         </p:txBody>
       </p:sp>
@@ -3688,7 +3695,7 @@
           </a:ln>
           <a:extLst>
             <a:ext uri="{C572A759-6A51-4108-AA02-DFA0A04FC94B}">
-              <ma14:wrappingTextBoxFlag xmlns:ma14="http://schemas.microsoft.com/office/mac/drawingml/2011/main" xmlns:a14="http://schemas.microsoft.com/office/drawing/2010/main" xmlns:m="http://schemas.openxmlformats.org/officeDocument/2006/math" xmlns="" val="1"/>
+              <ma14:wrappingTextBoxFlag xmlns="" xmlns:m="http://schemas.openxmlformats.org/officeDocument/2006/math" xmlns:a14="http://schemas.microsoft.com/office/drawing/2010/main" xmlns:ma14="http://schemas.microsoft.com/office/mac/drawingml/2011/main" val="1"/>
             </a:ext>
           </a:extLst>
         </p:spPr>
@@ -3769,7 +3776,7 @@
           </a:ln>
           <a:extLst>
             <a:ext uri="{C572A759-6A51-4108-AA02-DFA0A04FC94B}">
-              <ma14:wrappingTextBoxFlag xmlns:ma14="http://schemas.microsoft.com/office/mac/drawingml/2011/main" xmlns:a14="http://schemas.microsoft.com/office/drawing/2010/main" xmlns:m="http://schemas.openxmlformats.org/officeDocument/2006/math" xmlns="" val="1"/>
+              <ma14:wrappingTextBoxFlag xmlns="" xmlns:m="http://schemas.openxmlformats.org/officeDocument/2006/math" xmlns:a14="http://schemas.microsoft.com/office/drawing/2010/main" xmlns:ma14="http://schemas.microsoft.com/office/mac/drawingml/2011/main" val="1"/>
             </a:ext>
           </a:extLst>
         </p:spPr>
@@ -3837,7 +3844,7 @@
           </a:ln>
           <a:extLst>
             <a:ext uri="{C572A759-6A51-4108-AA02-DFA0A04FC94B}">
-              <ma14:wrappingTextBoxFlag xmlns:ma14="http://schemas.microsoft.com/office/mac/drawingml/2011/main" xmlns:a14="http://schemas.microsoft.com/office/drawing/2010/main" xmlns:m="http://schemas.openxmlformats.org/officeDocument/2006/math" xmlns="" val="1"/>
+              <ma14:wrappingTextBoxFlag xmlns="" xmlns:m="http://schemas.openxmlformats.org/officeDocument/2006/math" xmlns:a14="http://schemas.microsoft.com/office/drawing/2010/main" xmlns:ma14="http://schemas.microsoft.com/office/mac/drawingml/2011/main" val="1"/>
             </a:ext>
           </a:extLst>
         </p:spPr>
@@ -3962,7 +3969,7 @@
           </a:ln>
           <a:extLst>
             <a:ext uri="{C572A759-6A51-4108-AA02-DFA0A04FC94B}">
-              <ma14:wrappingTextBoxFlag xmlns:ma14="http://schemas.microsoft.com/office/mac/drawingml/2011/main" xmlns:a14="http://schemas.microsoft.com/office/drawing/2010/main" xmlns:m="http://schemas.openxmlformats.org/officeDocument/2006/math" xmlns="" val="1"/>
+              <ma14:wrappingTextBoxFlag xmlns="" xmlns:m="http://schemas.openxmlformats.org/officeDocument/2006/math" xmlns:a14="http://schemas.microsoft.com/office/drawing/2010/main" xmlns:ma14="http://schemas.microsoft.com/office/mac/drawingml/2011/main" val="1"/>
             </a:ext>
           </a:extLst>
         </p:spPr>
@@ -4023,7 +4030,7 @@
           </a:ln>
           <a:extLst>
             <a:ext uri="{C572A759-6A51-4108-AA02-DFA0A04FC94B}">
-              <ma14:wrappingTextBoxFlag xmlns:ma14="http://schemas.microsoft.com/office/mac/drawingml/2011/main" xmlns:a14="http://schemas.microsoft.com/office/drawing/2010/main" xmlns:m="http://schemas.openxmlformats.org/officeDocument/2006/math" xmlns="" val="1"/>
+              <ma14:wrappingTextBoxFlag xmlns="" xmlns:m="http://schemas.openxmlformats.org/officeDocument/2006/math" xmlns:a14="http://schemas.microsoft.com/office/drawing/2010/main" xmlns:ma14="http://schemas.microsoft.com/office/mac/drawingml/2011/main" val="1"/>
             </a:ext>
           </a:extLst>
         </p:spPr>
@@ -4125,7 +4132,7 @@
           </a:ln>
           <a:extLst>
             <a:ext uri="{C572A759-6A51-4108-AA02-DFA0A04FC94B}">
-              <ma14:wrappingTextBoxFlag xmlns:ma14="http://schemas.microsoft.com/office/mac/drawingml/2011/main" xmlns:a14="http://schemas.microsoft.com/office/drawing/2010/main" xmlns:m="http://schemas.openxmlformats.org/officeDocument/2006/math" xmlns="" val="1"/>
+              <ma14:wrappingTextBoxFlag xmlns="" xmlns:m="http://schemas.openxmlformats.org/officeDocument/2006/math" xmlns:a14="http://schemas.microsoft.com/office/drawing/2010/main" xmlns:ma14="http://schemas.microsoft.com/office/mac/drawingml/2011/main" val="1"/>
             </a:ext>
           </a:extLst>
         </p:spPr>
@@ -4717,7 +4724,7 @@
           </a:ln>
           <a:extLst>
             <a:ext uri="{C572A759-6A51-4108-AA02-DFA0A04FC94B}">
-              <ma14:wrappingTextBoxFlag xmlns="" xmlns:m="http://schemas.openxmlformats.org/officeDocument/2006/math" xmlns:a14="http://schemas.microsoft.com/office/drawing/2010/main" xmlns:ma14="http://schemas.microsoft.com/office/mac/drawingml/2011/main" val="1"/>
+              <ma14:wrappingTextBoxFlag xmlns:ma14="http://schemas.microsoft.com/office/mac/drawingml/2011/main" xmlns:a14="http://schemas.microsoft.com/office/drawing/2010/main" xmlns:m="http://schemas.openxmlformats.org/officeDocument/2006/math" xmlns="" val="1"/>
             </a:ext>
           </a:extLst>
         </p:spPr>
@@ -4775,7 +4782,7 @@
           <a:effectLst/>
           <a:extLst>
             <a:ext uri="{C572A759-6A51-4108-AA02-DFA0A04FC94B}">
-              <ma14:wrappingTextBoxFlag xmlns:ma14="http://schemas.microsoft.com/office/mac/drawingml/2011/main" xmlns:a14="http://schemas.microsoft.com/office/drawing/2010/main" xmlns:m="http://schemas.openxmlformats.org/officeDocument/2006/math" xmlns="" val="1"/>
+              <ma14:wrappingTextBoxFlag xmlns="" xmlns:m="http://schemas.openxmlformats.org/officeDocument/2006/math" xmlns:a14="http://schemas.microsoft.com/office/drawing/2010/main" xmlns:ma14="http://schemas.microsoft.com/office/mac/drawingml/2011/main" val="1"/>
             </a:ext>
           </a:extLst>
         </p:spPr>
@@ -4818,7 +4825,7 @@
         </p:nvSpPr>
         <p:spPr>
           <a:xfrm>
-            <a:off x="1040614" y="2068777"/>
+            <a:off x="1040614" y="2573037"/>
             <a:ext cx="2980942" cy="369330"/>
           </a:xfrm>
           <a:prstGeom prst="rect">
@@ -4834,7 +4841,7 @@
           <a:effectLst/>
           <a:extLst>
             <a:ext uri="{C572A759-6A51-4108-AA02-DFA0A04FC94B}">
-              <ma14:wrappingTextBoxFlag xmlns:ma14="http://schemas.microsoft.com/office/mac/drawingml/2011/main" xmlns:a14="http://schemas.microsoft.com/office/drawing/2010/main" xmlns:m="http://schemas.openxmlformats.org/officeDocument/2006/math" xmlns="" val="1"/>
+              <ma14:wrappingTextBoxFlag xmlns="" xmlns:m="http://schemas.openxmlformats.org/officeDocument/2006/math" xmlns:a14="http://schemas.microsoft.com/office/drawing/2010/main" xmlns:ma14="http://schemas.microsoft.com/office/mac/drawingml/2011/main" val="1"/>
             </a:ext>
           </a:extLst>
         </p:spPr>
@@ -4881,7 +4888,7 @@
         </p:nvSpPr>
         <p:spPr>
           <a:xfrm>
-            <a:off x="1040614" y="2571702"/>
+            <a:off x="1040614" y="3579873"/>
             <a:ext cx="5205911" cy="369330"/>
           </a:xfrm>
           <a:prstGeom prst="rect">
@@ -4897,7 +4904,7 @@
           <a:effectLst/>
           <a:extLst>
             <a:ext uri="{C572A759-6A51-4108-AA02-DFA0A04FC94B}">
-              <ma14:wrappingTextBoxFlag xmlns:ma14="http://schemas.microsoft.com/office/mac/drawingml/2011/main" xmlns:a14="http://schemas.microsoft.com/office/drawing/2010/main" xmlns:m="http://schemas.openxmlformats.org/officeDocument/2006/math" xmlns="" val="1"/>
+              <ma14:wrappingTextBoxFlag xmlns="" xmlns:m="http://schemas.openxmlformats.org/officeDocument/2006/math" xmlns:a14="http://schemas.microsoft.com/office/drawing/2010/main" xmlns:ma14="http://schemas.microsoft.com/office/mac/drawingml/2011/main" val="1"/>
             </a:ext>
           </a:extLst>
         </p:spPr>
@@ -4957,7 +4964,7 @@
         </p:nvSpPr>
         <p:spPr>
           <a:xfrm>
-            <a:off x="1040614" y="3080731"/>
+            <a:off x="1040614" y="2068283"/>
             <a:ext cx="2702020" cy="369330"/>
           </a:xfrm>
           <a:prstGeom prst="rect">
@@ -4973,7 +4980,7 @@
           <a:effectLst/>
           <a:extLst>
             <a:ext uri="{C572A759-6A51-4108-AA02-DFA0A04FC94B}">
-              <ma14:wrappingTextBoxFlag xmlns:ma14="http://schemas.microsoft.com/office/mac/drawingml/2011/main" xmlns:a14="http://schemas.microsoft.com/office/drawing/2010/main" xmlns:m="http://schemas.openxmlformats.org/officeDocument/2006/math" xmlns="" val="1"/>
+              <ma14:wrappingTextBoxFlag xmlns="" xmlns:m="http://schemas.openxmlformats.org/officeDocument/2006/math" xmlns:a14="http://schemas.microsoft.com/office/drawing/2010/main" xmlns:ma14="http://schemas.microsoft.com/office/mac/drawingml/2011/main" val="1"/>
             </a:ext>
           </a:extLst>
         </p:spPr>
@@ -5016,7 +5023,7 @@
         </p:nvSpPr>
         <p:spPr>
           <a:xfrm>
-            <a:off x="1040614" y="3589760"/>
+            <a:off x="1040614" y="3076455"/>
             <a:ext cx="5462391" cy="369330"/>
           </a:xfrm>
           <a:prstGeom prst="rect">
@@ -5032,7 +5039,7 @@
           <a:effectLst/>
           <a:extLst>
             <a:ext uri="{C572A759-6A51-4108-AA02-DFA0A04FC94B}">
-              <ma14:wrappingTextBoxFlag xmlns:ma14="http://schemas.microsoft.com/office/mac/drawingml/2011/main" xmlns:a14="http://schemas.microsoft.com/office/drawing/2010/main" xmlns:m="http://schemas.openxmlformats.org/officeDocument/2006/math" xmlns="" val="1"/>
+              <ma14:wrappingTextBoxFlag xmlns="" xmlns:m="http://schemas.openxmlformats.org/officeDocument/2006/math" xmlns:a14="http://schemas.microsoft.com/office/drawing/2010/main" xmlns:ma14="http://schemas.microsoft.com/office/mac/drawingml/2011/main" val="1"/>
             </a:ext>
           </a:extLst>
         </p:spPr>
@@ -5107,7 +5114,7 @@
           <a:effectLst/>
           <a:extLst>
             <a:ext uri="{C572A759-6A51-4108-AA02-DFA0A04FC94B}">
-              <ma14:wrappingTextBoxFlag xmlns:ma14="http://schemas.microsoft.com/office/mac/drawingml/2011/main" xmlns:a14="http://schemas.microsoft.com/office/drawing/2010/main" xmlns:m="http://schemas.openxmlformats.org/officeDocument/2006/math" xmlns="" val="1"/>
+              <ma14:wrappingTextBoxFlag xmlns="" xmlns:m="http://schemas.openxmlformats.org/officeDocument/2006/math" xmlns:a14="http://schemas.microsoft.com/office/drawing/2010/main" xmlns:ma14="http://schemas.microsoft.com/office/mac/drawingml/2011/main" val="1"/>
             </a:ext>
           </a:extLst>
         </p:spPr>
@@ -5388,7 +5395,7 @@
             <a:effectLst/>
             <a:extLst>
               <a:ext uri="{C572A759-6A51-4108-AA02-DFA0A04FC94B}">
-                <ma14:wrappingTextBoxFlag xmlns:ma14="http://schemas.microsoft.com/office/mac/drawingml/2011/main" xmlns:a14="http://schemas.microsoft.com/office/drawing/2010/main" xmlns:m="http://schemas.openxmlformats.org/officeDocument/2006/math" xmlns="" val="1"/>
+                <ma14:wrappingTextBoxFlag xmlns="" xmlns:m="http://schemas.openxmlformats.org/officeDocument/2006/math" xmlns:a14="http://schemas.microsoft.com/office/drawing/2010/main" xmlns:ma14="http://schemas.microsoft.com/office/mac/drawingml/2011/main" val="1"/>
               </a:ext>
             </a:extLst>
           </p:spPr>
@@ -5502,7 +5509,7 @@
             <a:effectLst/>
             <a:extLst>
               <a:ext uri="{C572A759-6A51-4108-AA02-DFA0A04FC94B}">
-                <ma14:wrappingTextBoxFlag xmlns:ma14="http://schemas.microsoft.com/office/mac/drawingml/2011/main" xmlns:a14="http://schemas.microsoft.com/office/drawing/2010/main" xmlns:m="http://schemas.openxmlformats.org/officeDocument/2006/math" xmlns="" val="1"/>
+                <ma14:wrappingTextBoxFlag xmlns="" xmlns:m="http://schemas.openxmlformats.org/officeDocument/2006/math" xmlns:a14="http://schemas.microsoft.com/office/drawing/2010/main" xmlns:ma14="http://schemas.microsoft.com/office/mac/drawingml/2011/main" val="1"/>
               </a:ext>
             </a:extLst>
           </p:spPr>
@@ -5605,7 +5612,7 @@
             <a:effectLst/>
             <a:extLst>
               <a:ext uri="{C572A759-6A51-4108-AA02-DFA0A04FC94B}">
-                <ma14:wrappingTextBoxFlag xmlns:ma14="http://schemas.microsoft.com/office/mac/drawingml/2011/main" xmlns:a14="http://schemas.microsoft.com/office/drawing/2010/main" xmlns:m="http://schemas.openxmlformats.org/officeDocument/2006/math" xmlns="" val="1"/>
+                <ma14:wrappingTextBoxFlag xmlns="" xmlns:m="http://schemas.openxmlformats.org/officeDocument/2006/math" xmlns:a14="http://schemas.microsoft.com/office/drawing/2010/main" xmlns:ma14="http://schemas.microsoft.com/office/mac/drawingml/2011/main" val="1"/>
               </a:ext>
             </a:extLst>
           </p:spPr>
@@ -5706,7 +5713,7 @@
             <a:effectLst/>
             <a:extLst>
               <a:ext uri="{C572A759-6A51-4108-AA02-DFA0A04FC94B}">
-                <ma14:wrappingTextBoxFlag xmlns:ma14="http://schemas.microsoft.com/office/mac/drawingml/2011/main" xmlns:a14="http://schemas.microsoft.com/office/drawing/2010/main" xmlns:m="http://schemas.openxmlformats.org/officeDocument/2006/math" xmlns="" val="1"/>
+                <ma14:wrappingTextBoxFlag xmlns="" xmlns:m="http://schemas.openxmlformats.org/officeDocument/2006/math" xmlns:a14="http://schemas.microsoft.com/office/drawing/2010/main" xmlns:ma14="http://schemas.microsoft.com/office/mac/drawingml/2011/main" val="1"/>
               </a:ext>
             </a:extLst>
           </p:spPr>
@@ -5769,7 +5776,7 @@
           <a:effectLst/>
           <a:extLst>
             <a:ext uri="{C572A759-6A51-4108-AA02-DFA0A04FC94B}">
-              <ma14:wrappingTextBoxFlag xmlns:ma14="http://schemas.microsoft.com/office/mac/drawingml/2011/main" xmlns:a14="http://schemas.microsoft.com/office/drawing/2010/main" xmlns:m="http://schemas.openxmlformats.org/officeDocument/2006/math" xmlns="" val="1"/>
+              <ma14:wrappingTextBoxFlag xmlns="" xmlns:m="http://schemas.openxmlformats.org/officeDocument/2006/math" xmlns:a14="http://schemas.microsoft.com/office/drawing/2010/main" xmlns:ma14="http://schemas.microsoft.com/office/mac/drawingml/2011/main" val="1"/>
             </a:ext>
           </a:extLst>
         </p:spPr>
@@ -5890,7 +5897,7 @@
             <a:effectLst/>
             <a:extLst>
               <a:ext uri="{C572A759-6A51-4108-AA02-DFA0A04FC94B}">
-                <ma14:wrappingTextBoxFlag xmlns:ma14="http://schemas.microsoft.com/office/mac/drawingml/2011/main" xmlns:a14="http://schemas.microsoft.com/office/drawing/2010/main" xmlns:m="http://schemas.openxmlformats.org/officeDocument/2006/math" xmlns="" val="1"/>
+                <ma14:wrappingTextBoxFlag xmlns="" xmlns:m="http://schemas.openxmlformats.org/officeDocument/2006/math" xmlns:a14="http://schemas.microsoft.com/office/drawing/2010/main" xmlns:ma14="http://schemas.microsoft.com/office/mac/drawingml/2011/main" val="1"/>
               </a:ext>
             </a:extLst>
           </p:spPr>
@@ -6002,7 +6009,7 @@
             <a:effectLst/>
             <a:extLst>
               <a:ext uri="{C572A759-6A51-4108-AA02-DFA0A04FC94B}">
-                <ma14:wrappingTextBoxFlag xmlns:ma14="http://schemas.microsoft.com/office/mac/drawingml/2011/main" xmlns:a14="http://schemas.microsoft.com/office/drawing/2010/main" xmlns:m="http://schemas.openxmlformats.org/officeDocument/2006/math" xmlns="" val="1"/>
+                <ma14:wrappingTextBoxFlag xmlns="" xmlns:m="http://schemas.openxmlformats.org/officeDocument/2006/math" xmlns:a14="http://schemas.microsoft.com/office/drawing/2010/main" xmlns:ma14="http://schemas.microsoft.com/office/mac/drawingml/2011/main" val="1"/>
               </a:ext>
             </a:extLst>
           </p:spPr>
@@ -6116,7 +6123,7 @@
             <a:effectLst/>
             <a:extLst>
               <a:ext uri="{C572A759-6A51-4108-AA02-DFA0A04FC94B}">
-                <ma14:wrappingTextBoxFlag xmlns:ma14="http://schemas.microsoft.com/office/mac/drawingml/2011/main" xmlns:a14="http://schemas.microsoft.com/office/drawing/2010/main" xmlns:m="http://schemas.openxmlformats.org/officeDocument/2006/math" xmlns="" val="1"/>
+                <ma14:wrappingTextBoxFlag xmlns="" xmlns:m="http://schemas.openxmlformats.org/officeDocument/2006/math" xmlns:a14="http://schemas.microsoft.com/office/drawing/2010/main" xmlns:ma14="http://schemas.microsoft.com/office/mac/drawingml/2011/main" val="1"/>
               </a:ext>
             </a:extLst>
           </p:spPr>
@@ -6219,7 +6226,7 @@
             <a:effectLst/>
             <a:extLst>
               <a:ext uri="{C572A759-6A51-4108-AA02-DFA0A04FC94B}">
-                <ma14:wrappingTextBoxFlag xmlns:ma14="http://schemas.microsoft.com/office/mac/drawingml/2011/main" xmlns:a14="http://schemas.microsoft.com/office/drawing/2010/main" xmlns:m="http://schemas.openxmlformats.org/officeDocument/2006/math" xmlns="" val="1"/>
+                <ma14:wrappingTextBoxFlag xmlns="" xmlns:m="http://schemas.openxmlformats.org/officeDocument/2006/math" xmlns:a14="http://schemas.microsoft.com/office/drawing/2010/main" xmlns:ma14="http://schemas.microsoft.com/office/mac/drawingml/2011/main" val="1"/>
               </a:ext>
             </a:extLst>
           </p:spPr>
@@ -6340,7 +6347,7 @@
               <a:effectLst/>
               <a:extLst>
                 <a:ext uri="{C572A759-6A51-4108-AA02-DFA0A04FC94B}">
-                  <ma14:wrappingTextBoxFlag xmlns:ma14="http://schemas.microsoft.com/office/mac/drawingml/2011/main" xmlns:a14="http://schemas.microsoft.com/office/drawing/2010/main" xmlns:m="http://schemas.openxmlformats.org/officeDocument/2006/math" xmlns="" val="1"/>
+                  <ma14:wrappingTextBoxFlag xmlns="" xmlns:m="http://schemas.openxmlformats.org/officeDocument/2006/math" xmlns:a14="http://schemas.microsoft.com/office/drawing/2010/main" xmlns:ma14="http://schemas.microsoft.com/office/mac/drawingml/2011/main" val="1"/>
                 </a:ext>
               </a:extLst>
             </p:spPr>
@@ -6403,7 +6410,7 @@
               <a:effectLst/>
               <a:extLst>
                 <a:ext uri="{C572A759-6A51-4108-AA02-DFA0A04FC94B}">
-                  <ma14:wrappingTextBoxFlag xmlns:ma14="http://schemas.microsoft.com/office/mac/drawingml/2011/main" xmlns:a14="http://schemas.microsoft.com/office/drawing/2010/main" xmlns:m="http://schemas.openxmlformats.org/officeDocument/2006/math" xmlns="" val="1"/>
+                  <ma14:wrappingTextBoxFlag xmlns="" xmlns:m="http://schemas.openxmlformats.org/officeDocument/2006/math" xmlns:a14="http://schemas.microsoft.com/office/drawing/2010/main" xmlns:ma14="http://schemas.microsoft.com/office/mac/drawingml/2011/main" val="1"/>
                 </a:ext>
               </a:extLst>
             </p:spPr>
@@ -6552,7 +6559,7 @@
             <a:effectLst/>
             <a:extLst>
               <a:ext uri="{C572A759-6A51-4108-AA02-DFA0A04FC94B}">
-                <ma14:wrappingTextBoxFlag xmlns:ma14="http://schemas.microsoft.com/office/mac/drawingml/2011/main" xmlns:a14="http://schemas.microsoft.com/office/drawing/2010/main" xmlns:m="http://schemas.openxmlformats.org/officeDocument/2006/math" xmlns="" val="1"/>
+                <ma14:wrappingTextBoxFlag xmlns="" xmlns:m="http://schemas.openxmlformats.org/officeDocument/2006/math" xmlns:a14="http://schemas.microsoft.com/office/drawing/2010/main" xmlns:ma14="http://schemas.microsoft.com/office/mac/drawingml/2011/main" val="1"/>
               </a:ext>
             </a:extLst>
           </p:spPr>
@@ -6687,7 +6694,7 @@
             <a:effectLst/>
             <a:extLst>
               <a:ext uri="{C572A759-6A51-4108-AA02-DFA0A04FC94B}">
-                <ma14:wrappingTextBoxFlag xmlns:ma14="http://schemas.microsoft.com/office/mac/drawingml/2011/main" xmlns:a14="http://schemas.microsoft.com/office/drawing/2010/main" xmlns:m="http://schemas.openxmlformats.org/officeDocument/2006/math" xmlns="" val="1"/>
+                <ma14:wrappingTextBoxFlag xmlns="" xmlns:m="http://schemas.openxmlformats.org/officeDocument/2006/math" xmlns:a14="http://schemas.microsoft.com/office/drawing/2010/main" xmlns:ma14="http://schemas.microsoft.com/office/mac/drawingml/2011/main" val="1"/>
               </a:ext>
             </a:extLst>
           </p:spPr>
@@ -6801,7 +6808,7 @@
             <a:effectLst/>
             <a:extLst>
               <a:ext uri="{C572A759-6A51-4108-AA02-DFA0A04FC94B}">
-                <ma14:wrappingTextBoxFlag xmlns:ma14="http://schemas.microsoft.com/office/mac/drawingml/2011/main" xmlns:a14="http://schemas.microsoft.com/office/drawing/2010/main" xmlns:m="http://schemas.openxmlformats.org/officeDocument/2006/math" xmlns="" val="1"/>
+                <ma14:wrappingTextBoxFlag xmlns="" xmlns:m="http://schemas.openxmlformats.org/officeDocument/2006/math" xmlns:a14="http://schemas.microsoft.com/office/drawing/2010/main" xmlns:ma14="http://schemas.microsoft.com/office/mac/drawingml/2011/main" val="1"/>
               </a:ext>
             </a:extLst>
           </p:spPr>
@@ -6904,7 +6911,7 @@
             <a:effectLst/>
             <a:extLst>
               <a:ext uri="{C572A759-6A51-4108-AA02-DFA0A04FC94B}">
-                <ma14:wrappingTextBoxFlag xmlns:ma14="http://schemas.microsoft.com/office/mac/drawingml/2011/main" xmlns:a14="http://schemas.microsoft.com/office/drawing/2010/main" xmlns:m="http://schemas.openxmlformats.org/officeDocument/2006/math" xmlns="" val="1"/>
+                <ma14:wrappingTextBoxFlag xmlns="" xmlns:m="http://schemas.openxmlformats.org/officeDocument/2006/math" xmlns:a14="http://schemas.microsoft.com/office/drawing/2010/main" xmlns:ma14="http://schemas.microsoft.com/office/mac/drawingml/2011/main" val="1"/>
               </a:ext>
             </a:extLst>
           </p:spPr>
@@ -7005,7 +7012,7 @@
             <a:effectLst/>
             <a:extLst>
               <a:ext uri="{C572A759-6A51-4108-AA02-DFA0A04FC94B}">
-                <ma14:wrappingTextBoxFlag xmlns:ma14="http://schemas.microsoft.com/office/mac/drawingml/2011/main" xmlns:a14="http://schemas.microsoft.com/office/drawing/2010/main" xmlns:m="http://schemas.openxmlformats.org/officeDocument/2006/math" xmlns="" val="1"/>
+                <ma14:wrappingTextBoxFlag xmlns="" xmlns:m="http://schemas.openxmlformats.org/officeDocument/2006/math" xmlns:a14="http://schemas.microsoft.com/office/drawing/2010/main" xmlns:ma14="http://schemas.microsoft.com/office/mac/drawingml/2011/main" val="1"/>
               </a:ext>
             </a:extLst>
           </p:spPr>
@@ -7114,7 +7121,7 @@
             <a:effectLst/>
             <a:extLst>
               <a:ext uri="{C572A759-6A51-4108-AA02-DFA0A04FC94B}">
-                <ma14:wrappingTextBoxFlag xmlns:ma14="http://schemas.microsoft.com/office/mac/drawingml/2011/main" xmlns:a14="http://schemas.microsoft.com/office/drawing/2010/main" xmlns:m="http://schemas.openxmlformats.org/officeDocument/2006/math" xmlns="" val="1"/>
+                <ma14:wrappingTextBoxFlag xmlns="" xmlns:m="http://schemas.openxmlformats.org/officeDocument/2006/math" xmlns:a14="http://schemas.microsoft.com/office/drawing/2010/main" xmlns:ma14="http://schemas.microsoft.com/office/mac/drawingml/2011/main" val="1"/>
               </a:ext>
             </a:extLst>
           </p:spPr>
@@ -7318,7 +7325,7 @@
               <a:effectLst/>
               <a:extLst>
                 <a:ext uri="{C572A759-6A51-4108-AA02-DFA0A04FC94B}">
-                  <ma14:wrappingTextBoxFlag xmlns:ma14="http://schemas.microsoft.com/office/mac/drawingml/2011/main" xmlns:a14="http://schemas.microsoft.com/office/drawing/2010/main" xmlns:m="http://schemas.openxmlformats.org/officeDocument/2006/math" xmlns="" val="1"/>
+                  <ma14:wrappingTextBoxFlag xmlns="" xmlns:m="http://schemas.openxmlformats.org/officeDocument/2006/math" xmlns:a14="http://schemas.microsoft.com/office/drawing/2010/main" xmlns:ma14="http://schemas.microsoft.com/office/mac/drawingml/2011/main" val="1"/>
                 </a:ext>
               </a:extLst>
             </p:spPr>
@@ -7430,7 +7437,7 @@
               <a:effectLst/>
               <a:extLst>
                 <a:ext uri="{C572A759-6A51-4108-AA02-DFA0A04FC94B}">
-                  <ma14:wrappingTextBoxFlag xmlns:ma14="http://schemas.microsoft.com/office/mac/drawingml/2011/main" xmlns:a14="http://schemas.microsoft.com/office/drawing/2010/main" xmlns:m="http://schemas.openxmlformats.org/officeDocument/2006/math" xmlns="" val="1"/>
+                  <ma14:wrappingTextBoxFlag xmlns="" xmlns:m="http://schemas.openxmlformats.org/officeDocument/2006/math" xmlns:a14="http://schemas.microsoft.com/office/drawing/2010/main" xmlns:ma14="http://schemas.microsoft.com/office/mac/drawingml/2011/main" val="1"/>
                 </a:ext>
               </a:extLst>
             </p:spPr>
@@ -7544,7 +7551,7 @@
               <a:effectLst/>
               <a:extLst>
                 <a:ext uri="{C572A759-6A51-4108-AA02-DFA0A04FC94B}">
-                  <ma14:wrappingTextBoxFlag xmlns:ma14="http://schemas.microsoft.com/office/mac/drawingml/2011/main" xmlns:a14="http://schemas.microsoft.com/office/drawing/2010/main" xmlns:m="http://schemas.openxmlformats.org/officeDocument/2006/math" xmlns="" val="1"/>
+                  <ma14:wrappingTextBoxFlag xmlns="" xmlns:m="http://schemas.openxmlformats.org/officeDocument/2006/math" xmlns:a14="http://schemas.microsoft.com/office/drawing/2010/main" xmlns:ma14="http://schemas.microsoft.com/office/mac/drawingml/2011/main" val="1"/>
                 </a:ext>
               </a:extLst>
             </p:spPr>
@@ -7706,7 +7713,7 @@
                 <a:effectLst/>
                 <a:extLst>
                   <a:ext uri="{C572A759-6A51-4108-AA02-DFA0A04FC94B}">
-                    <ma14:wrappingTextBoxFlag xmlns:ma14="http://schemas.microsoft.com/office/mac/drawingml/2011/main" xmlns:a14="http://schemas.microsoft.com/office/drawing/2010/main" xmlns:m="http://schemas.openxmlformats.org/officeDocument/2006/math" xmlns="" val="1"/>
+                    <ma14:wrappingTextBoxFlag xmlns="" xmlns:m="http://schemas.openxmlformats.org/officeDocument/2006/math" xmlns:a14="http://schemas.microsoft.com/office/drawing/2010/main" xmlns:ma14="http://schemas.microsoft.com/office/mac/drawingml/2011/main" val="1"/>
                   </a:ext>
                 </a:extLst>
               </p:spPr>
@@ -7769,7 +7776,7 @@
                 <a:effectLst/>
                 <a:extLst>
                   <a:ext uri="{C572A759-6A51-4108-AA02-DFA0A04FC94B}">
-                    <ma14:wrappingTextBoxFlag xmlns:ma14="http://schemas.microsoft.com/office/mac/drawingml/2011/main" xmlns:a14="http://schemas.microsoft.com/office/drawing/2010/main" xmlns:m="http://schemas.openxmlformats.org/officeDocument/2006/math" xmlns="" val="1"/>
+                    <ma14:wrappingTextBoxFlag xmlns="" xmlns:m="http://schemas.openxmlformats.org/officeDocument/2006/math" xmlns:a14="http://schemas.microsoft.com/office/drawing/2010/main" xmlns:ma14="http://schemas.microsoft.com/office/mac/drawingml/2011/main" val="1"/>
                   </a:ext>
                 </a:extLst>
               </p:spPr>
@@ -7833,7 +7840,7 @@
             <a:effectLst/>
             <a:extLst>
               <a:ext uri="{C572A759-6A51-4108-AA02-DFA0A04FC94B}">
-                <ma14:wrappingTextBoxFlag xmlns:ma14="http://schemas.microsoft.com/office/mac/drawingml/2011/main" xmlns:a14="http://schemas.microsoft.com/office/drawing/2010/main" xmlns:m="http://schemas.openxmlformats.org/officeDocument/2006/math" xmlns="" val="1"/>
+                <ma14:wrappingTextBoxFlag xmlns="" xmlns:m="http://schemas.openxmlformats.org/officeDocument/2006/math" xmlns:a14="http://schemas.microsoft.com/office/drawing/2010/main" xmlns:ma14="http://schemas.microsoft.com/office/mac/drawingml/2011/main" val="1"/>
               </a:ext>
             </a:extLst>
           </p:spPr>
@@ -7981,7 +7988,7 @@
           </a:ln>
           <a:extLst>
             <a:ext uri="{C572A759-6A51-4108-AA02-DFA0A04FC94B}">
-              <ma14:wrappingTextBoxFlag xmlns:ma14="http://schemas.microsoft.com/office/mac/drawingml/2011/main" xmlns:a14="http://schemas.microsoft.com/office/drawing/2010/main" xmlns:m="http://schemas.openxmlformats.org/officeDocument/2006/math" xmlns="" val="1"/>
+              <ma14:wrappingTextBoxFlag xmlns="" xmlns:m="http://schemas.openxmlformats.org/officeDocument/2006/math" xmlns:a14="http://schemas.microsoft.com/office/drawing/2010/main" xmlns:ma14="http://schemas.microsoft.com/office/mac/drawingml/2011/main" val="1"/>
             </a:ext>
           </a:extLst>
         </p:spPr>
@@ -8259,7 +8266,7 @@
             <a:effectLst/>
             <a:extLst>
               <a:ext uri="{C572A759-6A51-4108-AA02-DFA0A04FC94B}">
-                <ma14:wrappingTextBoxFlag xmlns="" xmlns:m="http://schemas.openxmlformats.org/officeDocument/2006/math" xmlns:a14="http://schemas.microsoft.com/office/drawing/2010/main" xmlns:ma14="http://schemas.microsoft.com/office/mac/drawingml/2011/main" val="1"/>
+                <ma14:wrappingTextBoxFlag xmlns:ma14="http://schemas.microsoft.com/office/mac/drawingml/2011/main" xmlns:a14="http://schemas.microsoft.com/office/drawing/2010/main" xmlns:m="http://schemas.openxmlformats.org/officeDocument/2006/math" xmlns="" val="1"/>
               </a:ext>
             </a:extLst>
           </p:spPr>
@@ -8309,7 +8316,7 @@
             <a:effectLst/>
             <a:extLst>
               <a:ext uri="{C572A759-6A51-4108-AA02-DFA0A04FC94B}">
-                <ma14:wrappingTextBoxFlag xmlns="" xmlns:m="http://schemas.openxmlformats.org/officeDocument/2006/math" xmlns:a14="http://schemas.microsoft.com/office/drawing/2010/main" xmlns:ma14="http://schemas.microsoft.com/office/mac/drawingml/2011/main" val="1"/>
+                <ma14:wrappingTextBoxFlag xmlns:ma14="http://schemas.microsoft.com/office/mac/drawingml/2011/main" xmlns:a14="http://schemas.microsoft.com/office/drawing/2010/main" xmlns:m="http://schemas.openxmlformats.org/officeDocument/2006/math" xmlns="" val="1"/>
               </a:ext>
             </a:extLst>
           </p:spPr>
@@ -8359,7 +8366,7 @@
             <a:effectLst/>
             <a:extLst>
               <a:ext uri="{C572A759-6A51-4108-AA02-DFA0A04FC94B}">
-                <ma14:wrappingTextBoxFlag xmlns="" xmlns:m="http://schemas.openxmlformats.org/officeDocument/2006/math" xmlns:a14="http://schemas.microsoft.com/office/drawing/2010/main" xmlns:ma14="http://schemas.microsoft.com/office/mac/drawingml/2011/main" val="1"/>
+                <ma14:wrappingTextBoxFlag xmlns:ma14="http://schemas.microsoft.com/office/mac/drawingml/2011/main" xmlns:a14="http://schemas.microsoft.com/office/drawing/2010/main" xmlns:m="http://schemas.openxmlformats.org/officeDocument/2006/math" xmlns="" val="1"/>
               </a:ext>
             </a:extLst>
           </p:spPr>
@@ -8409,7 +8416,7 @@
             <a:effectLst/>
             <a:extLst>
               <a:ext uri="{C572A759-6A51-4108-AA02-DFA0A04FC94B}">
-                <ma14:wrappingTextBoxFlag xmlns="" xmlns:m="http://schemas.openxmlformats.org/officeDocument/2006/math" xmlns:a14="http://schemas.microsoft.com/office/drawing/2010/main" xmlns:ma14="http://schemas.microsoft.com/office/mac/drawingml/2011/main" val="1"/>
+                <ma14:wrappingTextBoxFlag xmlns:ma14="http://schemas.microsoft.com/office/mac/drawingml/2011/main" xmlns:a14="http://schemas.microsoft.com/office/drawing/2010/main" xmlns:m="http://schemas.openxmlformats.org/officeDocument/2006/math" xmlns="" val="1"/>
               </a:ext>
             </a:extLst>
           </p:spPr>
